--- a/clase6/teoria/clase6.pptx
+++ b/clase6/teoria/clase6.pptx
@@ -237,7 +237,7 @@
           <a:p>
             <a:fld id="{A166A2AB-E11F-CF45-8817-57EE1ECD187F}" type="datetimeFigureOut">
               <a:rPr lang="es-ES_tradnl" smtClean="0"/>
-              <a:t>5/4/24</a:t>
+              <a:t>12/4/24</a:t>
             </a:fld>
             <a:endParaRPr lang="es-ES_tradnl"/>
           </a:p>
@@ -5745,7 +5745,7 @@
           <a:p>
             <a:fld id="{BD016BBE-372F-8747-90B7-0D97B79DB70D}" type="datetime1">
               <a:rPr lang="en-US" smtClean="0"/>
-              <a:t>4/5/24</a:t>
+              <a:t>4/12/24</a:t>
             </a:fld>
             <a:endParaRPr lang="en-US" dirty="0"/>
           </a:p>
@@ -5975,7 +5975,7 @@
           <a:p>
             <a:fld id="{52088FDC-78CF-244E-B28C-A3D8E0C14A7A}" type="datetime1">
               <a:rPr lang="en-US" smtClean="0"/>
-              <a:t>4/5/24</a:t>
+              <a:t>4/12/24</a:t>
             </a:fld>
             <a:endParaRPr lang="en-US"/>
           </a:p>
@@ -6186,7 +6186,7 @@
           <a:p>
             <a:fld id="{8B9418FF-4771-6547-A594-8A464D87463A}" type="datetime1">
               <a:rPr lang="en-US" smtClean="0"/>
-              <a:t>4/5/24</a:t>
+              <a:t>4/12/24</a:t>
             </a:fld>
             <a:endParaRPr lang="en-US"/>
           </a:p>
@@ -6394,7 +6394,7 @@
           <a:p>
             <a:fld id="{858BE599-75C7-B34E-943D-643FCF23E70F}" type="datetime1">
               <a:rPr lang="en-US" smtClean="0"/>
-              <a:t>4/5/24</a:t>
+              <a:t>4/12/24</a:t>
             </a:fld>
             <a:endParaRPr lang="en-US" dirty="0"/>
           </a:p>
@@ -6671,7 +6671,7 @@
           <a:p>
             <a:fld id="{71FD53E5-AE1B-F84F-B8A8-6681965D781D}" type="datetime1">
               <a:rPr lang="en-US" smtClean="0"/>
-              <a:t>4/5/24</a:t>
+              <a:t>4/12/24</a:t>
             </a:fld>
             <a:endParaRPr lang="en-US"/>
           </a:p>
@@ -6947,7 +6947,7 @@
           <a:p>
             <a:fld id="{53125527-6218-C14B-9A25-EEA9A08E3831}" type="datetime1">
               <a:rPr lang="en-US" smtClean="0"/>
-              <a:t>4/5/24</a:t>
+              <a:t>4/12/24</a:t>
             </a:fld>
             <a:endParaRPr lang="en-US"/>
           </a:p>
@@ -7365,7 +7365,7 @@
           <a:p>
             <a:fld id="{0ACFFC48-7972-6544-8F4D-865EAA14D066}" type="datetime1">
               <a:rPr lang="en-US" smtClean="0"/>
-              <a:t>4/5/24</a:t>
+              <a:t>4/12/24</a:t>
             </a:fld>
             <a:endParaRPr lang="en-US"/>
           </a:p>
@@ -7520,7 +7520,7 @@
           <a:p>
             <a:fld id="{B431B907-A9D4-9141-9ABC-E973C3AB450F}" type="datetime1">
               <a:rPr lang="en-US" smtClean="0"/>
-              <a:t>4/5/24</a:t>
+              <a:t>4/12/24</a:t>
             </a:fld>
             <a:endParaRPr lang="en-US"/>
           </a:p>
@@ -7636,7 +7636,7 @@
           <a:p>
             <a:fld id="{C65D3E84-F438-B044-AFC7-277DF79F4232}" type="datetime1">
               <a:rPr lang="en-US" smtClean="0"/>
-              <a:t>4/5/24</a:t>
+              <a:t>4/12/24</a:t>
             </a:fld>
             <a:endParaRPr lang="en-US"/>
           </a:p>
@@ -7950,7 +7950,7 @@
           <a:p>
             <a:fld id="{1E555376-EF5D-C04F-913F-EE22F3D3B7E4}" type="datetime1">
               <a:rPr lang="en-US" smtClean="0"/>
-              <a:t>4/5/24</a:t>
+              <a:t>4/12/24</a:t>
             </a:fld>
             <a:endParaRPr lang="en-US"/>
           </a:p>
@@ -8244,7 +8244,7 @@
           <a:p>
             <a:fld id="{8ED2341E-CC64-994D-98BD-F3644054835A}" type="datetime1">
               <a:rPr lang="en-US" smtClean="0"/>
-              <a:t>4/5/24</a:t>
+              <a:t>4/12/24</a:t>
             </a:fld>
             <a:endParaRPr lang="en-US"/>
           </a:p>
@@ -8555,7 +8555,7 @@
           <a:p>
             <a:fld id="{E0F61CEF-AB21-694C-A12A-2635F91EF22B}" type="datetime1">
               <a:rPr lang="en-US" smtClean="0"/>
-              <a:t>4/5/24</a:t>
+              <a:t>4/12/24</a:t>
             </a:fld>
             <a:endParaRPr lang="en-US" dirty="0"/>
           </a:p>
@@ -30298,11 +30298,11 @@
             </a:pPr>
             <a:r>
               <a:rPr lang="es-ES_tradnl" sz="2400" i="1" dirty="0"/>
-              <a:t>Usemos una REST API y creemos una REST API mediante un Hand-</a:t>
+              <a:t>Usemos una REST API y creemos una REST API mediante un </a:t>
             </a:r>
             <a:r>
               <a:rPr lang="es-ES_tradnl" sz="2400" i="1" dirty="0" err="1"/>
-              <a:t>on</a:t>
+              <a:t>Hands-on</a:t>
             </a:r>
             <a:r>
               <a:rPr lang="es-ES_tradnl" sz="2400" i="1" dirty="0"/>

--- a/clase6/teoria/clase6.pptx
+++ b/clase6/teoria/clase6.pptx
@@ -237,7 +237,7 @@
           <a:p>
             <a:fld id="{A166A2AB-E11F-CF45-8817-57EE1ECD187F}" type="datetimeFigureOut">
               <a:rPr lang="es-ES_tradnl" smtClean="0"/>
-              <a:t>12/4/24</a:t>
+              <a:t>12/4/25</a:t>
             </a:fld>
             <a:endParaRPr lang="es-ES_tradnl"/>
           </a:p>
@@ -549,27 +549,6 @@
           <a:bodyPr/>
           <a:lstStyle/>
           <a:p>
-            <a:r>
-              <a:rPr lang="es-ES_tradnl" dirty="0"/>
-              <a:t>En esta clase veremos lo destacado</a:t>
-            </a:r>
-          </a:p>
-          <a:p>
-            <a:endParaRPr lang="es-ES_tradnl" dirty="0"/>
-          </a:p>
-          <a:p>
-            <a:r>
-              <a:rPr lang="es-ES_tradnl" dirty="0" err="1"/>
-              <a:t>AdD</a:t>
-            </a:r>
-            <a:r>
-              <a:rPr lang="es-ES_tradnl" dirty="0"/>
-              <a:t>: </a:t>
-            </a:r>
-            <a:r>
-              <a:rPr lang="es-ES_tradnl" i="1" dirty="0"/>
-              <a:t>Análisis de datos </a:t>
-            </a:r>
             <a:endParaRPr lang="es-ES_tradnl" dirty="0"/>
           </a:p>
         </p:txBody>
@@ -591,7 +570,7 @@
           <a:p>
             <a:fld id="{B24B9C7F-A9AC-8444-A793-28261E8C383E}" type="slidenum">
               <a:rPr lang="es-ES_tradnl" smtClean="0"/>
-              <a:t>3</a:t>
+              <a:t>1</a:t>
             </a:fld>
             <a:endParaRPr lang="es-ES_tradnl"/>
           </a:p>
@@ -600,7 +579,7 @@
     </p:spTree>
     <p:extLst>
       <p:ext uri="{BB962C8B-B14F-4D97-AF65-F5344CB8AC3E}">
-        <p14:creationId xmlns:p14="http://schemas.microsoft.com/office/powerpoint/2010/main" val="417094743"/>
+        <p14:creationId xmlns:p14="http://schemas.microsoft.com/office/powerpoint/2010/main" val="3917016912"/>
       </p:ext>
     </p:extLst>
   </p:cSld>
@@ -699,7 +678,7 @@
           <a:p>
             <a:fld id="{B24B9C7F-A9AC-8444-A793-28261E8C383E}" type="slidenum">
               <a:rPr lang="es-ES_tradnl" smtClean="0"/>
-              <a:t>13</a:t>
+              <a:t>12</a:t>
             </a:fld>
             <a:endParaRPr lang="es-ES_tradnl"/>
           </a:p>
@@ -708,7 +687,7 @@
     </p:spTree>
     <p:extLst>
       <p:ext uri="{BB962C8B-B14F-4D97-AF65-F5344CB8AC3E}">
-        <p14:creationId xmlns:p14="http://schemas.microsoft.com/office/powerpoint/2010/main" val="817889214"/>
+        <p14:creationId xmlns:p14="http://schemas.microsoft.com/office/powerpoint/2010/main" val="3820544085"/>
       </p:ext>
     </p:extLst>
   </p:cSld>
@@ -807,7 +786,7 @@
           <a:p>
             <a:fld id="{B24B9C7F-A9AC-8444-A793-28261E8C383E}" type="slidenum">
               <a:rPr lang="es-ES_tradnl" smtClean="0"/>
-              <a:t>14</a:t>
+              <a:t>13</a:t>
             </a:fld>
             <a:endParaRPr lang="es-ES_tradnl"/>
           </a:p>
@@ -816,7 +795,7 @@
     </p:spTree>
     <p:extLst>
       <p:ext uri="{BB962C8B-B14F-4D97-AF65-F5344CB8AC3E}">
-        <p14:creationId xmlns:p14="http://schemas.microsoft.com/office/powerpoint/2010/main" val="1734692888"/>
+        <p14:creationId xmlns:p14="http://schemas.microsoft.com/office/powerpoint/2010/main" val="817889214"/>
       </p:ext>
     </p:extLst>
   </p:cSld>
@@ -915,7 +894,7 @@
           <a:p>
             <a:fld id="{B24B9C7F-A9AC-8444-A793-28261E8C383E}" type="slidenum">
               <a:rPr lang="es-ES_tradnl" smtClean="0"/>
-              <a:t>15</a:t>
+              <a:t>14</a:t>
             </a:fld>
             <a:endParaRPr lang="es-ES_tradnl"/>
           </a:p>
@@ -924,7 +903,7 @@
     </p:spTree>
     <p:extLst>
       <p:ext uri="{BB962C8B-B14F-4D97-AF65-F5344CB8AC3E}">
-        <p14:creationId xmlns:p14="http://schemas.microsoft.com/office/powerpoint/2010/main" val="3829776876"/>
+        <p14:creationId xmlns:p14="http://schemas.microsoft.com/office/powerpoint/2010/main" val="1734692888"/>
       </p:ext>
     </p:extLst>
   </p:cSld>
@@ -1023,7 +1002,7 @@
           <a:p>
             <a:fld id="{B24B9C7F-A9AC-8444-A793-28261E8C383E}" type="slidenum">
               <a:rPr lang="es-ES_tradnl" smtClean="0"/>
-              <a:t>16</a:t>
+              <a:t>15</a:t>
             </a:fld>
             <a:endParaRPr lang="es-ES_tradnl"/>
           </a:p>
@@ -1032,7 +1011,7 @@
     </p:spTree>
     <p:extLst>
       <p:ext uri="{BB962C8B-B14F-4D97-AF65-F5344CB8AC3E}">
-        <p14:creationId xmlns:p14="http://schemas.microsoft.com/office/powerpoint/2010/main" val="341305720"/>
+        <p14:creationId xmlns:p14="http://schemas.microsoft.com/office/powerpoint/2010/main" val="3829776876"/>
       </p:ext>
     </p:extLst>
   </p:cSld>
@@ -1131,7 +1110,7 @@
           <a:p>
             <a:fld id="{B24B9C7F-A9AC-8444-A793-28261E8C383E}" type="slidenum">
               <a:rPr lang="es-ES_tradnl" smtClean="0"/>
-              <a:t>17</a:t>
+              <a:t>16</a:t>
             </a:fld>
             <a:endParaRPr lang="es-ES_tradnl"/>
           </a:p>
@@ -1140,7 +1119,7 @@
     </p:spTree>
     <p:extLst>
       <p:ext uri="{BB962C8B-B14F-4D97-AF65-F5344CB8AC3E}">
-        <p14:creationId xmlns:p14="http://schemas.microsoft.com/office/powerpoint/2010/main" val="137026090"/>
+        <p14:creationId xmlns:p14="http://schemas.microsoft.com/office/powerpoint/2010/main" val="341305720"/>
       </p:ext>
     </p:extLst>
   </p:cSld>
@@ -1239,7 +1218,7 @@
           <a:p>
             <a:fld id="{B24B9C7F-A9AC-8444-A793-28261E8C383E}" type="slidenum">
               <a:rPr lang="es-ES_tradnl" smtClean="0"/>
-              <a:t>18</a:t>
+              <a:t>17</a:t>
             </a:fld>
             <a:endParaRPr lang="es-ES_tradnl"/>
           </a:p>
@@ -1248,7 +1227,7 @@
     </p:spTree>
     <p:extLst>
       <p:ext uri="{BB962C8B-B14F-4D97-AF65-F5344CB8AC3E}">
-        <p14:creationId xmlns:p14="http://schemas.microsoft.com/office/powerpoint/2010/main" val="286358010"/>
+        <p14:creationId xmlns:p14="http://schemas.microsoft.com/office/powerpoint/2010/main" val="137026090"/>
       </p:ext>
     </p:extLst>
   </p:cSld>
@@ -1347,7 +1326,7 @@
           <a:p>
             <a:fld id="{B24B9C7F-A9AC-8444-A793-28261E8C383E}" type="slidenum">
               <a:rPr lang="es-ES_tradnl" smtClean="0"/>
-              <a:t>20</a:t>
+              <a:t>18</a:t>
             </a:fld>
             <a:endParaRPr lang="es-ES_tradnl"/>
           </a:p>
@@ -1356,7 +1335,7 @@
     </p:spTree>
     <p:extLst>
       <p:ext uri="{BB962C8B-B14F-4D97-AF65-F5344CB8AC3E}">
-        <p14:creationId xmlns:p14="http://schemas.microsoft.com/office/powerpoint/2010/main" val="4246158302"/>
+        <p14:creationId xmlns:p14="http://schemas.microsoft.com/office/powerpoint/2010/main" val="286358010"/>
       </p:ext>
     </p:extLst>
   </p:cSld>
@@ -1455,7 +1434,7 @@
           <a:p>
             <a:fld id="{B24B9C7F-A9AC-8444-A793-28261E8C383E}" type="slidenum">
               <a:rPr lang="es-ES_tradnl" smtClean="0"/>
-              <a:t>21</a:t>
+              <a:t>20</a:t>
             </a:fld>
             <a:endParaRPr lang="es-ES_tradnl"/>
           </a:p>
@@ -1464,7 +1443,7 @@
     </p:spTree>
     <p:extLst>
       <p:ext uri="{BB962C8B-B14F-4D97-AF65-F5344CB8AC3E}">
-        <p14:creationId xmlns:p14="http://schemas.microsoft.com/office/powerpoint/2010/main" val="1590557481"/>
+        <p14:creationId xmlns:p14="http://schemas.microsoft.com/office/powerpoint/2010/main" val="4246158302"/>
       </p:ext>
     </p:extLst>
   </p:cSld>
@@ -1563,7 +1542,7 @@
           <a:p>
             <a:fld id="{B24B9C7F-A9AC-8444-A793-28261E8C383E}" type="slidenum">
               <a:rPr lang="es-ES_tradnl" smtClean="0"/>
-              <a:t>22</a:t>
+              <a:t>21</a:t>
             </a:fld>
             <a:endParaRPr lang="es-ES_tradnl"/>
           </a:p>
@@ -1572,7 +1551,7 @@
     </p:spTree>
     <p:extLst>
       <p:ext uri="{BB962C8B-B14F-4D97-AF65-F5344CB8AC3E}">
-        <p14:creationId xmlns:p14="http://schemas.microsoft.com/office/powerpoint/2010/main" val="3381206390"/>
+        <p14:creationId xmlns:p14="http://schemas.microsoft.com/office/powerpoint/2010/main" val="1590557481"/>
       </p:ext>
     </p:extLst>
   </p:cSld>
@@ -1644,792 +1623,6 @@
           <a:bodyPr/>
           <a:lstStyle/>
           <a:p>
-            <a:r>
-              <a:rPr lang="en-US" dirty="0"/>
-              <a:t>SOAP (</a:t>
-            </a:r>
-            <a:r>
-              <a:rPr lang="en-US" dirty="0" err="1"/>
-              <a:t>anteriormente</a:t>
-            </a:r>
-            <a:r>
-              <a:rPr lang="en-US" dirty="0"/>
-              <a:t> </a:t>
-            </a:r>
-            <a:r>
-              <a:rPr lang="en-US" dirty="0" err="1"/>
-              <a:t>conocido</a:t>
-            </a:r>
-            <a:r>
-              <a:rPr lang="en-US" dirty="0"/>
-              <a:t> </a:t>
-            </a:r>
-            <a:r>
-              <a:rPr lang="en-US" dirty="0" err="1"/>
-              <a:t>como</a:t>
-            </a:r>
-            <a:r>
-              <a:rPr lang="en-US" dirty="0"/>
-              <a:t> Simple Object Access Protocol) es un </a:t>
-            </a:r>
-            <a:r>
-              <a:rPr lang="en-US" dirty="0" err="1"/>
-              <a:t>protocolo</a:t>
-            </a:r>
-            <a:r>
-              <a:rPr lang="en-US" dirty="0"/>
-              <a:t> </a:t>
-            </a:r>
-            <a:r>
-              <a:rPr lang="en-US" dirty="0" err="1"/>
-              <a:t>ligero</a:t>
-            </a:r>
-            <a:r>
-              <a:rPr lang="en-US" dirty="0"/>
-              <a:t> para </a:t>
-            </a:r>
-            <a:r>
-              <a:rPr lang="en-US" dirty="0" err="1"/>
-              <a:t>el</a:t>
-            </a:r>
-            <a:r>
-              <a:rPr lang="en-US" dirty="0"/>
-              <a:t> </a:t>
-            </a:r>
-            <a:r>
-              <a:rPr lang="en-US" dirty="0" err="1"/>
-              <a:t>intercambio</a:t>
-            </a:r>
-            <a:r>
-              <a:rPr lang="en-US" dirty="0"/>
-              <a:t> de </a:t>
-            </a:r>
-            <a:r>
-              <a:rPr lang="en-US" dirty="0" err="1"/>
-              <a:t>información</a:t>
-            </a:r>
-            <a:r>
-              <a:rPr lang="en-US" dirty="0"/>
-              <a:t> </a:t>
-            </a:r>
-            <a:r>
-              <a:rPr lang="en-US" dirty="0" err="1"/>
-              <a:t>en</a:t>
-            </a:r>
-            <a:r>
-              <a:rPr lang="en-US" dirty="0"/>
-              <a:t> </a:t>
-            </a:r>
-            <a:r>
-              <a:rPr lang="en-US" dirty="0" err="1"/>
-              <a:t>entornos</a:t>
-            </a:r>
-            <a:r>
-              <a:rPr lang="en-US" dirty="0"/>
-              <a:t> </a:t>
-            </a:r>
-            <a:r>
-              <a:rPr lang="en-US" dirty="0" err="1"/>
-              <a:t>descentralizados</a:t>
-            </a:r>
-            <a:r>
-              <a:rPr lang="en-US" dirty="0"/>
-              <a:t> y </a:t>
-            </a:r>
-            <a:r>
-              <a:rPr lang="en-US" dirty="0" err="1"/>
-              <a:t>distribuidos</a:t>
-            </a:r>
-            <a:r>
-              <a:rPr lang="en-US" dirty="0"/>
-              <a:t>. Los </a:t>
-            </a:r>
-            <a:r>
-              <a:rPr lang="en-US" dirty="0" err="1"/>
-              <a:t>mensajes</a:t>
-            </a:r>
-            <a:r>
-              <a:rPr lang="en-US" dirty="0"/>
-              <a:t> SOAP son las </a:t>
-            </a:r>
-            <a:r>
-              <a:rPr lang="en-US" dirty="0" err="1"/>
-              <a:t>transmisiones</a:t>
-            </a:r>
-            <a:r>
-              <a:rPr lang="en-US" dirty="0"/>
-              <a:t> de </a:t>
-            </a:r>
-            <a:r>
-              <a:rPr lang="en-US" dirty="0" err="1"/>
-              <a:t>información</a:t>
-            </a:r>
-            <a:r>
-              <a:rPr lang="en-US" dirty="0"/>
-              <a:t> de </a:t>
-            </a:r>
-            <a:r>
-              <a:rPr lang="en-US" dirty="0" err="1"/>
-              <a:t>remitentes</a:t>
-            </a:r>
-            <a:r>
-              <a:rPr lang="en-US" dirty="0"/>
-              <a:t> a </a:t>
-            </a:r>
-            <a:r>
-              <a:rPr lang="en-US" dirty="0" err="1"/>
-              <a:t>destinatarios</a:t>
-            </a:r>
-            <a:r>
-              <a:rPr lang="en-US" dirty="0"/>
-              <a:t>. Los </a:t>
-            </a:r>
-            <a:r>
-              <a:rPr lang="en-US" dirty="0" err="1"/>
-              <a:t>mensajes</a:t>
-            </a:r>
-            <a:r>
-              <a:rPr lang="en-US" dirty="0"/>
-              <a:t> SOAP se </a:t>
-            </a:r>
-            <a:r>
-              <a:rPr lang="en-US" dirty="0" err="1"/>
-              <a:t>pueden</a:t>
-            </a:r>
-            <a:r>
-              <a:rPr lang="en-US" dirty="0"/>
-              <a:t> </a:t>
-            </a:r>
-            <a:r>
-              <a:rPr lang="en-US" dirty="0" err="1"/>
-              <a:t>combinar</a:t>
-            </a:r>
-            <a:r>
-              <a:rPr lang="en-US" dirty="0"/>
-              <a:t> para </a:t>
-            </a:r>
-            <a:r>
-              <a:rPr lang="en-US" dirty="0" err="1"/>
-              <a:t>crear</a:t>
-            </a:r>
-            <a:r>
-              <a:rPr lang="en-US" dirty="0"/>
-              <a:t> </a:t>
-            </a:r>
-            <a:r>
-              <a:rPr lang="en-US" dirty="0" err="1"/>
-              <a:t>patrones</a:t>
-            </a:r>
-            <a:r>
-              <a:rPr lang="en-US" dirty="0"/>
-              <a:t> de </a:t>
-            </a:r>
-            <a:r>
-              <a:rPr lang="en-US" dirty="0" err="1"/>
-              <a:t>petición</a:t>
-            </a:r>
-            <a:r>
-              <a:rPr lang="en-US" dirty="0"/>
-              <a:t>/</a:t>
-            </a:r>
-            <a:r>
-              <a:rPr lang="en-US" dirty="0" err="1"/>
-              <a:t>respuesta</a:t>
-            </a:r>
-            <a:r>
-              <a:rPr lang="en-US" dirty="0"/>
-              <a:t>. SOAP es </a:t>
-            </a:r>
-            <a:r>
-              <a:rPr lang="en-US" dirty="0" err="1"/>
-              <a:t>independiente</a:t>
-            </a:r>
-            <a:r>
-              <a:rPr lang="en-US" dirty="0"/>
-              <a:t> del </a:t>
-            </a:r>
-            <a:r>
-              <a:rPr lang="en-US" dirty="0" err="1"/>
-              <a:t>transporte</a:t>
-            </a:r>
-            <a:r>
-              <a:rPr lang="en-US" dirty="0"/>
-              <a:t> </a:t>
-            </a:r>
-            <a:r>
-              <a:rPr lang="en-US" dirty="0" err="1"/>
-              <a:t>pero</a:t>
-            </a:r>
-            <a:r>
-              <a:rPr lang="en-US" dirty="0"/>
-              <a:t> </a:t>
-            </a:r>
-            <a:r>
-              <a:rPr lang="en-US" dirty="0" err="1"/>
-              <a:t>habitualmente</a:t>
-            </a:r>
-            <a:r>
-              <a:rPr lang="en-US" dirty="0"/>
-              <a:t> se </a:t>
-            </a:r>
-            <a:r>
-              <a:rPr lang="en-US" dirty="0" err="1"/>
-              <a:t>lleva</a:t>
-            </a:r>
-            <a:r>
-              <a:rPr lang="en-US" dirty="0"/>
-              <a:t> a </a:t>
-            </a:r>
-            <a:r>
-              <a:rPr lang="en-US" dirty="0" err="1"/>
-              <a:t>través</a:t>
-            </a:r>
-            <a:r>
-              <a:rPr lang="en-US" dirty="0"/>
-              <a:t> de HTTP para </a:t>
-            </a:r>
-            <a:r>
-              <a:rPr lang="en-US" dirty="0" err="1"/>
-              <a:t>ejecutarse</a:t>
-            </a:r>
-            <a:r>
-              <a:rPr lang="en-US" dirty="0"/>
-              <a:t> con la </a:t>
-            </a:r>
-            <a:r>
-              <a:rPr lang="en-US" dirty="0" err="1"/>
-              <a:t>infraestructura</a:t>
-            </a:r>
-            <a:r>
-              <a:rPr lang="en-US" dirty="0"/>
-              <a:t> de Internet </a:t>
-            </a:r>
-            <a:r>
-              <a:rPr lang="en-US" dirty="0" err="1"/>
-              <a:t>existente</a:t>
-            </a:r>
-            <a:r>
-              <a:rPr lang="en-US" dirty="0"/>
-              <a:t>. </a:t>
-            </a:r>
-          </a:p>
-          <a:p>
-            <a:endParaRPr lang="en-US" dirty="0"/>
-          </a:p>
-          <a:p>
-            <a:r>
-              <a:rPr lang="en-US" dirty="0"/>
-              <a:t>RPC </a:t>
-            </a:r>
-            <a:r>
-              <a:rPr lang="en-US" dirty="0" err="1"/>
-              <a:t>En</a:t>
-            </a:r>
-            <a:r>
-              <a:rPr lang="en-US" dirty="0"/>
-              <a:t> </a:t>
-            </a:r>
-            <a:r>
-              <a:rPr lang="en-US" dirty="0">
-                <a:hlinkClick r:id="rId3" tooltip="Computación distribuida"/>
-              </a:rPr>
-              <a:t>computación distribuida</a:t>
-            </a:r>
-            <a:r>
-              <a:rPr lang="en-US" dirty="0"/>
-              <a:t>, la </a:t>
-            </a:r>
-            <a:r>
-              <a:rPr lang="en-US" b="1" dirty="0" err="1"/>
-              <a:t>llamada</a:t>
-            </a:r>
-            <a:r>
-              <a:rPr lang="en-US" b="1" dirty="0"/>
-              <a:t> a </a:t>
-            </a:r>
-            <a:r>
-              <a:rPr lang="en-US" b="1" dirty="0" err="1"/>
-              <a:t>procedimiento</a:t>
-            </a:r>
-            <a:r>
-              <a:rPr lang="en-US" b="1" dirty="0"/>
-              <a:t> </a:t>
-            </a:r>
-            <a:r>
-              <a:rPr lang="en-US" b="1" dirty="0" err="1"/>
-              <a:t>remoto</a:t>
-            </a:r>
-            <a:r>
-              <a:rPr lang="en-US" dirty="0"/>
-              <a:t> (</a:t>
-            </a:r>
-            <a:r>
-              <a:rPr lang="en-US" dirty="0" err="1"/>
-              <a:t>en</a:t>
-            </a:r>
-            <a:r>
-              <a:rPr lang="en-US" dirty="0"/>
-              <a:t> </a:t>
-            </a:r>
-            <a:r>
-              <a:rPr lang="en-US" dirty="0">
-                <a:hlinkClick r:id="rId4" tooltip="Idioma inglés"/>
-              </a:rPr>
-              <a:t>inglés</a:t>
-            </a:r>
-            <a:r>
-              <a:rPr lang="en-US" dirty="0"/>
-              <a:t>, </a:t>
-            </a:r>
-            <a:r>
-              <a:rPr lang="en-US" i="1" dirty="0"/>
-              <a:t>Remote Procedure Call</a:t>
-            </a:r>
-            <a:r>
-              <a:rPr lang="en-US" dirty="0"/>
-              <a:t>, </a:t>
-            </a:r>
-            <a:r>
-              <a:rPr lang="en-US" b="1" dirty="0"/>
-              <a:t>RPC</a:t>
-            </a:r>
-            <a:r>
-              <a:rPr lang="en-US" dirty="0"/>
-              <a:t>) es un </a:t>
-            </a:r>
-            <a:r>
-              <a:rPr lang="en-US" dirty="0" err="1"/>
-              <a:t>programa</a:t>
-            </a:r>
-            <a:r>
-              <a:rPr lang="en-US" dirty="0"/>
-              <a:t> que </a:t>
-            </a:r>
-            <a:r>
-              <a:rPr lang="en-US" dirty="0" err="1"/>
-              <a:t>utiliza</a:t>
-            </a:r>
-            <a:r>
-              <a:rPr lang="en-US" dirty="0"/>
-              <a:t> </a:t>
-            </a:r>
-            <a:r>
-              <a:rPr lang="en-US" dirty="0" err="1"/>
-              <a:t>una</a:t>
-            </a:r>
-            <a:r>
-              <a:rPr lang="en-US" dirty="0"/>
-              <a:t> </a:t>
-            </a:r>
-            <a:r>
-              <a:rPr lang="en-US" dirty="0" err="1"/>
-              <a:t>computadora</a:t>
-            </a:r>
-            <a:r>
-              <a:rPr lang="en-US" dirty="0"/>
-              <a:t> para </a:t>
-            </a:r>
-            <a:r>
-              <a:rPr lang="en-US" dirty="0" err="1"/>
-              <a:t>ejecutar</a:t>
-            </a:r>
-            <a:r>
-              <a:rPr lang="en-US" dirty="0"/>
-              <a:t> </a:t>
-            </a:r>
-            <a:r>
-              <a:rPr lang="en-US" dirty="0" err="1"/>
-              <a:t>código</a:t>
-            </a:r>
-            <a:r>
-              <a:rPr lang="en-US" dirty="0"/>
-              <a:t> </a:t>
-            </a:r>
-            <a:r>
-              <a:rPr lang="en-US" dirty="0" err="1"/>
-              <a:t>en</a:t>
-            </a:r>
-            <a:r>
-              <a:rPr lang="en-US" dirty="0"/>
-              <a:t> </a:t>
-            </a:r>
-            <a:r>
-              <a:rPr lang="en-US" dirty="0" err="1"/>
-              <a:t>otra</a:t>
-            </a:r>
-            <a:r>
-              <a:rPr lang="en-US" dirty="0"/>
-              <a:t> </a:t>
-            </a:r>
-            <a:r>
-              <a:rPr lang="en-US" dirty="0" err="1"/>
-              <a:t>máquina</a:t>
-            </a:r>
-            <a:r>
-              <a:rPr lang="en-US" dirty="0"/>
-              <a:t> </a:t>
-            </a:r>
-            <a:r>
-              <a:rPr lang="en-US" dirty="0" err="1"/>
-              <a:t>remota</a:t>
-            </a:r>
-            <a:r>
-              <a:rPr lang="en-US" dirty="0"/>
-              <a:t> sin </a:t>
-            </a:r>
-            <a:r>
-              <a:rPr lang="en-US" dirty="0" err="1"/>
-              <a:t>tener</a:t>
-            </a:r>
-            <a:r>
-              <a:rPr lang="en-US" dirty="0"/>
-              <a:t> que </a:t>
-            </a:r>
-            <a:r>
-              <a:rPr lang="en-US" dirty="0" err="1"/>
-              <a:t>preocuparse</a:t>
-            </a:r>
-            <a:r>
-              <a:rPr lang="en-US" dirty="0"/>
-              <a:t> </a:t>
-            </a:r>
-            <a:r>
-              <a:rPr lang="en-US" dirty="0" err="1"/>
-              <a:t>por</a:t>
-            </a:r>
-            <a:r>
-              <a:rPr lang="en-US" dirty="0"/>
-              <a:t> las </a:t>
-            </a:r>
-            <a:r>
-              <a:rPr lang="en-US" dirty="0" err="1"/>
-              <a:t>comunicaciones</a:t>
-            </a:r>
-            <a:r>
-              <a:rPr lang="en-US" dirty="0"/>
-              <a:t> entre ambas, de forma que </a:t>
-            </a:r>
-            <a:r>
-              <a:rPr lang="en-US" dirty="0" err="1"/>
-              <a:t>parezca</a:t>
-            </a:r>
-            <a:r>
-              <a:rPr lang="en-US" dirty="0"/>
-              <a:t> que se </a:t>
-            </a:r>
-            <a:r>
-              <a:rPr lang="en-US" dirty="0" err="1"/>
-              <a:t>ejecuta</a:t>
-            </a:r>
-            <a:r>
-              <a:rPr lang="en-US" dirty="0"/>
-              <a:t> </a:t>
-            </a:r>
-            <a:r>
-              <a:rPr lang="en-US" dirty="0" err="1"/>
-              <a:t>en</a:t>
-            </a:r>
-            <a:r>
-              <a:rPr lang="en-US" dirty="0"/>
-              <a:t> local. JSON-RPC allows for notifications (data sent to the server that does not require a response) and for multiple calls to be sent to the server which may be answered asynchronously.</a:t>
-            </a:r>
-          </a:p>
-          <a:p>
-            <a:endParaRPr lang="en-US" dirty="0"/>
-          </a:p>
-          <a:p>
-            <a:r>
-              <a:rPr lang="en-US" b="1" dirty="0"/>
-              <a:t>Thrift</a:t>
-            </a:r>
-            <a:r>
-              <a:rPr lang="en-US" dirty="0"/>
-              <a:t> is an </a:t>
-            </a:r>
-            <a:r>
-              <a:rPr lang="en-US" dirty="0">
-                <a:hlinkClick r:id="rId5" tooltip="Interface definition language"/>
-              </a:rPr>
-              <a:t>interface definition language</a:t>
-            </a:r>
-            <a:r>
-              <a:rPr lang="en-US" dirty="0"/>
-              <a:t> and </a:t>
-            </a:r>
-            <a:r>
-              <a:rPr lang="en-US" dirty="0">
-                <a:hlinkClick r:id="rId6" tooltip="Binary protocol"/>
-              </a:rPr>
-              <a:t>binary communication protocol</a:t>
-            </a:r>
-            <a:r>
-              <a:rPr lang="en-US" baseline="30000" dirty="0"/>
-              <a:t> </a:t>
-            </a:r>
-            <a:r>
-              <a:rPr lang="en-US" dirty="0"/>
-              <a:t>used for defining and creating </a:t>
-            </a:r>
-            <a:r>
-              <a:rPr lang="en-US" dirty="0">
-                <a:hlinkClick r:id="rId7" tooltip="Service (systems architecture)"/>
-              </a:rPr>
-              <a:t>services</a:t>
-            </a:r>
-            <a:r>
-              <a:rPr lang="en-US" dirty="0"/>
-              <a:t> for programming language. it uses a </a:t>
-            </a:r>
-            <a:r>
-              <a:rPr lang="en-US" dirty="0">
-                <a:hlinkClick r:id="rId8" tooltip="Remote procedure call"/>
-              </a:rPr>
-              <a:t>remote procedure call</a:t>
-            </a:r>
-            <a:r>
-              <a:rPr lang="en-US" dirty="0"/>
-              <a:t> (RPC) framework and combines a software stack with a code generation engine to build </a:t>
-            </a:r>
-            <a:r>
-              <a:rPr lang="en-US" dirty="0">
-                <a:hlinkClick r:id="rId9" tooltip="Cross-platform"/>
-              </a:rPr>
-              <a:t>cross-platform</a:t>
-            </a:r>
-            <a:r>
-              <a:rPr lang="en-US" dirty="0"/>
-              <a:t> services.</a:t>
-            </a:r>
-          </a:p>
-          <a:p>
-            <a:endParaRPr lang="en-US" dirty="0"/>
-          </a:p>
-          <a:p>
-            <a:r>
-              <a:rPr lang="en-US" b="1" dirty="0" err="1"/>
-              <a:t>gRPC</a:t>
-            </a:r>
-            <a:r>
-              <a:rPr lang="en-US" b="1" dirty="0"/>
-              <a:t> es </a:t>
-            </a:r>
-            <a:r>
-              <a:rPr lang="en-US" b="1" dirty="0" err="1"/>
-              <a:t>una</a:t>
-            </a:r>
-            <a:r>
-              <a:rPr lang="en-US" b="1" dirty="0"/>
-              <a:t> </a:t>
-            </a:r>
-            <a:r>
-              <a:rPr lang="en-US" b="1" dirty="0" err="1"/>
-              <a:t>implementación</a:t>
-            </a:r>
-            <a:r>
-              <a:rPr lang="en-US" b="1" dirty="0"/>
-              <a:t> de </a:t>
-            </a:r>
-            <a:r>
-              <a:rPr lang="en-US" b="1" dirty="0" err="1"/>
-              <a:t>llamadas</a:t>
-            </a:r>
-            <a:r>
-              <a:rPr lang="en-US" b="1" dirty="0"/>
-              <a:t> a </a:t>
-            </a:r>
-            <a:r>
-              <a:rPr lang="en-US" b="1" dirty="0" err="1"/>
-              <a:t>procedimiento</a:t>
-            </a:r>
-            <a:r>
-              <a:rPr lang="en-US" b="1" dirty="0"/>
-              <a:t> </a:t>
-            </a:r>
-            <a:r>
-              <a:rPr lang="en-US" b="1" dirty="0" err="1"/>
-              <a:t>remoto</a:t>
-            </a:r>
-            <a:r>
-              <a:rPr lang="en-US" dirty="0"/>
-              <a:t> </a:t>
-            </a:r>
-            <a:r>
-              <a:rPr lang="en-US" dirty="0">
-                <a:hlinkClick r:id="rId10"/>
-              </a:rPr>
-              <a:t>(RPC)</a:t>
-            </a:r>
-            <a:r>
-              <a:rPr lang="en-US" dirty="0"/>
-              <a:t> </a:t>
-            </a:r>
-            <a:r>
-              <a:rPr lang="en-US" dirty="0" err="1"/>
-              <a:t>diseñado</a:t>
-            </a:r>
-            <a:r>
-              <a:rPr lang="en-US" dirty="0"/>
-              <a:t> </a:t>
-            </a:r>
-            <a:r>
-              <a:rPr lang="en-US" dirty="0" err="1"/>
-              <a:t>originalmente</a:t>
-            </a:r>
-            <a:r>
-              <a:rPr lang="en-US" dirty="0"/>
-              <a:t> </a:t>
-            </a:r>
-            <a:r>
-              <a:rPr lang="en-US" dirty="0" err="1"/>
-              <a:t>por</a:t>
-            </a:r>
-            <a:r>
-              <a:rPr lang="en-US" dirty="0"/>
-              <a:t> Google. Se </a:t>
-            </a:r>
-            <a:r>
-              <a:rPr lang="en-US" dirty="0" err="1"/>
-              <a:t>usa</a:t>
-            </a:r>
-            <a:r>
-              <a:rPr lang="en-US" dirty="0"/>
-              <a:t> de </a:t>
-            </a:r>
-            <a:r>
-              <a:rPr lang="en-US" dirty="0">
-                <a:hlinkClick r:id="rId11"/>
-              </a:rPr>
-              <a:t>HTTP/2</a:t>
-            </a:r>
-            <a:r>
-              <a:rPr lang="en-US" dirty="0"/>
-              <a:t> para </a:t>
-            </a:r>
-            <a:r>
-              <a:rPr lang="en-US" dirty="0" err="1"/>
-              <a:t>el</a:t>
-            </a:r>
-            <a:r>
-              <a:rPr lang="en-US" dirty="0"/>
-              <a:t> </a:t>
-            </a:r>
-            <a:r>
-              <a:rPr lang="en-US" dirty="0" err="1"/>
-              <a:t>envío</a:t>
-            </a:r>
-            <a:r>
-              <a:rPr lang="en-US" dirty="0"/>
-              <a:t> de </a:t>
-            </a:r>
-            <a:r>
-              <a:rPr lang="en-US" dirty="0" err="1"/>
-              <a:t>datos</a:t>
-            </a:r>
-            <a:r>
-              <a:rPr lang="en-US" dirty="0"/>
-              <a:t> a </a:t>
-            </a:r>
-            <a:r>
-              <a:rPr lang="en-US" dirty="0" err="1"/>
-              <a:t>través</a:t>
-            </a:r>
-            <a:r>
-              <a:rPr lang="en-US" dirty="0"/>
-              <a:t> de la </a:t>
-            </a:r>
-            <a:r>
-              <a:rPr lang="en-US" dirty="0" err="1"/>
-              <a:t>capa</a:t>
-            </a:r>
-            <a:r>
-              <a:rPr lang="en-US" dirty="0"/>
-              <a:t> de </a:t>
-            </a:r>
-            <a:r>
-              <a:rPr lang="en-US" dirty="0" err="1"/>
-              <a:t>transporte</a:t>
-            </a:r>
-            <a:r>
-              <a:rPr lang="en-US" dirty="0"/>
-              <a:t>.</a:t>
-            </a:r>
-          </a:p>
-          <a:p>
-            <a:endParaRPr lang="en-US" dirty="0"/>
-          </a:p>
-          <a:p>
-            <a:r>
-              <a:rPr lang="en-US" b="1" dirty="0" err="1"/>
-              <a:t>GraphQL</a:t>
-            </a:r>
-            <a:r>
-              <a:rPr lang="en-US" dirty="0"/>
-              <a:t> es un </a:t>
-            </a:r>
-            <a:r>
-              <a:rPr lang="en-US" dirty="0" err="1"/>
-              <a:t>lenguaje</a:t>
-            </a:r>
-            <a:r>
-              <a:rPr lang="en-US" dirty="0"/>
-              <a:t> de consulta y </a:t>
-            </a:r>
-            <a:r>
-              <a:rPr lang="en-US" dirty="0" err="1"/>
-              <a:t>manipulación</a:t>
-            </a:r>
-            <a:r>
-              <a:rPr lang="en-US" dirty="0"/>
-              <a:t> de </a:t>
-            </a:r>
-            <a:r>
-              <a:rPr lang="en-US" dirty="0" err="1"/>
-              <a:t>datos</a:t>
-            </a:r>
-            <a:r>
-              <a:rPr lang="en-US" dirty="0"/>
-              <a:t> para APIs, y un </a:t>
-            </a:r>
-            <a:r>
-              <a:rPr lang="en-US" dirty="0">
-                <a:hlinkClick r:id="rId12" tooltip="Tiempo de ejecución"/>
-              </a:rPr>
-              <a:t>entorno de ejecución</a:t>
-            </a:r>
-            <a:r>
-              <a:rPr lang="en-US" dirty="0"/>
-              <a:t> para </a:t>
-            </a:r>
-            <a:r>
-              <a:rPr lang="en-US" dirty="0" err="1"/>
-              <a:t>realizar</a:t>
-            </a:r>
-            <a:r>
-              <a:rPr lang="en-US" dirty="0"/>
-              <a:t> </a:t>
-            </a:r>
-            <a:r>
-              <a:rPr lang="en-US" dirty="0">
-                <a:hlinkClick r:id="rId13" tooltip="Lenguaje de consulta"/>
-              </a:rPr>
-              <a:t>consultas</a:t>
-            </a:r>
-            <a:r>
-              <a:rPr lang="en-US" dirty="0"/>
-              <a:t> con </a:t>
-            </a:r>
-            <a:r>
-              <a:rPr lang="en-US" dirty="0" err="1"/>
-              <a:t>datos</a:t>
-            </a:r>
-            <a:r>
-              <a:rPr lang="en-US" dirty="0"/>
-              <a:t> </a:t>
-            </a:r>
-            <a:r>
-              <a:rPr lang="en-US" dirty="0" err="1"/>
-              <a:t>existentes</a:t>
-            </a:r>
             <a:endParaRPr lang="es-ES_tradnl" dirty="0"/>
           </a:p>
         </p:txBody>
@@ -2457,7 +1650,7 @@
           <a:p>
             <a:fld id="{B24B9C7F-A9AC-8444-A793-28261E8C383E}" type="slidenum">
               <a:rPr lang="es-ES_tradnl" smtClean="0"/>
-              <a:t>23</a:t>
+              <a:t>22</a:t>
             </a:fld>
             <a:endParaRPr lang="es-ES_tradnl"/>
           </a:p>
@@ -2466,7 +1659,7 @@
     </p:spTree>
     <p:extLst>
       <p:ext uri="{BB962C8B-B14F-4D97-AF65-F5344CB8AC3E}">
-        <p14:creationId xmlns:p14="http://schemas.microsoft.com/office/powerpoint/2010/main" val="625869679"/>
+        <p14:creationId xmlns:p14="http://schemas.microsoft.com/office/powerpoint/2010/main" val="3381206390"/>
       </p:ext>
     </p:extLst>
   </p:cSld>
@@ -2481,13 +1674,7 @@
   <p:cSld>
     <p:spTree>
       <p:nvGrpSpPr>
-        <p:cNvPr id="1" name="">
-          <a:extLst>
-            <a:ext uri="{FF2B5EF4-FFF2-40B4-BE49-F238E27FC236}">
-              <a16:creationId xmlns:a16="http://schemas.microsoft.com/office/drawing/2014/main" id="{4BE48A02-B760-319A-C21D-FCD1FCE4CA6B}"/>
-            </a:ext>
-          </a:extLst>
-        </p:cNvPr>
+        <p:cNvPr id="1" name=""/>
         <p:cNvGrpSpPr/>
         <p:nvPr/>
       </p:nvGrpSpPr>
@@ -2501,13 +1688,7 @@
       </p:grpSpPr>
       <p:sp>
         <p:nvSpPr>
-          <p:cNvPr id="2" name="Slide Image Placeholder 1">
-            <a:extLst>
-              <a:ext uri="{FF2B5EF4-FFF2-40B4-BE49-F238E27FC236}">
-                <a16:creationId xmlns:a16="http://schemas.microsoft.com/office/drawing/2014/main" id="{ACF760CA-EAAF-AACE-9895-7C84DABABC20}"/>
-              </a:ext>
-            </a:extLst>
-          </p:cNvPr>
+          <p:cNvPr id="2" name="Slide Image Placeholder 1"/>
           <p:cNvSpPr>
             <a:spLocks noGrp="1" noRot="1" noChangeAspect="1"/>
           </p:cNvSpPr>
@@ -2519,13 +1700,7 @@
       </p:sp>
       <p:sp>
         <p:nvSpPr>
-          <p:cNvPr id="3" name="Notes Placeholder 2">
-            <a:extLst>
-              <a:ext uri="{FF2B5EF4-FFF2-40B4-BE49-F238E27FC236}">
-                <a16:creationId xmlns:a16="http://schemas.microsoft.com/office/drawing/2014/main" id="{D31EEFC6-BBE3-A734-D1AE-39D2F70D6E21}"/>
-              </a:ext>
-            </a:extLst>
-          </p:cNvPr>
+          <p:cNvPr id="3" name="Notes Placeholder 2"/>
           <p:cNvSpPr>
             <a:spLocks noGrp="1"/>
           </p:cNvSpPr>
@@ -2538,19 +1713,34 @@
           <a:bodyPr/>
           <a:lstStyle/>
           <a:p>
+            <a:r>
+              <a:rPr lang="es-ES_tradnl" dirty="0"/>
+              <a:t>En esta clase veremos lo destacado</a:t>
+            </a:r>
+          </a:p>
+          <a:p>
             <a:endParaRPr lang="es-ES_tradnl" dirty="0"/>
           </a:p>
-        </p:txBody>
-      </p:sp>
-      <p:sp>
-        <p:nvSpPr>
-          <p:cNvPr id="4" name="Slide Number Placeholder 3">
-            <a:extLst>
-              <a:ext uri="{FF2B5EF4-FFF2-40B4-BE49-F238E27FC236}">
-                <a16:creationId xmlns:a16="http://schemas.microsoft.com/office/drawing/2014/main" id="{79A6331C-A4B1-5BC3-AB22-2CD553FA8A3D}"/>
-              </a:ext>
-            </a:extLst>
-          </p:cNvPr>
+          <a:p>
+            <a:r>
+              <a:rPr lang="es-ES_tradnl" dirty="0" err="1"/>
+              <a:t>AdD</a:t>
+            </a:r>
+            <a:r>
+              <a:rPr lang="es-ES_tradnl" dirty="0"/>
+              <a:t>: </a:t>
+            </a:r>
+            <a:r>
+              <a:rPr lang="es-ES_tradnl" i="1" dirty="0"/>
+              <a:t>Análisis de datos </a:t>
+            </a:r>
+            <a:endParaRPr lang="es-ES_tradnl" dirty="0"/>
+          </a:p>
+        </p:txBody>
+      </p:sp>
+      <p:sp>
+        <p:nvSpPr>
+          <p:cNvPr id="4" name="Slide Number Placeholder 3"/>
           <p:cNvSpPr>
             <a:spLocks noGrp="1"/>
           </p:cNvSpPr>
@@ -2565,7 +1755,7 @@
           <a:p>
             <a:fld id="{B24B9C7F-A9AC-8444-A793-28261E8C383E}" type="slidenum">
               <a:rPr lang="es-ES_tradnl" smtClean="0"/>
-              <a:t>4</a:t>
+              <a:t>3</a:t>
             </a:fld>
             <a:endParaRPr lang="es-ES_tradnl"/>
           </a:p>
@@ -2574,7 +1764,7 @@
     </p:spTree>
     <p:extLst>
       <p:ext uri="{BB962C8B-B14F-4D97-AF65-F5344CB8AC3E}">
-        <p14:creationId xmlns:p14="http://schemas.microsoft.com/office/powerpoint/2010/main" val="2339035174"/>
+        <p14:creationId xmlns:p14="http://schemas.microsoft.com/office/powerpoint/2010/main" val="417094743"/>
       </p:ext>
     </p:extLst>
   </p:cSld>
@@ -2646,6 +1836,792 @@
           <a:bodyPr/>
           <a:lstStyle/>
           <a:p>
+            <a:r>
+              <a:rPr lang="en-US" dirty="0"/>
+              <a:t>SOAP (</a:t>
+            </a:r>
+            <a:r>
+              <a:rPr lang="en-US" dirty="0" err="1"/>
+              <a:t>anteriormente</a:t>
+            </a:r>
+            <a:r>
+              <a:rPr lang="en-US" dirty="0"/>
+              <a:t> </a:t>
+            </a:r>
+            <a:r>
+              <a:rPr lang="en-US" dirty="0" err="1"/>
+              <a:t>conocido</a:t>
+            </a:r>
+            <a:r>
+              <a:rPr lang="en-US" dirty="0"/>
+              <a:t> </a:t>
+            </a:r>
+            <a:r>
+              <a:rPr lang="en-US" dirty="0" err="1"/>
+              <a:t>como</a:t>
+            </a:r>
+            <a:r>
+              <a:rPr lang="en-US" dirty="0"/>
+              <a:t> Simple Object Access Protocol) es un </a:t>
+            </a:r>
+            <a:r>
+              <a:rPr lang="en-US" dirty="0" err="1"/>
+              <a:t>protocolo</a:t>
+            </a:r>
+            <a:r>
+              <a:rPr lang="en-US" dirty="0"/>
+              <a:t> </a:t>
+            </a:r>
+            <a:r>
+              <a:rPr lang="en-US" dirty="0" err="1"/>
+              <a:t>ligero</a:t>
+            </a:r>
+            <a:r>
+              <a:rPr lang="en-US" dirty="0"/>
+              <a:t> para </a:t>
+            </a:r>
+            <a:r>
+              <a:rPr lang="en-US" dirty="0" err="1"/>
+              <a:t>el</a:t>
+            </a:r>
+            <a:r>
+              <a:rPr lang="en-US" dirty="0"/>
+              <a:t> </a:t>
+            </a:r>
+            <a:r>
+              <a:rPr lang="en-US" dirty="0" err="1"/>
+              <a:t>intercambio</a:t>
+            </a:r>
+            <a:r>
+              <a:rPr lang="en-US" dirty="0"/>
+              <a:t> de </a:t>
+            </a:r>
+            <a:r>
+              <a:rPr lang="en-US" dirty="0" err="1"/>
+              <a:t>información</a:t>
+            </a:r>
+            <a:r>
+              <a:rPr lang="en-US" dirty="0"/>
+              <a:t> </a:t>
+            </a:r>
+            <a:r>
+              <a:rPr lang="en-US" dirty="0" err="1"/>
+              <a:t>en</a:t>
+            </a:r>
+            <a:r>
+              <a:rPr lang="en-US" dirty="0"/>
+              <a:t> </a:t>
+            </a:r>
+            <a:r>
+              <a:rPr lang="en-US" dirty="0" err="1"/>
+              <a:t>entornos</a:t>
+            </a:r>
+            <a:r>
+              <a:rPr lang="en-US" dirty="0"/>
+              <a:t> </a:t>
+            </a:r>
+            <a:r>
+              <a:rPr lang="en-US" dirty="0" err="1"/>
+              <a:t>descentralizados</a:t>
+            </a:r>
+            <a:r>
+              <a:rPr lang="en-US" dirty="0"/>
+              <a:t> y </a:t>
+            </a:r>
+            <a:r>
+              <a:rPr lang="en-US" dirty="0" err="1"/>
+              <a:t>distribuidos</a:t>
+            </a:r>
+            <a:r>
+              <a:rPr lang="en-US" dirty="0"/>
+              <a:t>. Los </a:t>
+            </a:r>
+            <a:r>
+              <a:rPr lang="en-US" dirty="0" err="1"/>
+              <a:t>mensajes</a:t>
+            </a:r>
+            <a:r>
+              <a:rPr lang="en-US" dirty="0"/>
+              <a:t> SOAP son las </a:t>
+            </a:r>
+            <a:r>
+              <a:rPr lang="en-US" dirty="0" err="1"/>
+              <a:t>transmisiones</a:t>
+            </a:r>
+            <a:r>
+              <a:rPr lang="en-US" dirty="0"/>
+              <a:t> de </a:t>
+            </a:r>
+            <a:r>
+              <a:rPr lang="en-US" dirty="0" err="1"/>
+              <a:t>información</a:t>
+            </a:r>
+            <a:r>
+              <a:rPr lang="en-US" dirty="0"/>
+              <a:t> de </a:t>
+            </a:r>
+            <a:r>
+              <a:rPr lang="en-US" dirty="0" err="1"/>
+              <a:t>remitentes</a:t>
+            </a:r>
+            <a:r>
+              <a:rPr lang="en-US" dirty="0"/>
+              <a:t> a </a:t>
+            </a:r>
+            <a:r>
+              <a:rPr lang="en-US" dirty="0" err="1"/>
+              <a:t>destinatarios</a:t>
+            </a:r>
+            <a:r>
+              <a:rPr lang="en-US" dirty="0"/>
+              <a:t>. Los </a:t>
+            </a:r>
+            <a:r>
+              <a:rPr lang="en-US" dirty="0" err="1"/>
+              <a:t>mensajes</a:t>
+            </a:r>
+            <a:r>
+              <a:rPr lang="en-US" dirty="0"/>
+              <a:t> SOAP se </a:t>
+            </a:r>
+            <a:r>
+              <a:rPr lang="en-US" dirty="0" err="1"/>
+              <a:t>pueden</a:t>
+            </a:r>
+            <a:r>
+              <a:rPr lang="en-US" dirty="0"/>
+              <a:t> </a:t>
+            </a:r>
+            <a:r>
+              <a:rPr lang="en-US" dirty="0" err="1"/>
+              <a:t>combinar</a:t>
+            </a:r>
+            <a:r>
+              <a:rPr lang="en-US" dirty="0"/>
+              <a:t> para </a:t>
+            </a:r>
+            <a:r>
+              <a:rPr lang="en-US" dirty="0" err="1"/>
+              <a:t>crear</a:t>
+            </a:r>
+            <a:r>
+              <a:rPr lang="en-US" dirty="0"/>
+              <a:t> </a:t>
+            </a:r>
+            <a:r>
+              <a:rPr lang="en-US" dirty="0" err="1"/>
+              <a:t>patrones</a:t>
+            </a:r>
+            <a:r>
+              <a:rPr lang="en-US" dirty="0"/>
+              <a:t> de </a:t>
+            </a:r>
+            <a:r>
+              <a:rPr lang="en-US" dirty="0" err="1"/>
+              <a:t>petición</a:t>
+            </a:r>
+            <a:r>
+              <a:rPr lang="en-US" dirty="0"/>
+              <a:t>/</a:t>
+            </a:r>
+            <a:r>
+              <a:rPr lang="en-US" dirty="0" err="1"/>
+              <a:t>respuesta</a:t>
+            </a:r>
+            <a:r>
+              <a:rPr lang="en-US" dirty="0"/>
+              <a:t>. SOAP es </a:t>
+            </a:r>
+            <a:r>
+              <a:rPr lang="en-US" dirty="0" err="1"/>
+              <a:t>independiente</a:t>
+            </a:r>
+            <a:r>
+              <a:rPr lang="en-US" dirty="0"/>
+              <a:t> del </a:t>
+            </a:r>
+            <a:r>
+              <a:rPr lang="en-US" dirty="0" err="1"/>
+              <a:t>transporte</a:t>
+            </a:r>
+            <a:r>
+              <a:rPr lang="en-US" dirty="0"/>
+              <a:t> </a:t>
+            </a:r>
+            <a:r>
+              <a:rPr lang="en-US" dirty="0" err="1"/>
+              <a:t>pero</a:t>
+            </a:r>
+            <a:r>
+              <a:rPr lang="en-US" dirty="0"/>
+              <a:t> </a:t>
+            </a:r>
+            <a:r>
+              <a:rPr lang="en-US" dirty="0" err="1"/>
+              <a:t>habitualmente</a:t>
+            </a:r>
+            <a:r>
+              <a:rPr lang="en-US" dirty="0"/>
+              <a:t> se </a:t>
+            </a:r>
+            <a:r>
+              <a:rPr lang="en-US" dirty="0" err="1"/>
+              <a:t>lleva</a:t>
+            </a:r>
+            <a:r>
+              <a:rPr lang="en-US" dirty="0"/>
+              <a:t> a </a:t>
+            </a:r>
+            <a:r>
+              <a:rPr lang="en-US" dirty="0" err="1"/>
+              <a:t>través</a:t>
+            </a:r>
+            <a:r>
+              <a:rPr lang="en-US" dirty="0"/>
+              <a:t> de HTTP para </a:t>
+            </a:r>
+            <a:r>
+              <a:rPr lang="en-US" dirty="0" err="1"/>
+              <a:t>ejecutarse</a:t>
+            </a:r>
+            <a:r>
+              <a:rPr lang="en-US" dirty="0"/>
+              <a:t> con la </a:t>
+            </a:r>
+            <a:r>
+              <a:rPr lang="en-US" dirty="0" err="1"/>
+              <a:t>infraestructura</a:t>
+            </a:r>
+            <a:r>
+              <a:rPr lang="en-US" dirty="0"/>
+              <a:t> de Internet </a:t>
+            </a:r>
+            <a:r>
+              <a:rPr lang="en-US" dirty="0" err="1"/>
+              <a:t>existente</a:t>
+            </a:r>
+            <a:r>
+              <a:rPr lang="en-US" dirty="0"/>
+              <a:t>. </a:t>
+            </a:r>
+          </a:p>
+          <a:p>
+            <a:endParaRPr lang="en-US" dirty="0"/>
+          </a:p>
+          <a:p>
+            <a:r>
+              <a:rPr lang="en-US" dirty="0"/>
+              <a:t>RPC </a:t>
+            </a:r>
+            <a:r>
+              <a:rPr lang="en-US" dirty="0" err="1"/>
+              <a:t>En</a:t>
+            </a:r>
+            <a:r>
+              <a:rPr lang="en-US" dirty="0"/>
+              <a:t> </a:t>
+            </a:r>
+            <a:r>
+              <a:rPr lang="en-US" dirty="0">
+                <a:hlinkClick r:id="rId3" tooltip="Computación distribuida"/>
+              </a:rPr>
+              <a:t>computación distribuida</a:t>
+            </a:r>
+            <a:r>
+              <a:rPr lang="en-US" dirty="0"/>
+              <a:t>, la </a:t>
+            </a:r>
+            <a:r>
+              <a:rPr lang="en-US" b="1" dirty="0" err="1"/>
+              <a:t>llamada</a:t>
+            </a:r>
+            <a:r>
+              <a:rPr lang="en-US" b="1" dirty="0"/>
+              <a:t> a </a:t>
+            </a:r>
+            <a:r>
+              <a:rPr lang="en-US" b="1" dirty="0" err="1"/>
+              <a:t>procedimiento</a:t>
+            </a:r>
+            <a:r>
+              <a:rPr lang="en-US" b="1" dirty="0"/>
+              <a:t> </a:t>
+            </a:r>
+            <a:r>
+              <a:rPr lang="en-US" b="1" dirty="0" err="1"/>
+              <a:t>remoto</a:t>
+            </a:r>
+            <a:r>
+              <a:rPr lang="en-US" dirty="0"/>
+              <a:t> (</a:t>
+            </a:r>
+            <a:r>
+              <a:rPr lang="en-US" dirty="0" err="1"/>
+              <a:t>en</a:t>
+            </a:r>
+            <a:r>
+              <a:rPr lang="en-US" dirty="0"/>
+              <a:t> </a:t>
+            </a:r>
+            <a:r>
+              <a:rPr lang="en-US" dirty="0">
+                <a:hlinkClick r:id="rId4" tooltip="Idioma inglés"/>
+              </a:rPr>
+              <a:t>inglés</a:t>
+            </a:r>
+            <a:r>
+              <a:rPr lang="en-US" dirty="0"/>
+              <a:t>, </a:t>
+            </a:r>
+            <a:r>
+              <a:rPr lang="en-US" i="1" dirty="0"/>
+              <a:t>Remote Procedure Call</a:t>
+            </a:r>
+            <a:r>
+              <a:rPr lang="en-US" dirty="0"/>
+              <a:t>, </a:t>
+            </a:r>
+            <a:r>
+              <a:rPr lang="en-US" b="1" dirty="0"/>
+              <a:t>RPC</a:t>
+            </a:r>
+            <a:r>
+              <a:rPr lang="en-US" dirty="0"/>
+              <a:t>) es un </a:t>
+            </a:r>
+            <a:r>
+              <a:rPr lang="en-US" dirty="0" err="1"/>
+              <a:t>programa</a:t>
+            </a:r>
+            <a:r>
+              <a:rPr lang="en-US" dirty="0"/>
+              <a:t> que </a:t>
+            </a:r>
+            <a:r>
+              <a:rPr lang="en-US" dirty="0" err="1"/>
+              <a:t>utiliza</a:t>
+            </a:r>
+            <a:r>
+              <a:rPr lang="en-US" dirty="0"/>
+              <a:t> </a:t>
+            </a:r>
+            <a:r>
+              <a:rPr lang="en-US" dirty="0" err="1"/>
+              <a:t>una</a:t>
+            </a:r>
+            <a:r>
+              <a:rPr lang="en-US" dirty="0"/>
+              <a:t> </a:t>
+            </a:r>
+            <a:r>
+              <a:rPr lang="en-US" dirty="0" err="1"/>
+              <a:t>computadora</a:t>
+            </a:r>
+            <a:r>
+              <a:rPr lang="en-US" dirty="0"/>
+              <a:t> para </a:t>
+            </a:r>
+            <a:r>
+              <a:rPr lang="en-US" dirty="0" err="1"/>
+              <a:t>ejecutar</a:t>
+            </a:r>
+            <a:r>
+              <a:rPr lang="en-US" dirty="0"/>
+              <a:t> </a:t>
+            </a:r>
+            <a:r>
+              <a:rPr lang="en-US" dirty="0" err="1"/>
+              <a:t>código</a:t>
+            </a:r>
+            <a:r>
+              <a:rPr lang="en-US" dirty="0"/>
+              <a:t> </a:t>
+            </a:r>
+            <a:r>
+              <a:rPr lang="en-US" dirty="0" err="1"/>
+              <a:t>en</a:t>
+            </a:r>
+            <a:r>
+              <a:rPr lang="en-US" dirty="0"/>
+              <a:t> </a:t>
+            </a:r>
+            <a:r>
+              <a:rPr lang="en-US" dirty="0" err="1"/>
+              <a:t>otra</a:t>
+            </a:r>
+            <a:r>
+              <a:rPr lang="en-US" dirty="0"/>
+              <a:t> </a:t>
+            </a:r>
+            <a:r>
+              <a:rPr lang="en-US" dirty="0" err="1"/>
+              <a:t>máquina</a:t>
+            </a:r>
+            <a:r>
+              <a:rPr lang="en-US" dirty="0"/>
+              <a:t> </a:t>
+            </a:r>
+            <a:r>
+              <a:rPr lang="en-US" dirty="0" err="1"/>
+              <a:t>remota</a:t>
+            </a:r>
+            <a:r>
+              <a:rPr lang="en-US" dirty="0"/>
+              <a:t> sin </a:t>
+            </a:r>
+            <a:r>
+              <a:rPr lang="en-US" dirty="0" err="1"/>
+              <a:t>tener</a:t>
+            </a:r>
+            <a:r>
+              <a:rPr lang="en-US" dirty="0"/>
+              <a:t> que </a:t>
+            </a:r>
+            <a:r>
+              <a:rPr lang="en-US" dirty="0" err="1"/>
+              <a:t>preocuparse</a:t>
+            </a:r>
+            <a:r>
+              <a:rPr lang="en-US" dirty="0"/>
+              <a:t> </a:t>
+            </a:r>
+            <a:r>
+              <a:rPr lang="en-US" dirty="0" err="1"/>
+              <a:t>por</a:t>
+            </a:r>
+            <a:r>
+              <a:rPr lang="en-US" dirty="0"/>
+              <a:t> las </a:t>
+            </a:r>
+            <a:r>
+              <a:rPr lang="en-US" dirty="0" err="1"/>
+              <a:t>comunicaciones</a:t>
+            </a:r>
+            <a:r>
+              <a:rPr lang="en-US" dirty="0"/>
+              <a:t> entre ambas, de forma que </a:t>
+            </a:r>
+            <a:r>
+              <a:rPr lang="en-US" dirty="0" err="1"/>
+              <a:t>parezca</a:t>
+            </a:r>
+            <a:r>
+              <a:rPr lang="en-US" dirty="0"/>
+              <a:t> que se </a:t>
+            </a:r>
+            <a:r>
+              <a:rPr lang="en-US" dirty="0" err="1"/>
+              <a:t>ejecuta</a:t>
+            </a:r>
+            <a:r>
+              <a:rPr lang="en-US" dirty="0"/>
+              <a:t> </a:t>
+            </a:r>
+            <a:r>
+              <a:rPr lang="en-US" dirty="0" err="1"/>
+              <a:t>en</a:t>
+            </a:r>
+            <a:r>
+              <a:rPr lang="en-US" dirty="0"/>
+              <a:t> local. JSON-RPC allows for notifications (data sent to the server that does not require a response) and for multiple calls to be sent to the server which may be answered asynchronously.</a:t>
+            </a:r>
+          </a:p>
+          <a:p>
+            <a:endParaRPr lang="en-US" dirty="0"/>
+          </a:p>
+          <a:p>
+            <a:r>
+              <a:rPr lang="en-US" b="1" dirty="0"/>
+              <a:t>Thrift</a:t>
+            </a:r>
+            <a:r>
+              <a:rPr lang="en-US" dirty="0"/>
+              <a:t> is an </a:t>
+            </a:r>
+            <a:r>
+              <a:rPr lang="en-US" dirty="0">
+                <a:hlinkClick r:id="rId5" tooltip="Interface definition language"/>
+              </a:rPr>
+              <a:t>interface definition language</a:t>
+            </a:r>
+            <a:r>
+              <a:rPr lang="en-US" dirty="0"/>
+              <a:t> and </a:t>
+            </a:r>
+            <a:r>
+              <a:rPr lang="en-US" dirty="0">
+                <a:hlinkClick r:id="rId6" tooltip="Binary protocol"/>
+              </a:rPr>
+              <a:t>binary communication protocol</a:t>
+            </a:r>
+            <a:r>
+              <a:rPr lang="en-US" baseline="30000" dirty="0"/>
+              <a:t> </a:t>
+            </a:r>
+            <a:r>
+              <a:rPr lang="en-US" dirty="0"/>
+              <a:t>used for defining and creating </a:t>
+            </a:r>
+            <a:r>
+              <a:rPr lang="en-US" dirty="0">
+                <a:hlinkClick r:id="rId7" tooltip="Service (systems architecture)"/>
+              </a:rPr>
+              <a:t>services</a:t>
+            </a:r>
+            <a:r>
+              <a:rPr lang="en-US" dirty="0"/>
+              <a:t> for programming language. it uses a </a:t>
+            </a:r>
+            <a:r>
+              <a:rPr lang="en-US" dirty="0">
+                <a:hlinkClick r:id="rId8" tooltip="Remote procedure call"/>
+              </a:rPr>
+              <a:t>remote procedure call</a:t>
+            </a:r>
+            <a:r>
+              <a:rPr lang="en-US" dirty="0"/>
+              <a:t> (RPC) framework and combines a software stack with a code generation engine to build </a:t>
+            </a:r>
+            <a:r>
+              <a:rPr lang="en-US" dirty="0">
+                <a:hlinkClick r:id="rId9" tooltip="Cross-platform"/>
+              </a:rPr>
+              <a:t>cross-platform</a:t>
+            </a:r>
+            <a:r>
+              <a:rPr lang="en-US" dirty="0"/>
+              <a:t> services.</a:t>
+            </a:r>
+          </a:p>
+          <a:p>
+            <a:endParaRPr lang="en-US" dirty="0"/>
+          </a:p>
+          <a:p>
+            <a:r>
+              <a:rPr lang="en-US" b="1" dirty="0" err="1"/>
+              <a:t>gRPC</a:t>
+            </a:r>
+            <a:r>
+              <a:rPr lang="en-US" b="1" dirty="0"/>
+              <a:t> es </a:t>
+            </a:r>
+            <a:r>
+              <a:rPr lang="en-US" b="1" dirty="0" err="1"/>
+              <a:t>una</a:t>
+            </a:r>
+            <a:r>
+              <a:rPr lang="en-US" b="1" dirty="0"/>
+              <a:t> </a:t>
+            </a:r>
+            <a:r>
+              <a:rPr lang="en-US" b="1" dirty="0" err="1"/>
+              <a:t>implementación</a:t>
+            </a:r>
+            <a:r>
+              <a:rPr lang="en-US" b="1" dirty="0"/>
+              <a:t> de </a:t>
+            </a:r>
+            <a:r>
+              <a:rPr lang="en-US" b="1" dirty="0" err="1"/>
+              <a:t>llamadas</a:t>
+            </a:r>
+            <a:r>
+              <a:rPr lang="en-US" b="1" dirty="0"/>
+              <a:t> a </a:t>
+            </a:r>
+            <a:r>
+              <a:rPr lang="en-US" b="1" dirty="0" err="1"/>
+              <a:t>procedimiento</a:t>
+            </a:r>
+            <a:r>
+              <a:rPr lang="en-US" b="1" dirty="0"/>
+              <a:t> </a:t>
+            </a:r>
+            <a:r>
+              <a:rPr lang="en-US" b="1" dirty="0" err="1"/>
+              <a:t>remoto</a:t>
+            </a:r>
+            <a:r>
+              <a:rPr lang="en-US" dirty="0"/>
+              <a:t> </a:t>
+            </a:r>
+            <a:r>
+              <a:rPr lang="en-US" dirty="0">
+                <a:hlinkClick r:id="rId10"/>
+              </a:rPr>
+              <a:t>(RPC)</a:t>
+            </a:r>
+            <a:r>
+              <a:rPr lang="en-US" dirty="0"/>
+              <a:t> </a:t>
+            </a:r>
+            <a:r>
+              <a:rPr lang="en-US" dirty="0" err="1"/>
+              <a:t>diseñado</a:t>
+            </a:r>
+            <a:r>
+              <a:rPr lang="en-US" dirty="0"/>
+              <a:t> </a:t>
+            </a:r>
+            <a:r>
+              <a:rPr lang="en-US" dirty="0" err="1"/>
+              <a:t>originalmente</a:t>
+            </a:r>
+            <a:r>
+              <a:rPr lang="en-US" dirty="0"/>
+              <a:t> </a:t>
+            </a:r>
+            <a:r>
+              <a:rPr lang="en-US" dirty="0" err="1"/>
+              <a:t>por</a:t>
+            </a:r>
+            <a:r>
+              <a:rPr lang="en-US" dirty="0"/>
+              <a:t> Google. Se </a:t>
+            </a:r>
+            <a:r>
+              <a:rPr lang="en-US" dirty="0" err="1"/>
+              <a:t>usa</a:t>
+            </a:r>
+            <a:r>
+              <a:rPr lang="en-US" dirty="0"/>
+              <a:t> de </a:t>
+            </a:r>
+            <a:r>
+              <a:rPr lang="en-US" dirty="0">
+                <a:hlinkClick r:id="rId11"/>
+              </a:rPr>
+              <a:t>HTTP/2</a:t>
+            </a:r>
+            <a:r>
+              <a:rPr lang="en-US" dirty="0"/>
+              <a:t> para </a:t>
+            </a:r>
+            <a:r>
+              <a:rPr lang="en-US" dirty="0" err="1"/>
+              <a:t>el</a:t>
+            </a:r>
+            <a:r>
+              <a:rPr lang="en-US" dirty="0"/>
+              <a:t> </a:t>
+            </a:r>
+            <a:r>
+              <a:rPr lang="en-US" dirty="0" err="1"/>
+              <a:t>envío</a:t>
+            </a:r>
+            <a:r>
+              <a:rPr lang="en-US" dirty="0"/>
+              <a:t> de </a:t>
+            </a:r>
+            <a:r>
+              <a:rPr lang="en-US" dirty="0" err="1"/>
+              <a:t>datos</a:t>
+            </a:r>
+            <a:r>
+              <a:rPr lang="en-US" dirty="0"/>
+              <a:t> a </a:t>
+            </a:r>
+            <a:r>
+              <a:rPr lang="en-US" dirty="0" err="1"/>
+              <a:t>través</a:t>
+            </a:r>
+            <a:r>
+              <a:rPr lang="en-US" dirty="0"/>
+              <a:t> de la </a:t>
+            </a:r>
+            <a:r>
+              <a:rPr lang="en-US" dirty="0" err="1"/>
+              <a:t>capa</a:t>
+            </a:r>
+            <a:r>
+              <a:rPr lang="en-US" dirty="0"/>
+              <a:t> de </a:t>
+            </a:r>
+            <a:r>
+              <a:rPr lang="en-US" dirty="0" err="1"/>
+              <a:t>transporte</a:t>
+            </a:r>
+            <a:r>
+              <a:rPr lang="en-US" dirty="0"/>
+              <a:t>.</a:t>
+            </a:r>
+          </a:p>
+          <a:p>
+            <a:endParaRPr lang="en-US" dirty="0"/>
+          </a:p>
+          <a:p>
+            <a:r>
+              <a:rPr lang="en-US" b="1" dirty="0" err="1"/>
+              <a:t>GraphQL</a:t>
+            </a:r>
+            <a:r>
+              <a:rPr lang="en-US" dirty="0"/>
+              <a:t> es un </a:t>
+            </a:r>
+            <a:r>
+              <a:rPr lang="en-US" dirty="0" err="1"/>
+              <a:t>lenguaje</a:t>
+            </a:r>
+            <a:r>
+              <a:rPr lang="en-US" dirty="0"/>
+              <a:t> de consulta y </a:t>
+            </a:r>
+            <a:r>
+              <a:rPr lang="en-US" dirty="0" err="1"/>
+              <a:t>manipulación</a:t>
+            </a:r>
+            <a:r>
+              <a:rPr lang="en-US" dirty="0"/>
+              <a:t> de </a:t>
+            </a:r>
+            <a:r>
+              <a:rPr lang="en-US" dirty="0" err="1"/>
+              <a:t>datos</a:t>
+            </a:r>
+            <a:r>
+              <a:rPr lang="en-US" dirty="0"/>
+              <a:t> para APIs, y un </a:t>
+            </a:r>
+            <a:r>
+              <a:rPr lang="en-US" dirty="0">
+                <a:hlinkClick r:id="rId12" tooltip="Tiempo de ejecución"/>
+              </a:rPr>
+              <a:t>entorno de ejecución</a:t>
+            </a:r>
+            <a:r>
+              <a:rPr lang="en-US" dirty="0"/>
+              <a:t> para </a:t>
+            </a:r>
+            <a:r>
+              <a:rPr lang="en-US" dirty="0" err="1"/>
+              <a:t>realizar</a:t>
+            </a:r>
+            <a:r>
+              <a:rPr lang="en-US" dirty="0"/>
+              <a:t> </a:t>
+            </a:r>
+            <a:r>
+              <a:rPr lang="en-US" dirty="0">
+                <a:hlinkClick r:id="rId13" tooltip="Lenguaje de consulta"/>
+              </a:rPr>
+              <a:t>consultas</a:t>
+            </a:r>
+            <a:r>
+              <a:rPr lang="en-US" dirty="0"/>
+              <a:t> con </a:t>
+            </a:r>
+            <a:r>
+              <a:rPr lang="en-US" dirty="0" err="1"/>
+              <a:t>datos</a:t>
+            </a:r>
+            <a:r>
+              <a:rPr lang="en-US" dirty="0"/>
+              <a:t> </a:t>
+            </a:r>
+            <a:r>
+              <a:rPr lang="en-US" dirty="0" err="1"/>
+              <a:t>existentes</a:t>
+            </a:r>
             <a:endParaRPr lang="es-ES_tradnl" dirty="0"/>
           </a:p>
         </p:txBody>
@@ -2673,7 +2649,7 @@
           <a:p>
             <a:fld id="{B24B9C7F-A9AC-8444-A793-28261E8C383E}" type="slidenum">
               <a:rPr lang="es-ES_tradnl" smtClean="0"/>
-              <a:t>24</a:t>
+              <a:t>23</a:t>
             </a:fld>
             <a:endParaRPr lang="es-ES_tradnl"/>
           </a:p>
@@ -2682,7 +2658,7 @@
     </p:spTree>
     <p:extLst>
       <p:ext uri="{BB962C8B-B14F-4D97-AF65-F5344CB8AC3E}">
-        <p14:creationId xmlns:p14="http://schemas.microsoft.com/office/powerpoint/2010/main" val="4227382912"/>
+        <p14:creationId xmlns:p14="http://schemas.microsoft.com/office/powerpoint/2010/main" val="625869679"/>
       </p:ext>
     </p:extLst>
   </p:cSld>
@@ -2781,7 +2757,7 @@
           <a:p>
             <a:fld id="{B24B9C7F-A9AC-8444-A793-28261E8C383E}" type="slidenum">
               <a:rPr lang="es-ES_tradnl" smtClean="0"/>
-              <a:t>25</a:t>
+              <a:t>24</a:t>
             </a:fld>
             <a:endParaRPr lang="es-ES_tradnl"/>
           </a:p>
@@ -2790,7 +2766,7 @@
     </p:spTree>
     <p:extLst>
       <p:ext uri="{BB962C8B-B14F-4D97-AF65-F5344CB8AC3E}">
-        <p14:creationId xmlns:p14="http://schemas.microsoft.com/office/powerpoint/2010/main" val="1926519476"/>
+        <p14:creationId xmlns:p14="http://schemas.microsoft.com/office/powerpoint/2010/main" val="4227382912"/>
       </p:ext>
     </p:extLst>
   </p:cSld>
@@ -2889,7 +2865,7 @@
           <a:p>
             <a:fld id="{B24B9C7F-A9AC-8444-A793-28261E8C383E}" type="slidenum">
               <a:rPr lang="es-ES_tradnl" smtClean="0"/>
-              <a:t>26</a:t>
+              <a:t>25</a:t>
             </a:fld>
             <a:endParaRPr lang="es-ES_tradnl"/>
           </a:p>
@@ -2898,7 +2874,7 @@
     </p:spTree>
     <p:extLst>
       <p:ext uri="{BB962C8B-B14F-4D97-AF65-F5344CB8AC3E}">
-        <p14:creationId xmlns:p14="http://schemas.microsoft.com/office/powerpoint/2010/main" val="2949788931"/>
+        <p14:creationId xmlns:p14="http://schemas.microsoft.com/office/powerpoint/2010/main" val="1926519476"/>
       </p:ext>
     </p:extLst>
   </p:cSld>
@@ -2997,7 +2973,7 @@
           <a:p>
             <a:fld id="{B24B9C7F-A9AC-8444-A793-28261E8C383E}" type="slidenum">
               <a:rPr lang="es-ES_tradnl" smtClean="0"/>
-              <a:t>27</a:t>
+              <a:t>26</a:t>
             </a:fld>
             <a:endParaRPr lang="es-ES_tradnl"/>
           </a:p>
@@ -3006,7 +2982,7 @@
     </p:spTree>
     <p:extLst>
       <p:ext uri="{BB962C8B-B14F-4D97-AF65-F5344CB8AC3E}">
-        <p14:creationId xmlns:p14="http://schemas.microsoft.com/office/powerpoint/2010/main" val="2942439345"/>
+        <p14:creationId xmlns:p14="http://schemas.microsoft.com/office/powerpoint/2010/main" val="2949788931"/>
       </p:ext>
     </p:extLst>
   </p:cSld>
@@ -3105,7 +3081,7 @@
           <a:p>
             <a:fld id="{B24B9C7F-A9AC-8444-A793-28261E8C383E}" type="slidenum">
               <a:rPr lang="es-ES_tradnl" smtClean="0"/>
-              <a:t>28</a:t>
+              <a:t>27</a:t>
             </a:fld>
             <a:endParaRPr lang="es-ES_tradnl"/>
           </a:p>
@@ -3114,7 +3090,7 @@
     </p:spTree>
     <p:extLst>
       <p:ext uri="{BB962C8B-B14F-4D97-AF65-F5344CB8AC3E}">
-        <p14:creationId xmlns:p14="http://schemas.microsoft.com/office/powerpoint/2010/main" val="3297134941"/>
+        <p14:creationId xmlns:p14="http://schemas.microsoft.com/office/powerpoint/2010/main" val="2942439345"/>
       </p:ext>
     </p:extLst>
   </p:cSld>
@@ -3186,18 +3162,6 @@
           <a:bodyPr/>
           <a:lstStyle/>
           <a:p>
-            <a:r>
-              <a:rPr lang="en-US" dirty="0">
-                <a:solidFill>
-                  <a:srgbClr val="161717"/>
-                </a:solidFill>
-                <a:effectLst/>
-                <a:latin typeface="Helvetica" pitchFamily="2" charset="0"/>
-              </a:rPr>
-              <a:t>All cameras are connected to this server via the local network.  This monolith app is highly prone to crashing due to the instability of the cameras, the local network, and other errors. Such instabilities can be handled better by microservices. </a:t>
-            </a:r>
-          </a:p>
-          <a:p>
             <a:endParaRPr lang="es-ES_tradnl" dirty="0"/>
           </a:p>
         </p:txBody>
@@ -3225,7 +3189,7 @@
           <a:p>
             <a:fld id="{B24B9C7F-A9AC-8444-A793-28261E8C383E}" type="slidenum">
               <a:rPr lang="es-ES_tradnl" smtClean="0"/>
-              <a:t>29</a:t>
+              <a:t>28</a:t>
             </a:fld>
             <a:endParaRPr lang="es-ES_tradnl"/>
           </a:p>
@@ -3234,7 +3198,7 @@
     </p:spTree>
     <p:extLst>
       <p:ext uri="{BB962C8B-B14F-4D97-AF65-F5344CB8AC3E}">
-        <p14:creationId xmlns:p14="http://schemas.microsoft.com/office/powerpoint/2010/main" val="62515546"/>
+        <p14:creationId xmlns:p14="http://schemas.microsoft.com/office/powerpoint/2010/main" val="3297134941"/>
       </p:ext>
     </p:extLst>
   </p:cSld>
@@ -3314,343 +3278,7 @@
                 <a:effectLst/>
                 <a:latin typeface="Helvetica" pitchFamily="2" charset="0"/>
               </a:rPr>
-              <a:t>The application is fragmented into multiple services in the following manner:</a:t>
-            </a:r>
-          </a:p>
-          <a:p>
-            <a:endParaRPr lang="en-US" dirty="0">
-              <a:solidFill>
-                <a:srgbClr val="161717"/>
-              </a:solidFill>
-              <a:effectLst/>
-              <a:latin typeface="Helvetica" pitchFamily="2" charset="0"/>
-            </a:endParaRPr>
-          </a:p>
-          <a:p>
-            <a:r>
-              <a:rPr lang="en-US" dirty="0">
-                <a:solidFill>
-                  <a:srgbClr val="161717"/>
-                </a:solidFill>
-                <a:effectLst/>
-                <a:latin typeface="Helvetica" pitchFamily="2" charset="0"/>
-              </a:rPr>
-              <a:t>Video stream collector.</a:t>
-            </a:r>
-          </a:p>
-          <a:p>
-            <a:r>
-              <a:rPr lang="en-US" dirty="0">
-                <a:solidFill>
-                  <a:srgbClr val="000000"/>
-                </a:solidFill>
-                <a:effectLst/>
-                <a:latin typeface="Helvetica" pitchFamily="2" charset="0"/>
-              </a:rPr>
-              <a:t>Image processor</a:t>
-            </a:r>
-            <a:r>
-              <a:rPr lang="en-US" dirty="0">
-                <a:solidFill>
-                  <a:srgbClr val="161717"/>
-                </a:solidFill>
-                <a:effectLst/>
-                <a:latin typeface="Helvetica" pitchFamily="2" charset="0"/>
-              </a:rPr>
-              <a:t>: This aggregates images – it receives, processes, and caches images, and generates packets for further processing.</a:t>
-            </a:r>
-          </a:p>
-          <a:p>
-            <a:r>
-              <a:rPr lang="en-US" dirty="0" err="1">
-                <a:solidFill>
-                  <a:srgbClr val="000000"/>
-                </a:solidFill>
-                <a:effectLst/>
-                <a:latin typeface="Helvetica" pitchFamily="2" charset="0"/>
-              </a:rPr>
-              <a:t>Clasificador</a:t>
-            </a:r>
-            <a:r>
-              <a:rPr lang="en-US" dirty="0">
-                <a:solidFill>
-                  <a:srgbClr val="161717"/>
-                </a:solidFill>
-                <a:effectLst/>
-                <a:latin typeface="Helvetica" pitchFamily="2" charset="0"/>
-              </a:rPr>
-              <a:t>: </a:t>
-            </a:r>
-            <a:r>
-              <a:rPr lang="en-US" dirty="0" err="1">
-                <a:solidFill>
-                  <a:srgbClr val="161717"/>
-                </a:solidFill>
-                <a:effectLst/>
-                <a:latin typeface="Helvetica" pitchFamily="2" charset="0"/>
-              </a:rPr>
-              <a:t>Establece</a:t>
-            </a:r>
-            <a:r>
-              <a:rPr lang="en-US" dirty="0">
-                <a:solidFill>
-                  <a:srgbClr val="161717"/>
-                </a:solidFill>
-                <a:effectLst/>
-                <a:latin typeface="Helvetica" pitchFamily="2" charset="0"/>
-              </a:rPr>
-              <a:t> </a:t>
-            </a:r>
-            <a:r>
-              <a:rPr lang="en-US" dirty="0" err="1">
-                <a:solidFill>
-                  <a:srgbClr val="161717"/>
-                </a:solidFill>
-                <a:effectLst/>
-                <a:latin typeface="Helvetica" pitchFamily="2" charset="0"/>
-              </a:rPr>
-              <a:t>si</a:t>
-            </a:r>
-            <a:r>
-              <a:rPr lang="en-US" dirty="0">
-                <a:solidFill>
-                  <a:srgbClr val="161717"/>
-                </a:solidFill>
-                <a:effectLst/>
-                <a:latin typeface="Helvetica" pitchFamily="2" charset="0"/>
-              </a:rPr>
-              <a:t> lo </a:t>
-            </a:r>
-            <a:r>
-              <a:rPr lang="en-US" dirty="0" err="1">
-                <a:solidFill>
-                  <a:srgbClr val="161717"/>
-                </a:solidFill>
-                <a:effectLst/>
-                <a:latin typeface="Helvetica" pitchFamily="2" charset="0"/>
-              </a:rPr>
-              <a:t>observado</a:t>
-            </a:r>
-            <a:r>
-              <a:rPr lang="en-US" dirty="0">
-                <a:solidFill>
-                  <a:srgbClr val="161717"/>
-                </a:solidFill>
-                <a:effectLst/>
-                <a:latin typeface="Helvetica" pitchFamily="2" charset="0"/>
-              </a:rPr>
-              <a:t> es </a:t>
-            </a:r>
-            <a:r>
-              <a:rPr lang="en-US" dirty="0" err="1">
-                <a:solidFill>
-                  <a:srgbClr val="161717"/>
-                </a:solidFill>
-                <a:effectLst/>
-                <a:latin typeface="Helvetica" pitchFamily="2" charset="0"/>
-              </a:rPr>
-              <a:t>perro</a:t>
-            </a:r>
-            <a:r>
-              <a:rPr lang="en-US" dirty="0">
-                <a:solidFill>
-                  <a:srgbClr val="161717"/>
-                </a:solidFill>
-                <a:effectLst/>
-                <a:latin typeface="Helvetica" pitchFamily="2" charset="0"/>
-              </a:rPr>
-              <a:t> o </a:t>
-            </a:r>
-            <a:r>
-              <a:rPr lang="en-US" dirty="0" err="1">
-                <a:solidFill>
-                  <a:srgbClr val="161717"/>
-                </a:solidFill>
-                <a:effectLst/>
-                <a:latin typeface="Helvetica" pitchFamily="2" charset="0"/>
-              </a:rPr>
-              <a:t>gato</a:t>
-            </a:r>
-            <a:endParaRPr lang="en-US" dirty="0">
-              <a:solidFill>
-                <a:srgbClr val="161717"/>
-              </a:solidFill>
-              <a:effectLst/>
-              <a:latin typeface="Helvetica" pitchFamily="2" charset="0"/>
-            </a:endParaRPr>
-          </a:p>
-          <a:p>
-            <a:r>
-              <a:rPr lang="en-US" dirty="0" err="1">
-                <a:solidFill>
-                  <a:srgbClr val="000000"/>
-                </a:solidFill>
-                <a:effectLst/>
-                <a:latin typeface="Helvetica" pitchFamily="2" charset="0"/>
-              </a:rPr>
-              <a:t>Estimador</a:t>
-            </a:r>
-            <a:r>
-              <a:rPr lang="en-US" dirty="0">
-                <a:solidFill>
-                  <a:srgbClr val="161717"/>
-                </a:solidFill>
-                <a:effectLst/>
-                <a:latin typeface="Helvetica" pitchFamily="2" charset="0"/>
-              </a:rPr>
-              <a:t>: </a:t>
-            </a:r>
-            <a:r>
-              <a:rPr lang="en-US" dirty="0" err="1">
-                <a:solidFill>
-                  <a:srgbClr val="161717"/>
-                </a:solidFill>
-                <a:effectLst/>
-                <a:latin typeface="Helvetica" pitchFamily="2" charset="0"/>
-              </a:rPr>
-              <a:t>Asincronicamente</a:t>
-            </a:r>
-            <a:r>
-              <a:rPr lang="en-US" dirty="0">
-                <a:solidFill>
-                  <a:srgbClr val="161717"/>
-                </a:solidFill>
-                <a:effectLst/>
-                <a:latin typeface="Helvetica" pitchFamily="2" charset="0"/>
-              </a:rPr>
-              <a:t> </a:t>
-            </a:r>
-            <a:r>
-              <a:rPr lang="en-US" dirty="0" err="1">
-                <a:solidFill>
-                  <a:srgbClr val="161717"/>
-                </a:solidFill>
-                <a:effectLst/>
-                <a:latin typeface="Helvetica" pitchFamily="2" charset="0"/>
-              </a:rPr>
-              <a:t>recibe</a:t>
-            </a:r>
-            <a:r>
-              <a:rPr lang="en-US" dirty="0">
-                <a:solidFill>
-                  <a:srgbClr val="161717"/>
-                </a:solidFill>
-                <a:effectLst/>
-                <a:latin typeface="Helvetica" pitchFamily="2" charset="0"/>
-              </a:rPr>
-              <a:t> </a:t>
-            </a:r>
-            <a:r>
-              <a:rPr lang="en-US" dirty="0" err="1">
-                <a:solidFill>
-                  <a:srgbClr val="161717"/>
-                </a:solidFill>
-                <a:effectLst/>
-                <a:latin typeface="Helvetica" pitchFamily="2" charset="0"/>
-              </a:rPr>
-              <a:t>datos</a:t>
-            </a:r>
-            <a:r>
-              <a:rPr lang="en-US" dirty="0">
-                <a:solidFill>
-                  <a:srgbClr val="161717"/>
-                </a:solidFill>
-                <a:effectLst/>
-                <a:latin typeface="Helvetica" pitchFamily="2" charset="0"/>
-              </a:rPr>
-              <a:t> del </a:t>
-            </a:r>
-            <a:r>
-              <a:rPr lang="en-US" dirty="0" err="1">
-                <a:solidFill>
-                  <a:srgbClr val="161717"/>
-                </a:solidFill>
-                <a:effectLst/>
-                <a:latin typeface="Helvetica" pitchFamily="2" charset="0"/>
-              </a:rPr>
-              <a:t>clasificador</a:t>
-            </a:r>
-            <a:r>
-              <a:rPr lang="en-US" dirty="0">
-                <a:solidFill>
-                  <a:srgbClr val="161717"/>
-                </a:solidFill>
-                <a:effectLst/>
-                <a:latin typeface="Helvetica" pitchFamily="2" charset="0"/>
-              </a:rPr>
-              <a:t> y </a:t>
-            </a:r>
-            <a:r>
-              <a:rPr lang="en-US" dirty="0" err="1">
-                <a:solidFill>
-                  <a:srgbClr val="161717"/>
-                </a:solidFill>
-                <a:effectLst/>
-                <a:latin typeface="Helvetica" pitchFamily="2" charset="0"/>
-              </a:rPr>
-              <a:t>actualiza</a:t>
-            </a:r>
-            <a:r>
-              <a:rPr lang="en-US" dirty="0">
-                <a:solidFill>
-                  <a:srgbClr val="161717"/>
-                </a:solidFill>
-                <a:effectLst/>
-                <a:latin typeface="Helvetica" pitchFamily="2" charset="0"/>
-              </a:rPr>
-              <a:t> las </a:t>
-            </a:r>
-            <a:r>
-              <a:rPr lang="en-US" dirty="0" err="1">
-                <a:solidFill>
-                  <a:srgbClr val="161717"/>
-                </a:solidFill>
-                <a:effectLst/>
-                <a:latin typeface="Helvetica" pitchFamily="2" charset="0"/>
-              </a:rPr>
-              <a:t>estimaciones</a:t>
-            </a:r>
-            <a:r>
-              <a:rPr lang="en-US" dirty="0">
-                <a:solidFill>
-                  <a:srgbClr val="161717"/>
-                </a:solidFill>
-                <a:effectLst/>
-                <a:latin typeface="Helvetica" pitchFamily="2" charset="0"/>
-              </a:rPr>
-              <a:t> de </a:t>
-            </a:r>
-            <a:r>
-              <a:rPr lang="en-US" dirty="0" err="1">
-                <a:solidFill>
-                  <a:srgbClr val="161717"/>
-                </a:solidFill>
-                <a:effectLst/>
-                <a:latin typeface="Helvetica" pitchFamily="2" charset="0"/>
-              </a:rPr>
-              <a:t>cantidad</a:t>
-            </a:r>
-            <a:r>
-              <a:rPr lang="en-US" dirty="0">
-                <a:solidFill>
-                  <a:srgbClr val="161717"/>
-                </a:solidFill>
-                <a:effectLst/>
-                <a:latin typeface="Helvetica" pitchFamily="2" charset="0"/>
-              </a:rPr>
-              <a:t> de animals.</a:t>
-            </a:r>
-          </a:p>
-          <a:p>
-            <a:r>
-              <a:rPr lang="en-US" dirty="0">
-                <a:solidFill>
-                  <a:srgbClr val="161717"/>
-                </a:solidFill>
-                <a:effectLst/>
-                <a:latin typeface="Helvetica" pitchFamily="2" charset="0"/>
-              </a:rPr>
-              <a:t>The cloud collects and stores data using MQTT (a standard lightweight, publish subscribe network protocol that transports messages between devices). The data is portrayed on a dashboard to analyze operations.</a:t>
+              <a:t>All cameras are connected to this server via the local network.  This monolith app is highly prone to crashing due to the instability of the cameras, the local network, and other errors. Such instabilities can be handled better by microservices. </a:t>
             </a:r>
           </a:p>
           <a:p>
@@ -3681,7 +3309,7 @@
           <a:p>
             <a:fld id="{B24B9C7F-A9AC-8444-A793-28261E8C383E}" type="slidenum">
               <a:rPr lang="es-ES_tradnl" smtClean="0"/>
-              <a:t>30</a:t>
+              <a:t>29</a:t>
             </a:fld>
             <a:endParaRPr lang="es-ES_tradnl"/>
           </a:p>
@@ -3690,7 +3318,7 @@
     </p:spTree>
     <p:extLst>
       <p:ext uri="{BB962C8B-B14F-4D97-AF65-F5344CB8AC3E}">
-        <p14:creationId xmlns:p14="http://schemas.microsoft.com/office/powerpoint/2010/main" val="856605113"/>
+        <p14:creationId xmlns:p14="http://schemas.microsoft.com/office/powerpoint/2010/main" val="62515546"/>
       </p:ext>
     </p:extLst>
   </p:cSld>
@@ -3762,6 +3390,354 @@
           <a:bodyPr/>
           <a:lstStyle/>
           <a:p>
+            <a:r>
+              <a:rPr lang="en-US" dirty="0">
+                <a:solidFill>
+                  <a:srgbClr val="161717"/>
+                </a:solidFill>
+                <a:effectLst/>
+                <a:latin typeface="Helvetica" pitchFamily="2" charset="0"/>
+              </a:rPr>
+              <a:t>The application is fragmented into multiple services in the following manner:</a:t>
+            </a:r>
+          </a:p>
+          <a:p>
+            <a:endParaRPr lang="en-US" dirty="0">
+              <a:solidFill>
+                <a:srgbClr val="161717"/>
+              </a:solidFill>
+              <a:effectLst/>
+              <a:latin typeface="Helvetica" pitchFamily="2" charset="0"/>
+            </a:endParaRPr>
+          </a:p>
+          <a:p>
+            <a:r>
+              <a:rPr lang="en-US" dirty="0">
+                <a:solidFill>
+                  <a:srgbClr val="161717"/>
+                </a:solidFill>
+                <a:effectLst/>
+                <a:latin typeface="Helvetica" pitchFamily="2" charset="0"/>
+              </a:rPr>
+              <a:t>Video stream collector.</a:t>
+            </a:r>
+          </a:p>
+          <a:p>
+            <a:r>
+              <a:rPr lang="en-US" dirty="0">
+                <a:solidFill>
+                  <a:srgbClr val="000000"/>
+                </a:solidFill>
+                <a:effectLst/>
+                <a:latin typeface="Helvetica" pitchFamily="2" charset="0"/>
+              </a:rPr>
+              <a:t>Image processor</a:t>
+            </a:r>
+            <a:r>
+              <a:rPr lang="en-US" dirty="0">
+                <a:solidFill>
+                  <a:srgbClr val="161717"/>
+                </a:solidFill>
+                <a:effectLst/>
+                <a:latin typeface="Helvetica" pitchFamily="2" charset="0"/>
+              </a:rPr>
+              <a:t>: This aggregates images – it receives, processes, and caches images, and generates packets for further processing.</a:t>
+            </a:r>
+          </a:p>
+          <a:p>
+            <a:r>
+              <a:rPr lang="en-US" dirty="0" err="1">
+                <a:solidFill>
+                  <a:srgbClr val="000000"/>
+                </a:solidFill>
+                <a:effectLst/>
+                <a:latin typeface="Helvetica" pitchFamily="2" charset="0"/>
+              </a:rPr>
+              <a:t>Clasificador</a:t>
+            </a:r>
+            <a:r>
+              <a:rPr lang="en-US" dirty="0">
+                <a:solidFill>
+                  <a:srgbClr val="161717"/>
+                </a:solidFill>
+                <a:effectLst/>
+                <a:latin typeface="Helvetica" pitchFamily="2" charset="0"/>
+              </a:rPr>
+              <a:t>: </a:t>
+            </a:r>
+            <a:r>
+              <a:rPr lang="en-US" dirty="0" err="1">
+                <a:solidFill>
+                  <a:srgbClr val="161717"/>
+                </a:solidFill>
+                <a:effectLst/>
+                <a:latin typeface="Helvetica" pitchFamily="2" charset="0"/>
+              </a:rPr>
+              <a:t>Establece</a:t>
+            </a:r>
+            <a:r>
+              <a:rPr lang="en-US" dirty="0">
+                <a:solidFill>
+                  <a:srgbClr val="161717"/>
+                </a:solidFill>
+                <a:effectLst/>
+                <a:latin typeface="Helvetica" pitchFamily="2" charset="0"/>
+              </a:rPr>
+              <a:t> </a:t>
+            </a:r>
+            <a:r>
+              <a:rPr lang="en-US" dirty="0" err="1">
+                <a:solidFill>
+                  <a:srgbClr val="161717"/>
+                </a:solidFill>
+                <a:effectLst/>
+                <a:latin typeface="Helvetica" pitchFamily="2" charset="0"/>
+              </a:rPr>
+              <a:t>si</a:t>
+            </a:r>
+            <a:r>
+              <a:rPr lang="en-US" dirty="0">
+                <a:solidFill>
+                  <a:srgbClr val="161717"/>
+                </a:solidFill>
+                <a:effectLst/>
+                <a:latin typeface="Helvetica" pitchFamily="2" charset="0"/>
+              </a:rPr>
+              <a:t> lo </a:t>
+            </a:r>
+            <a:r>
+              <a:rPr lang="en-US" dirty="0" err="1">
+                <a:solidFill>
+                  <a:srgbClr val="161717"/>
+                </a:solidFill>
+                <a:effectLst/>
+                <a:latin typeface="Helvetica" pitchFamily="2" charset="0"/>
+              </a:rPr>
+              <a:t>observado</a:t>
+            </a:r>
+            <a:r>
+              <a:rPr lang="en-US" dirty="0">
+                <a:solidFill>
+                  <a:srgbClr val="161717"/>
+                </a:solidFill>
+                <a:effectLst/>
+                <a:latin typeface="Helvetica" pitchFamily="2" charset="0"/>
+              </a:rPr>
+              <a:t> es </a:t>
+            </a:r>
+            <a:r>
+              <a:rPr lang="en-US" dirty="0" err="1">
+                <a:solidFill>
+                  <a:srgbClr val="161717"/>
+                </a:solidFill>
+                <a:effectLst/>
+                <a:latin typeface="Helvetica" pitchFamily="2" charset="0"/>
+              </a:rPr>
+              <a:t>perro</a:t>
+            </a:r>
+            <a:r>
+              <a:rPr lang="en-US" dirty="0">
+                <a:solidFill>
+                  <a:srgbClr val="161717"/>
+                </a:solidFill>
+                <a:effectLst/>
+                <a:latin typeface="Helvetica" pitchFamily="2" charset="0"/>
+              </a:rPr>
+              <a:t> o </a:t>
+            </a:r>
+            <a:r>
+              <a:rPr lang="en-US" dirty="0" err="1">
+                <a:solidFill>
+                  <a:srgbClr val="161717"/>
+                </a:solidFill>
+                <a:effectLst/>
+                <a:latin typeface="Helvetica" pitchFamily="2" charset="0"/>
+              </a:rPr>
+              <a:t>gato</a:t>
+            </a:r>
+            <a:endParaRPr lang="en-US" dirty="0">
+              <a:solidFill>
+                <a:srgbClr val="161717"/>
+              </a:solidFill>
+              <a:effectLst/>
+              <a:latin typeface="Helvetica" pitchFamily="2" charset="0"/>
+            </a:endParaRPr>
+          </a:p>
+          <a:p>
+            <a:r>
+              <a:rPr lang="en-US" dirty="0" err="1">
+                <a:solidFill>
+                  <a:srgbClr val="000000"/>
+                </a:solidFill>
+                <a:effectLst/>
+                <a:latin typeface="Helvetica" pitchFamily="2" charset="0"/>
+              </a:rPr>
+              <a:t>Estimador</a:t>
+            </a:r>
+            <a:r>
+              <a:rPr lang="en-US" dirty="0">
+                <a:solidFill>
+                  <a:srgbClr val="161717"/>
+                </a:solidFill>
+                <a:effectLst/>
+                <a:latin typeface="Helvetica" pitchFamily="2" charset="0"/>
+              </a:rPr>
+              <a:t>: </a:t>
+            </a:r>
+            <a:r>
+              <a:rPr lang="en-US" dirty="0" err="1">
+                <a:solidFill>
+                  <a:srgbClr val="161717"/>
+                </a:solidFill>
+                <a:effectLst/>
+                <a:latin typeface="Helvetica" pitchFamily="2" charset="0"/>
+              </a:rPr>
+              <a:t>Asincronicamente</a:t>
+            </a:r>
+            <a:r>
+              <a:rPr lang="en-US" dirty="0">
+                <a:solidFill>
+                  <a:srgbClr val="161717"/>
+                </a:solidFill>
+                <a:effectLst/>
+                <a:latin typeface="Helvetica" pitchFamily="2" charset="0"/>
+              </a:rPr>
+              <a:t> </a:t>
+            </a:r>
+            <a:r>
+              <a:rPr lang="en-US" dirty="0" err="1">
+                <a:solidFill>
+                  <a:srgbClr val="161717"/>
+                </a:solidFill>
+                <a:effectLst/>
+                <a:latin typeface="Helvetica" pitchFamily="2" charset="0"/>
+              </a:rPr>
+              <a:t>recibe</a:t>
+            </a:r>
+            <a:r>
+              <a:rPr lang="en-US" dirty="0">
+                <a:solidFill>
+                  <a:srgbClr val="161717"/>
+                </a:solidFill>
+                <a:effectLst/>
+                <a:latin typeface="Helvetica" pitchFamily="2" charset="0"/>
+              </a:rPr>
+              <a:t> </a:t>
+            </a:r>
+            <a:r>
+              <a:rPr lang="en-US" dirty="0" err="1">
+                <a:solidFill>
+                  <a:srgbClr val="161717"/>
+                </a:solidFill>
+                <a:effectLst/>
+                <a:latin typeface="Helvetica" pitchFamily="2" charset="0"/>
+              </a:rPr>
+              <a:t>datos</a:t>
+            </a:r>
+            <a:r>
+              <a:rPr lang="en-US" dirty="0">
+                <a:solidFill>
+                  <a:srgbClr val="161717"/>
+                </a:solidFill>
+                <a:effectLst/>
+                <a:latin typeface="Helvetica" pitchFamily="2" charset="0"/>
+              </a:rPr>
+              <a:t> del </a:t>
+            </a:r>
+            <a:r>
+              <a:rPr lang="en-US" dirty="0" err="1">
+                <a:solidFill>
+                  <a:srgbClr val="161717"/>
+                </a:solidFill>
+                <a:effectLst/>
+                <a:latin typeface="Helvetica" pitchFamily="2" charset="0"/>
+              </a:rPr>
+              <a:t>clasificador</a:t>
+            </a:r>
+            <a:r>
+              <a:rPr lang="en-US" dirty="0">
+                <a:solidFill>
+                  <a:srgbClr val="161717"/>
+                </a:solidFill>
+                <a:effectLst/>
+                <a:latin typeface="Helvetica" pitchFamily="2" charset="0"/>
+              </a:rPr>
+              <a:t> y </a:t>
+            </a:r>
+            <a:r>
+              <a:rPr lang="en-US" dirty="0" err="1">
+                <a:solidFill>
+                  <a:srgbClr val="161717"/>
+                </a:solidFill>
+                <a:effectLst/>
+                <a:latin typeface="Helvetica" pitchFamily="2" charset="0"/>
+              </a:rPr>
+              <a:t>actualiza</a:t>
+            </a:r>
+            <a:r>
+              <a:rPr lang="en-US" dirty="0">
+                <a:solidFill>
+                  <a:srgbClr val="161717"/>
+                </a:solidFill>
+                <a:effectLst/>
+                <a:latin typeface="Helvetica" pitchFamily="2" charset="0"/>
+              </a:rPr>
+              <a:t> las </a:t>
+            </a:r>
+            <a:r>
+              <a:rPr lang="en-US" dirty="0" err="1">
+                <a:solidFill>
+                  <a:srgbClr val="161717"/>
+                </a:solidFill>
+                <a:effectLst/>
+                <a:latin typeface="Helvetica" pitchFamily="2" charset="0"/>
+              </a:rPr>
+              <a:t>estimaciones</a:t>
+            </a:r>
+            <a:r>
+              <a:rPr lang="en-US" dirty="0">
+                <a:solidFill>
+                  <a:srgbClr val="161717"/>
+                </a:solidFill>
+                <a:effectLst/>
+                <a:latin typeface="Helvetica" pitchFamily="2" charset="0"/>
+              </a:rPr>
+              <a:t> de </a:t>
+            </a:r>
+            <a:r>
+              <a:rPr lang="en-US" dirty="0" err="1">
+                <a:solidFill>
+                  <a:srgbClr val="161717"/>
+                </a:solidFill>
+                <a:effectLst/>
+                <a:latin typeface="Helvetica" pitchFamily="2" charset="0"/>
+              </a:rPr>
+              <a:t>cantidad</a:t>
+            </a:r>
+            <a:r>
+              <a:rPr lang="en-US" dirty="0">
+                <a:solidFill>
+                  <a:srgbClr val="161717"/>
+                </a:solidFill>
+                <a:effectLst/>
+                <a:latin typeface="Helvetica" pitchFamily="2" charset="0"/>
+              </a:rPr>
+              <a:t> de animals.</a:t>
+            </a:r>
+          </a:p>
+          <a:p>
+            <a:r>
+              <a:rPr lang="en-US" dirty="0">
+                <a:solidFill>
+                  <a:srgbClr val="161717"/>
+                </a:solidFill>
+                <a:effectLst/>
+                <a:latin typeface="Helvetica" pitchFamily="2" charset="0"/>
+              </a:rPr>
+              <a:t>The cloud collects and stores data using MQTT (a standard lightweight, publish subscribe network protocol that transports messages between devices). The data is portrayed on a dashboard to analyze operations.</a:t>
+            </a:r>
+          </a:p>
+          <a:p>
             <a:endParaRPr lang="es-ES_tradnl" dirty="0"/>
           </a:p>
         </p:txBody>
@@ -3789,7 +3765,7 @@
           <a:p>
             <a:fld id="{B24B9C7F-A9AC-8444-A793-28261E8C383E}" type="slidenum">
               <a:rPr lang="es-ES_tradnl" smtClean="0"/>
-              <a:t>31</a:t>
+              <a:t>30</a:t>
             </a:fld>
             <a:endParaRPr lang="es-ES_tradnl"/>
           </a:p>
@@ -3798,7 +3774,7 @@
     </p:spTree>
     <p:extLst>
       <p:ext uri="{BB962C8B-B14F-4D97-AF65-F5344CB8AC3E}">
-        <p14:creationId xmlns:p14="http://schemas.microsoft.com/office/powerpoint/2010/main" val="1900079388"/>
+        <p14:creationId xmlns:p14="http://schemas.microsoft.com/office/powerpoint/2010/main" val="856605113"/>
       </p:ext>
     </p:extLst>
   </p:cSld>
@@ -3870,50 +3846,6 @@
           <a:bodyPr/>
           <a:lstStyle/>
           <a:p>
-            <a:r>
-              <a:rPr lang="es-ES" dirty="0"/>
-              <a:t>En informática, CRUD es el acrónimo de </a:t>
-            </a:r>
-            <a:r>
-              <a:rPr lang="es-ES" b="1" dirty="0"/>
-              <a:t>"Crear, Leer, Actualizar y Borrar"</a:t>
-            </a:r>
-            <a:r>
-              <a:rPr lang="es-ES" dirty="0"/>
-              <a:t> (del original en inglés: </a:t>
-            </a:r>
-            <a:r>
-              <a:rPr lang="es-ES" dirty="0" err="1"/>
-              <a:t>Create</a:t>
-            </a:r>
-            <a:r>
-              <a:rPr lang="es-ES" dirty="0"/>
-              <a:t>, </a:t>
-            </a:r>
-            <a:r>
-              <a:rPr lang="es-ES" dirty="0" err="1"/>
-              <a:t>Read</a:t>
-            </a:r>
-            <a:r>
-              <a:rPr lang="es-ES" dirty="0"/>
-              <a:t>, </a:t>
-            </a:r>
-            <a:r>
-              <a:rPr lang="es-ES" dirty="0" err="1"/>
-              <a:t>Update</a:t>
-            </a:r>
-            <a:r>
-              <a:rPr lang="es-ES" dirty="0"/>
-              <a:t> and </a:t>
-            </a:r>
-            <a:r>
-              <a:rPr lang="es-ES" dirty="0" err="1"/>
-              <a:t>Delete</a:t>
-            </a:r>
-            <a:r>
-              <a:rPr lang="es-ES" dirty="0"/>
-              <a:t>), que se usa para referirse a las funciones básicas en bases de datos o la capa de persistencia en un software.</a:t>
-            </a:r>
             <a:endParaRPr lang="es-ES_tradnl" dirty="0"/>
           </a:p>
         </p:txBody>
@@ -3941,7 +3873,7 @@
           <a:p>
             <a:fld id="{B24B9C7F-A9AC-8444-A793-28261E8C383E}" type="slidenum">
               <a:rPr lang="es-ES_tradnl" smtClean="0"/>
-              <a:t>32</a:t>
+              <a:t>31</a:t>
             </a:fld>
             <a:endParaRPr lang="es-ES_tradnl"/>
           </a:p>
@@ -3950,7 +3882,7 @@
     </p:spTree>
     <p:extLst>
       <p:ext uri="{BB962C8B-B14F-4D97-AF65-F5344CB8AC3E}">
-        <p14:creationId xmlns:p14="http://schemas.microsoft.com/office/powerpoint/2010/main" val="3088313150"/>
+        <p14:creationId xmlns:p14="http://schemas.microsoft.com/office/powerpoint/2010/main" val="1900079388"/>
       </p:ext>
     </p:extLst>
   </p:cSld>
@@ -4022,6 +3954,50 @@
           <a:bodyPr/>
           <a:lstStyle/>
           <a:p>
+            <a:r>
+              <a:rPr lang="es-ES" dirty="0"/>
+              <a:t>En informática, CRUD es el acrónimo de </a:t>
+            </a:r>
+            <a:r>
+              <a:rPr lang="es-ES" b="1" dirty="0"/>
+              <a:t>"Crear, Leer, Actualizar y Borrar"</a:t>
+            </a:r>
+            <a:r>
+              <a:rPr lang="es-ES" dirty="0"/>
+              <a:t> (del original en inglés: </a:t>
+            </a:r>
+            <a:r>
+              <a:rPr lang="es-ES" dirty="0" err="1"/>
+              <a:t>Create</a:t>
+            </a:r>
+            <a:r>
+              <a:rPr lang="es-ES" dirty="0"/>
+              <a:t>, </a:t>
+            </a:r>
+            <a:r>
+              <a:rPr lang="es-ES" dirty="0" err="1"/>
+              <a:t>Read</a:t>
+            </a:r>
+            <a:r>
+              <a:rPr lang="es-ES" dirty="0"/>
+              <a:t>, </a:t>
+            </a:r>
+            <a:r>
+              <a:rPr lang="es-ES" dirty="0" err="1"/>
+              <a:t>Update</a:t>
+            </a:r>
+            <a:r>
+              <a:rPr lang="es-ES" dirty="0"/>
+              <a:t> and </a:t>
+            </a:r>
+            <a:r>
+              <a:rPr lang="es-ES" dirty="0" err="1"/>
+              <a:t>Delete</a:t>
+            </a:r>
+            <a:r>
+              <a:rPr lang="es-ES" dirty="0"/>
+              <a:t>), que se usa para referirse a las funciones básicas en bases de datos o la capa de persistencia en un software.</a:t>
+            </a:r>
             <a:endParaRPr lang="es-ES_tradnl" dirty="0"/>
           </a:p>
         </p:txBody>
@@ -4049,7 +4025,7 @@
           <a:p>
             <a:fld id="{B24B9C7F-A9AC-8444-A793-28261E8C383E}" type="slidenum">
               <a:rPr lang="es-ES_tradnl" smtClean="0"/>
-              <a:t>33</a:t>
+              <a:t>32</a:t>
             </a:fld>
             <a:endParaRPr lang="es-ES_tradnl"/>
           </a:p>
@@ -4058,7 +4034,7 @@
     </p:spTree>
     <p:extLst>
       <p:ext uri="{BB962C8B-B14F-4D97-AF65-F5344CB8AC3E}">
-        <p14:creationId xmlns:p14="http://schemas.microsoft.com/office/powerpoint/2010/main" val="3449349848"/>
+        <p14:creationId xmlns:p14="http://schemas.microsoft.com/office/powerpoint/2010/main" val="3088313150"/>
       </p:ext>
     </p:extLst>
   </p:cSld>
@@ -4157,7 +4133,7 @@
           <a:p>
             <a:fld id="{B24B9C7F-A9AC-8444-A793-28261E8C383E}" type="slidenum">
               <a:rPr lang="es-ES_tradnl" smtClean="0"/>
-              <a:t>5</a:t>
+              <a:t>4</a:t>
             </a:fld>
             <a:endParaRPr lang="es-ES_tradnl"/>
           </a:p>
@@ -4166,7 +4142,7 @@
     </p:spTree>
     <p:extLst>
       <p:ext uri="{BB962C8B-B14F-4D97-AF65-F5344CB8AC3E}">
-        <p14:creationId xmlns:p14="http://schemas.microsoft.com/office/powerpoint/2010/main" val="472389555"/>
+        <p14:creationId xmlns:p14="http://schemas.microsoft.com/office/powerpoint/2010/main" val="2339035174"/>
       </p:ext>
     </p:extLst>
   </p:cSld>
@@ -4265,7 +4241,7 @@
           <a:p>
             <a:fld id="{B24B9C7F-A9AC-8444-A793-28261E8C383E}" type="slidenum">
               <a:rPr lang="es-ES_tradnl" smtClean="0"/>
-              <a:t>34</a:t>
+              <a:t>33</a:t>
             </a:fld>
             <a:endParaRPr lang="es-ES_tradnl"/>
           </a:p>
@@ -4274,7 +4250,7 @@
     </p:spTree>
     <p:extLst>
       <p:ext uri="{BB962C8B-B14F-4D97-AF65-F5344CB8AC3E}">
-        <p14:creationId xmlns:p14="http://schemas.microsoft.com/office/powerpoint/2010/main" val="1928663642"/>
+        <p14:creationId xmlns:p14="http://schemas.microsoft.com/office/powerpoint/2010/main" val="3449349848"/>
       </p:ext>
     </p:extLst>
   </p:cSld>
@@ -4373,7 +4349,7 @@
           <a:p>
             <a:fld id="{B24B9C7F-A9AC-8444-A793-28261E8C383E}" type="slidenum">
               <a:rPr lang="es-ES_tradnl" smtClean="0"/>
-              <a:t>35</a:t>
+              <a:t>34</a:t>
             </a:fld>
             <a:endParaRPr lang="es-ES_tradnl"/>
           </a:p>
@@ -4382,7 +4358,7 @@
     </p:spTree>
     <p:extLst>
       <p:ext uri="{BB962C8B-B14F-4D97-AF65-F5344CB8AC3E}">
-        <p14:creationId xmlns:p14="http://schemas.microsoft.com/office/powerpoint/2010/main" val="1264224506"/>
+        <p14:creationId xmlns:p14="http://schemas.microsoft.com/office/powerpoint/2010/main" val="1928663642"/>
       </p:ext>
     </p:extLst>
   </p:cSld>
@@ -4481,7 +4457,7 @@
           <a:p>
             <a:fld id="{B24B9C7F-A9AC-8444-A793-28261E8C383E}" type="slidenum">
               <a:rPr lang="es-ES_tradnl" smtClean="0"/>
-              <a:t>36</a:t>
+              <a:t>35</a:t>
             </a:fld>
             <a:endParaRPr lang="es-ES_tradnl"/>
           </a:p>
@@ -4490,7 +4466,7 @@
     </p:spTree>
     <p:extLst>
       <p:ext uri="{BB962C8B-B14F-4D97-AF65-F5344CB8AC3E}">
-        <p14:creationId xmlns:p14="http://schemas.microsoft.com/office/powerpoint/2010/main" val="2104065753"/>
+        <p14:creationId xmlns:p14="http://schemas.microsoft.com/office/powerpoint/2010/main" val="1264224506"/>
       </p:ext>
     </p:extLst>
   </p:cSld>
@@ -4562,117 +4538,6 @@
           <a:bodyPr/>
           <a:lstStyle/>
           <a:p>
-            <a:pPr marL="0" marR="0" lvl="0" indent="0" algn="l" defTabSz="914400" rtl="0" eaLnBrk="1" fontAlgn="auto" latinLnBrk="0" hangingPunct="1">
-              <a:lnSpc>
-                <a:spcPct val="100000"/>
-              </a:lnSpc>
-              <a:spcBef>
-                <a:spcPts val="0"/>
-              </a:spcBef>
-              <a:spcAft>
-                <a:spcPts val="0"/>
-              </a:spcAft>
-              <a:buClrTx/>
-              <a:buSzTx/>
-              <a:buFontTx/>
-              <a:buNone/>
-              <a:tabLst/>
-              <a:defRPr/>
-            </a:pPr>
-            <a:r>
-              <a:rPr lang="es-ES" b="0" i="0" dirty="0" err="1">
-                <a:solidFill>
-                  <a:schemeClr val="bg1"/>
-                </a:solidFill>
-                <a:effectLst/>
-                <a:latin typeface="Söhne"/>
-              </a:rPr>
-              <a:t>Pydantic</a:t>
-            </a:r>
-            <a:r>
-              <a:rPr lang="es-ES" b="0" i="0" dirty="0">
-                <a:solidFill>
-                  <a:schemeClr val="bg1"/>
-                </a:solidFill>
-                <a:effectLst/>
-                <a:latin typeface="Söhne"/>
-              </a:rPr>
-              <a:t> es una biblioteca de validación y serialización de datos en Python. Está diseñada para facilitar la validación y manipulación de datos en aplicaciones Python, especialmente en el contexto de API web y modelos de datos.</a:t>
-            </a:r>
-            <a:endParaRPr lang="es-AR" dirty="0">
-              <a:solidFill>
-                <a:schemeClr val="bg1"/>
-              </a:solidFill>
-            </a:endParaRPr>
-          </a:p>
-          <a:p>
-            <a:endParaRPr lang="es-ES_tradnl" dirty="0"/>
-          </a:p>
-          <a:p>
-            <a:pPr marL="0" marR="0" lvl="0" indent="0" algn="l" defTabSz="914400" rtl="0" eaLnBrk="1" fontAlgn="auto" latinLnBrk="0" hangingPunct="1">
-              <a:lnSpc>
-                <a:spcPct val="100000"/>
-              </a:lnSpc>
-              <a:spcBef>
-                <a:spcPts val="0"/>
-              </a:spcBef>
-              <a:spcAft>
-                <a:spcPts val="0"/>
-              </a:spcAft>
-              <a:buClrTx/>
-              <a:buSzTx/>
-              <a:buFontTx/>
-              <a:buNone/>
-              <a:tabLst/>
-              <a:defRPr/>
-            </a:pPr>
-            <a:r>
-              <a:rPr lang="es-ES" b="0" i="0" dirty="0" err="1">
-                <a:solidFill>
-                  <a:schemeClr val="bg1"/>
-                </a:solidFill>
-                <a:effectLst/>
-                <a:latin typeface="Söhne"/>
-              </a:rPr>
-              <a:t>Swagger</a:t>
-            </a:r>
-            <a:r>
-              <a:rPr lang="es-ES" b="0" i="0" dirty="0">
-                <a:solidFill>
-                  <a:schemeClr val="bg1"/>
-                </a:solidFill>
-                <a:effectLst/>
-                <a:latin typeface="Söhne"/>
-              </a:rPr>
-              <a:t> es un conjunto de herramientas para diseñar, construir y documentar </a:t>
-            </a:r>
-            <a:r>
-              <a:rPr lang="es-ES" b="0" i="0" dirty="0" err="1">
-                <a:solidFill>
-                  <a:schemeClr val="bg1"/>
-                </a:solidFill>
-                <a:effectLst/>
-                <a:latin typeface="Söhne"/>
-              </a:rPr>
-              <a:t>APIs</a:t>
-            </a:r>
-            <a:r>
-              <a:rPr lang="es-ES" b="0" i="0" dirty="0">
-                <a:solidFill>
-                  <a:schemeClr val="bg1"/>
-                </a:solidFill>
-                <a:effectLst/>
-                <a:latin typeface="Söhne"/>
-              </a:rPr>
-              <a:t> de manera fácil y colaborativa.</a:t>
-            </a:r>
-            <a:endParaRPr lang="es-AR" dirty="0">
-              <a:solidFill>
-                <a:schemeClr val="bg1"/>
-              </a:solidFill>
-            </a:endParaRPr>
-          </a:p>
-          <a:p>
             <a:endParaRPr lang="es-ES_tradnl" dirty="0"/>
           </a:p>
         </p:txBody>
@@ -4700,7 +4565,7 @@
           <a:p>
             <a:fld id="{B24B9C7F-A9AC-8444-A793-28261E8C383E}" type="slidenum">
               <a:rPr lang="es-ES_tradnl" smtClean="0"/>
-              <a:t>38</a:t>
+              <a:t>36</a:t>
             </a:fld>
             <a:endParaRPr lang="es-ES_tradnl"/>
           </a:p>
@@ -4709,7 +4574,7 @@
     </p:spTree>
     <p:extLst>
       <p:ext uri="{BB962C8B-B14F-4D97-AF65-F5344CB8AC3E}">
-        <p14:creationId xmlns:p14="http://schemas.microsoft.com/office/powerpoint/2010/main" val="3009124066"/>
+        <p14:creationId xmlns:p14="http://schemas.microsoft.com/office/powerpoint/2010/main" val="2104065753"/>
       </p:ext>
     </p:extLst>
   </p:cSld>
@@ -4781,6 +4646,225 @@
           <a:bodyPr/>
           <a:lstStyle/>
           <a:p>
+            <a:pPr marL="0" marR="0" lvl="0" indent="0" algn="l" defTabSz="914400" rtl="0" eaLnBrk="1" fontAlgn="auto" latinLnBrk="0" hangingPunct="1">
+              <a:lnSpc>
+                <a:spcPct val="100000"/>
+              </a:lnSpc>
+              <a:spcBef>
+                <a:spcPts val="0"/>
+              </a:spcBef>
+              <a:spcAft>
+                <a:spcPts val="0"/>
+              </a:spcAft>
+              <a:buClrTx/>
+              <a:buSzTx/>
+              <a:buFontTx/>
+              <a:buNone/>
+              <a:tabLst/>
+              <a:defRPr/>
+            </a:pPr>
+            <a:r>
+              <a:rPr lang="es-ES" b="0" i="0" dirty="0" err="1">
+                <a:solidFill>
+                  <a:schemeClr val="bg1"/>
+                </a:solidFill>
+                <a:effectLst/>
+                <a:latin typeface="Söhne"/>
+              </a:rPr>
+              <a:t>Pydantic</a:t>
+            </a:r>
+            <a:r>
+              <a:rPr lang="es-ES" b="0" i="0" dirty="0">
+                <a:solidFill>
+                  <a:schemeClr val="bg1"/>
+                </a:solidFill>
+                <a:effectLst/>
+                <a:latin typeface="Söhne"/>
+              </a:rPr>
+              <a:t> es una biblioteca de validación y serialización de datos en Python. Está diseñada para facilitar la validación y manipulación de datos en aplicaciones Python, especialmente en el contexto de API web y modelos de datos.</a:t>
+            </a:r>
+            <a:endParaRPr lang="es-AR" dirty="0">
+              <a:solidFill>
+                <a:schemeClr val="bg1"/>
+              </a:solidFill>
+            </a:endParaRPr>
+          </a:p>
+          <a:p>
+            <a:endParaRPr lang="es-ES_tradnl" dirty="0"/>
+          </a:p>
+          <a:p>
+            <a:pPr marL="0" marR="0" lvl="0" indent="0" algn="l" defTabSz="914400" rtl="0" eaLnBrk="1" fontAlgn="auto" latinLnBrk="0" hangingPunct="1">
+              <a:lnSpc>
+                <a:spcPct val="100000"/>
+              </a:lnSpc>
+              <a:spcBef>
+                <a:spcPts val="0"/>
+              </a:spcBef>
+              <a:spcAft>
+                <a:spcPts val="0"/>
+              </a:spcAft>
+              <a:buClrTx/>
+              <a:buSzTx/>
+              <a:buFontTx/>
+              <a:buNone/>
+              <a:tabLst/>
+              <a:defRPr/>
+            </a:pPr>
+            <a:r>
+              <a:rPr lang="es-ES" b="0" i="0" dirty="0" err="1">
+                <a:solidFill>
+                  <a:schemeClr val="bg1"/>
+                </a:solidFill>
+                <a:effectLst/>
+                <a:latin typeface="Söhne"/>
+              </a:rPr>
+              <a:t>Swagger</a:t>
+            </a:r>
+            <a:r>
+              <a:rPr lang="es-ES" b="0" i="0" dirty="0">
+                <a:solidFill>
+                  <a:schemeClr val="bg1"/>
+                </a:solidFill>
+                <a:effectLst/>
+                <a:latin typeface="Söhne"/>
+              </a:rPr>
+              <a:t> es un conjunto de herramientas para diseñar, construir y documentar </a:t>
+            </a:r>
+            <a:r>
+              <a:rPr lang="es-ES" b="0" i="0" dirty="0" err="1">
+                <a:solidFill>
+                  <a:schemeClr val="bg1"/>
+                </a:solidFill>
+                <a:effectLst/>
+                <a:latin typeface="Söhne"/>
+              </a:rPr>
+              <a:t>APIs</a:t>
+            </a:r>
+            <a:r>
+              <a:rPr lang="es-ES" b="0" i="0" dirty="0">
+                <a:solidFill>
+                  <a:schemeClr val="bg1"/>
+                </a:solidFill>
+                <a:effectLst/>
+                <a:latin typeface="Söhne"/>
+              </a:rPr>
+              <a:t> de manera fácil y colaborativa.</a:t>
+            </a:r>
+            <a:endParaRPr lang="es-AR" dirty="0">
+              <a:solidFill>
+                <a:schemeClr val="bg1"/>
+              </a:solidFill>
+            </a:endParaRPr>
+          </a:p>
+          <a:p>
+            <a:endParaRPr lang="es-ES_tradnl" dirty="0"/>
+          </a:p>
+        </p:txBody>
+      </p:sp>
+      <p:sp>
+        <p:nvSpPr>
+          <p:cNvPr id="4" name="Slide Number Placeholder 3">
+            <a:extLst>
+              <a:ext uri="{FF2B5EF4-FFF2-40B4-BE49-F238E27FC236}">
+                <a16:creationId xmlns:a16="http://schemas.microsoft.com/office/drawing/2014/main" id="{79A6331C-A4B1-5BC3-AB22-2CD553FA8A3D}"/>
+              </a:ext>
+            </a:extLst>
+          </p:cNvPr>
+          <p:cNvSpPr>
+            <a:spLocks noGrp="1"/>
+          </p:cNvSpPr>
+          <p:nvPr>
+            <p:ph type="sldNum" sz="quarter" idx="5"/>
+          </p:nvPr>
+        </p:nvSpPr>
+        <p:spPr/>
+        <p:txBody>
+          <a:bodyPr/>
+          <a:lstStyle/>
+          <a:p>
+            <a:fld id="{B24B9C7F-A9AC-8444-A793-28261E8C383E}" type="slidenum">
+              <a:rPr lang="es-ES_tradnl" smtClean="0"/>
+              <a:t>38</a:t>
+            </a:fld>
+            <a:endParaRPr lang="es-ES_tradnl"/>
+          </a:p>
+        </p:txBody>
+      </p:sp>
+    </p:spTree>
+    <p:extLst>
+      <p:ext uri="{BB962C8B-B14F-4D97-AF65-F5344CB8AC3E}">
+        <p14:creationId xmlns:p14="http://schemas.microsoft.com/office/powerpoint/2010/main" val="3009124066"/>
+      </p:ext>
+    </p:extLst>
+  </p:cSld>
+  <p:clrMapOvr>
+    <a:masterClrMapping/>
+  </p:clrMapOvr>
+</p:notes>
+</file>
+
+<file path=ppt/notesSlides/notesSlide35.xml><?xml version="1.0" encoding="utf-8"?>
+<p:notes xmlns:a="http://schemas.openxmlformats.org/drawingml/2006/main" xmlns:r="http://schemas.openxmlformats.org/officeDocument/2006/relationships" xmlns:p="http://schemas.openxmlformats.org/presentationml/2006/main">
+  <p:cSld>
+    <p:spTree>
+      <p:nvGrpSpPr>
+        <p:cNvPr id="1" name="">
+          <a:extLst>
+            <a:ext uri="{FF2B5EF4-FFF2-40B4-BE49-F238E27FC236}">
+              <a16:creationId xmlns:a16="http://schemas.microsoft.com/office/drawing/2014/main" id="{4BE48A02-B760-319A-C21D-FCD1FCE4CA6B}"/>
+            </a:ext>
+          </a:extLst>
+        </p:cNvPr>
+        <p:cNvGrpSpPr/>
+        <p:nvPr/>
+      </p:nvGrpSpPr>
+      <p:grpSpPr>
+        <a:xfrm>
+          <a:off x="0" y="0"/>
+          <a:ext cx="0" cy="0"/>
+          <a:chOff x="0" y="0"/>
+          <a:chExt cx="0" cy="0"/>
+        </a:xfrm>
+      </p:grpSpPr>
+      <p:sp>
+        <p:nvSpPr>
+          <p:cNvPr id="2" name="Slide Image Placeholder 1">
+            <a:extLst>
+              <a:ext uri="{FF2B5EF4-FFF2-40B4-BE49-F238E27FC236}">
+                <a16:creationId xmlns:a16="http://schemas.microsoft.com/office/drawing/2014/main" id="{ACF760CA-EAAF-AACE-9895-7C84DABABC20}"/>
+              </a:ext>
+            </a:extLst>
+          </p:cNvPr>
+          <p:cNvSpPr>
+            <a:spLocks noGrp="1" noRot="1" noChangeAspect="1"/>
+          </p:cNvSpPr>
+          <p:nvPr>
+            <p:ph type="sldImg"/>
+          </p:nvPr>
+        </p:nvSpPr>
+        <p:spPr/>
+      </p:sp>
+      <p:sp>
+        <p:nvSpPr>
+          <p:cNvPr id="3" name="Notes Placeholder 2">
+            <a:extLst>
+              <a:ext uri="{FF2B5EF4-FFF2-40B4-BE49-F238E27FC236}">
+                <a16:creationId xmlns:a16="http://schemas.microsoft.com/office/drawing/2014/main" id="{D31EEFC6-BBE3-A734-D1AE-39D2F70D6E21}"/>
+              </a:ext>
+            </a:extLst>
+          </p:cNvPr>
+          <p:cNvSpPr>
+            <a:spLocks noGrp="1"/>
+          </p:cNvSpPr>
+          <p:nvPr>
+            <p:ph type="body" idx="1"/>
+          </p:nvPr>
+        </p:nvSpPr>
+        <p:spPr/>
+        <p:txBody>
+          <a:bodyPr/>
+          <a:lstStyle/>
+          <a:p>
             <a:endParaRPr lang="es-ES_tradnl" dirty="0"/>
           </a:p>
         </p:txBody>
@@ -4827,7 +4911,7 @@
 </p:notes>
 </file>
 
-<file path=ppt/notesSlides/notesSlide35.xml><?xml version="1.0" encoding="utf-8"?>
+<file path=ppt/notesSlides/notesSlide36.xml><?xml version="1.0" encoding="utf-8"?>
 <p:notes xmlns:a="http://schemas.openxmlformats.org/drawingml/2006/main" xmlns:r="http://schemas.openxmlformats.org/officeDocument/2006/relationships" xmlns:p="http://schemas.openxmlformats.org/presentationml/2006/main">
   <p:cSld>
     <p:spTree>
@@ -5024,7 +5108,7 @@
           <a:p>
             <a:fld id="{B24B9C7F-A9AC-8444-A793-28261E8C383E}" type="slidenum">
               <a:rPr lang="es-ES_tradnl" smtClean="0"/>
-              <a:t>6</a:t>
+              <a:t>5</a:t>
             </a:fld>
             <a:endParaRPr lang="es-ES_tradnl"/>
           </a:p>
@@ -5033,7 +5117,7 @@
     </p:spTree>
     <p:extLst>
       <p:ext uri="{BB962C8B-B14F-4D97-AF65-F5344CB8AC3E}">
-        <p14:creationId xmlns:p14="http://schemas.microsoft.com/office/powerpoint/2010/main" val="1384031592"/>
+        <p14:creationId xmlns:p14="http://schemas.microsoft.com/office/powerpoint/2010/main" val="472389555"/>
       </p:ext>
     </p:extLst>
   </p:cSld>
@@ -5132,7 +5216,7 @@
           <a:p>
             <a:fld id="{B24B9C7F-A9AC-8444-A793-28261E8C383E}" type="slidenum">
               <a:rPr lang="es-ES_tradnl" smtClean="0"/>
-              <a:t>7</a:t>
+              <a:t>6</a:t>
             </a:fld>
             <a:endParaRPr lang="es-ES_tradnl"/>
           </a:p>
@@ -5141,7 +5225,7 @@
     </p:spTree>
     <p:extLst>
       <p:ext uri="{BB962C8B-B14F-4D97-AF65-F5344CB8AC3E}">
-        <p14:creationId xmlns:p14="http://schemas.microsoft.com/office/powerpoint/2010/main" val="2240572058"/>
+        <p14:creationId xmlns:p14="http://schemas.microsoft.com/office/powerpoint/2010/main" val="1384031592"/>
       </p:ext>
     </p:extLst>
   </p:cSld>
@@ -5240,7 +5324,7 @@
           <a:p>
             <a:fld id="{B24B9C7F-A9AC-8444-A793-28261E8C383E}" type="slidenum">
               <a:rPr lang="es-ES_tradnl" smtClean="0"/>
-              <a:t>9</a:t>
+              <a:t>7</a:t>
             </a:fld>
             <a:endParaRPr lang="es-ES_tradnl"/>
           </a:p>
@@ -5249,7 +5333,7 @@
     </p:spTree>
     <p:extLst>
       <p:ext uri="{BB962C8B-B14F-4D97-AF65-F5344CB8AC3E}">
-        <p14:creationId xmlns:p14="http://schemas.microsoft.com/office/powerpoint/2010/main" val="901502292"/>
+        <p14:creationId xmlns:p14="http://schemas.microsoft.com/office/powerpoint/2010/main" val="2240572058"/>
       </p:ext>
     </p:extLst>
   </p:cSld>
@@ -5348,7 +5432,7 @@
           <a:p>
             <a:fld id="{B24B9C7F-A9AC-8444-A793-28261E8C383E}" type="slidenum">
               <a:rPr lang="es-ES_tradnl" smtClean="0"/>
-              <a:t>10</a:t>
+              <a:t>9</a:t>
             </a:fld>
             <a:endParaRPr lang="es-ES_tradnl"/>
           </a:p>
@@ -5357,7 +5441,7 @@
     </p:spTree>
     <p:extLst>
       <p:ext uri="{BB962C8B-B14F-4D97-AF65-F5344CB8AC3E}">
-        <p14:creationId xmlns:p14="http://schemas.microsoft.com/office/powerpoint/2010/main" val="3481050415"/>
+        <p14:creationId xmlns:p14="http://schemas.microsoft.com/office/powerpoint/2010/main" val="901502292"/>
       </p:ext>
     </p:extLst>
   </p:cSld>
@@ -5456,7 +5540,7 @@
           <a:p>
             <a:fld id="{B24B9C7F-A9AC-8444-A793-28261E8C383E}" type="slidenum">
               <a:rPr lang="es-ES_tradnl" smtClean="0"/>
-              <a:t>11</a:t>
+              <a:t>10</a:t>
             </a:fld>
             <a:endParaRPr lang="es-ES_tradnl"/>
           </a:p>
@@ -5465,7 +5549,7 @@
     </p:spTree>
     <p:extLst>
       <p:ext uri="{BB962C8B-B14F-4D97-AF65-F5344CB8AC3E}">
-        <p14:creationId xmlns:p14="http://schemas.microsoft.com/office/powerpoint/2010/main" val="2987674856"/>
+        <p14:creationId xmlns:p14="http://schemas.microsoft.com/office/powerpoint/2010/main" val="3481050415"/>
       </p:ext>
     </p:extLst>
   </p:cSld>
@@ -5564,7 +5648,7 @@
           <a:p>
             <a:fld id="{B24B9C7F-A9AC-8444-A793-28261E8C383E}" type="slidenum">
               <a:rPr lang="es-ES_tradnl" smtClean="0"/>
-              <a:t>12</a:t>
+              <a:t>11</a:t>
             </a:fld>
             <a:endParaRPr lang="es-ES_tradnl"/>
           </a:p>
@@ -5573,7 +5657,7 @@
     </p:spTree>
     <p:extLst>
       <p:ext uri="{BB962C8B-B14F-4D97-AF65-F5344CB8AC3E}">
-        <p14:creationId xmlns:p14="http://schemas.microsoft.com/office/powerpoint/2010/main" val="3820544085"/>
+        <p14:creationId xmlns:p14="http://schemas.microsoft.com/office/powerpoint/2010/main" val="2987674856"/>
       </p:ext>
     </p:extLst>
   </p:cSld>
@@ -5745,7 +5829,7 @@
           <a:p>
             <a:fld id="{BD016BBE-372F-8747-90B7-0D97B79DB70D}" type="datetime1">
               <a:rPr lang="en-US" smtClean="0"/>
-              <a:t>4/12/24</a:t>
+              <a:t>4/12/25</a:t>
             </a:fld>
             <a:endParaRPr lang="en-US" dirty="0"/>
           </a:p>
@@ -5975,7 +6059,7 @@
           <a:p>
             <a:fld id="{52088FDC-78CF-244E-B28C-A3D8E0C14A7A}" type="datetime1">
               <a:rPr lang="en-US" smtClean="0"/>
-              <a:t>4/12/24</a:t>
+              <a:t>4/12/25</a:t>
             </a:fld>
             <a:endParaRPr lang="en-US"/>
           </a:p>
@@ -6186,7 +6270,7 @@
           <a:p>
             <a:fld id="{8B9418FF-4771-6547-A594-8A464D87463A}" type="datetime1">
               <a:rPr lang="en-US" smtClean="0"/>
-              <a:t>4/12/24</a:t>
+              <a:t>4/12/25</a:t>
             </a:fld>
             <a:endParaRPr lang="en-US"/>
           </a:p>
@@ -6394,7 +6478,7 @@
           <a:p>
             <a:fld id="{858BE599-75C7-B34E-943D-643FCF23E70F}" type="datetime1">
               <a:rPr lang="en-US" smtClean="0"/>
-              <a:t>4/12/24</a:t>
+              <a:t>4/12/25</a:t>
             </a:fld>
             <a:endParaRPr lang="en-US" dirty="0"/>
           </a:p>
@@ -6671,7 +6755,7 @@
           <a:p>
             <a:fld id="{71FD53E5-AE1B-F84F-B8A8-6681965D781D}" type="datetime1">
               <a:rPr lang="en-US" smtClean="0"/>
-              <a:t>4/12/24</a:t>
+              <a:t>4/12/25</a:t>
             </a:fld>
             <a:endParaRPr lang="en-US"/>
           </a:p>
@@ -6947,7 +7031,7 @@
           <a:p>
             <a:fld id="{53125527-6218-C14B-9A25-EEA9A08E3831}" type="datetime1">
               <a:rPr lang="en-US" smtClean="0"/>
-              <a:t>4/12/24</a:t>
+              <a:t>4/12/25</a:t>
             </a:fld>
             <a:endParaRPr lang="en-US"/>
           </a:p>
@@ -7365,7 +7449,7 @@
           <a:p>
             <a:fld id="{0ACFFC48-7972-6544-8F4D-865EAA14D066}" type="datetime1">
               <a:rPr lang="en-US" smtClean="0"/>
-              <a:t>4/12/24</a:t>
+              <a:t>4/12/25</a:t>
             </a:fld>
             <a:endParaRPr lang="en-US"/>
           </a:p>
@@ -7520,7 +7604,7 @@
           <a:p>
             <a:fld id="{B431B907-A9D4-9141-9ABC-E973C3AB450F}" type="datetime1">
               <a:rPr lang="en-US" smtClean="0"/>
-              <a:t>4/12/24</a:t>
+              <a:t>4/12/25</a:t>
             </a:fld>
             <a:endParaRPr lang="en-US"/>
           </a:p>
@@ -7636,7 +7720,7 @@
           <a:p>
             <a:fld id="{C65D3E84-F438-B044-AFC7-277DF79F4232}" type="datetime1">
               <a:rPr lang="en-US" smtClean="0"/>
-              <a:t>4/12/24</a:t>
+              <a:t>4/12/25</a:t>
             </a:fld>
             <a:endParaRPr lang="en-US"/>
           </a:p>
@@ -7950,7 +8034,7 @@
           <a:p>
             <a:fld id="{1E555376-EF5D-C04F-913F-EE22F3D3B7E4}" type="datetime1">
               <a:rPr lang="en-US" smtClean="0"/>
-              <a:t>4/12/24</a:t>
+              <a:t>4/12/25</a:t>
             </a:fld>
             <a:endParaRPr lang="en-US"/>
           </a:p>
@@ -8244,7 +8328,7 @@
           <a:p>
             <a:fld id="{8ED2341E-CC64-994D-98BD-F3644054835A}" type="datetime1">
               <a:rPr lang="en-US" smtClean="0"/>
-              <a:t>4/12/24</a:t>
+              <a:t>4/12/25</a:t>
             </a:fld>
             <a:endParaRPr lang="en-US"/>
           </a:p>
@@ -8555,7 +8639,7 @@
           <a:p>
             <a:fld id="{E0F61CEF-AB21-694C-A12A-2635F91EF22B}" type="datetime1">
               <a:rPr lang="en-US" smtClean="0"/>
-              <a:t>4/12/24</a:t>
+              <a:t>4/12/25</a:t>
             </a:fld>
             <a:endParaRPr lang="en-US" dirty="0"/>
           </a:p>
@@ -9206,12 +9290,12 @@
           <p:nvPr/>
         </p:nvPicPr>
         <p:blipFill rotWithShape="1">
-          <a:blip r:embed="rId2">
+          <a:blip r:embed="rId3">
             <a:alphaModFix amt="60000"/>
             <a:extLst>
               <a:ext uri="{BEBA8EAE-BF5A-486C-A8C5-ECC9F3942E4B}">
                 <a14:imgProps xmlns:a14="http://schemas.microsoft.com/office/drawing/2010/main">
-                  <a14:imgLayer r:embed="rId3">
+                  <a14:imgLayer r:embed="rId4">
                     <a14:imgEffect>
                       <a14:sharpenSoften amount="-45000"/>
                     </a14:imgEffect>
@@ -9322,7 +9406,7 @@
                   <a:srgbClr val="FFFFFF"/>
                 </a:solidFill>
               </a:rPr>
-              <a:t>Aprendizaje de Máquina II - CEIA - FIUBA</a:t>
+              <a:t>Operaciones de Aprendizaje Automático I - CEIA - FIUBA</a:t>
             </a:r>
           </a:p>
         </p:txBody>
@@ -9342,7 +9426,7 @@
           <p:nvPr/>
         </p:nvPicPr>
         <p:blipFill>
-          <a:blip r:embed="rId4"/>
+          <a:blip r:embed="rId5"/>
           <a:stretch>
             <a:fillRect/>
           </a:stretch>
@@ -9577,30 +9661,6 @@
               <a:t>Dr. Ing. Facundo Adrián Lucianna</a:t>
             </a:r>
           </a:p>
-          <a:p>
-            <a:pPr algn="l"/>
-            <a:r>
-              <a:rPr lang="es-ES_tradnl" sz="1800" dirty="0">
-                <a:solidFill>
-                  <a:srgbClr val="FFFFFF"/>
-                </a:solidFill>
-              </a:rPr>
-              <a:t>Dr. Ing. Álvaro Gabriel </a:t>
-            </a:r>
-            <a:r>
-              <a:rPr lang="es-ES_tradnl" sz="1800" dirty="0" err="1">
-                <a:solidFill>
-                  <a:srgbClr val="FFFFFF"/>
-                </a:solidFill>
-              </a:rPr>
-              <a:t>Pizá</a:t>
-            </a:r>
-            <a:endParaRPr lang="es-ES_tradnl" sz="1800" dirty="0">
-              <a:solidFill>
-                <a:srgbClr val="FFFFFF"/>
-              </a:solidFill>
-            </a:endParaRPr>
-          </a:p>
         </p:txBody>
       </p:sp>
       <p:cxnSp>
@@ -9712,40 +9772,6 @@
       </p:sp>
       <p:sp>
         <p:nvSpPr>
-          <p:cNvPr id="5" name="Footer Placeholder 4">
-            <a:extLst>
-              <a:ext uri="{FF2B5EF4-FFF2-40B4-BE49-F238E27FC236}">
-                <a16:creationId xmlns:a16="http://schemas.microsoft.com/office/drawing/2014/main" id="{180A6784-AA49-8211-68C1-452BA7C43F2B}"/>
-              </a:ext>
-            </a:extLst>
-          </p:cNvPr>
-          <p:cNvSpPr>
-            <a:spLocks noGrp="1"/>
-          </p:cNvSpPr>
-          <p:nvPr>
-            <p:ph type="ftr" sz="quarter" idx="11"/>
-          </p:nvPr>
-        </p:nvSpPr>
-        <p:spPr>
-          <a:xfrm>
-            <a:off x="458694" y="6416674"/>
-            <a:ext cx="4114800" cy="365125"/>
-          </a:xfrm>
-        </p:spPr>
-        <p:txBody>
-          <a:bodyPr/>
-          <a:lstStyle/>
-          <a:p>
-            <a:pPr algn="l"/>
-            <a:r>
-              <a:rPr lang="es-ES_tradnl" sz="1400" dirty="0"/>
-              <a:t>Aprendizaje de Máquina - CESE - FIUBA</a:t>
-            </a:r>
-          </a:p>
-        </p:txBody>
-      </p:sp>
-      <p:sp>
-        <p:nvSpPr>
           <p:cNvPr id="6" name="Slide Number Placeholder 5">
             <a:extLst>
               <a:ext uri="{FF2B5EF4-FFF2-40B4-BE49-F238E27FC236}">
@@ -9858,6 +9884,40 @@
                 </a:solidFill>
               </a:rPr>
               <a:t>Desplegado en una máquina virtual</a:t>
+            </a:r>
+          </a:p>
+        </p:txBody>
+      </p:sp>
+      <p:sp>
+        <p:nvSpPr>
+          <p:cNvPr id="7" name="Footer Placeholder 4">
+            <a:extLst>
+              <a:ext uri="{FF2B5EF4-FFF2-40B4-BE49-F238E27FC236}">
+                <a16:creationId xmlns:a16="http://schemas.microsoft.com/office/drawing/2014/main" id="{76254896-21F5-B913-2945-A665E8D0BF2F}"/>
+              </a:ext>
+            </a:extLst>
+          </p:cNvPr>
+          <p:cNvSpPr>
+            <a:spLocks noGrp="1"/>
+          </p:cNvSpPr>
+          <p:nvPr>
+            <p:ph type="ftr" sz="quarter" idx="11"/>
+          </p:nvPr>
+        </p:nvSpPr>
+        <p:spPr>
+          <a:xfrm>
+            <a:off x="458694" y="6445475"/>
+            <a:ext cx="6824243" cy="365125"/>
+          </a:xfrm>
+        </p:spPr>
+        <p:txBody>
+          <a:bodyPr/>
+          <a:lstStyle/>
+          <a:p>
+            <a:pPr algn="l"/>
+            <a:r>
+              <a:rPr lang="es-ES_tradnl" sz="1400" dirty="0"/>
+              <a:t>Operaciones de Aprendizaje Automático I - CESE - FIUBA</a:t>
             </a:r>
           </a:p>
         </p:txBody>
@@ -9930,40 +9990,6 @@
       </p:sp>
       <p:sp>
         <p:nvSpPr>
-          <p:cNvPr id="5" name="Footer Placeholder 4">
-            <a:extLst>
-              <a:ext uri="{FF2B5EF4-FFF2-40B4-BE49-F238E27FC236}">
-                <a16:creationId xmlns:a16="http://schemas.microsoft.com/office/drawing/2014/main" id="{180A6784-AA49-8211-68C1-452BA7C43F2B}"/>
-              </a:ext>
-            </a:extLst>
-          </p:cNvPr>
-          <p:cNvSpPr>
-            <a:spLocks noGrp="1"/>
-          </p:cNvSpPr>
-          <p:nvPr>
-            <p:ph type="ftr" sz="quarter" idx="11"/>
-          </p:nvPr>
-        </p:nvSpPr>
-        <p:spPr>
-          <a:xfrm>
-            <a:off x="458694" y="6416674"/>
-            <a:ext cx="4114800" cy="365125"/>
-          </a:xfrm>
-        </p:spPr>
-        <p:txBody>
-          <a:bodyPr/>
-          <a:lstStyle/>
-          <a:p>
-            <a:pPr algn="l"/>
-            <a:r>
-              <a:rPr lang="es-ES_tradnl" sz="1400" dirty="0"/>
-              <a:t>Aprendizaje de Máquina - CESE - FIUBA</a:t>
-            </a:r>
-          </a:p>
-        </p:txBody>
-      </p:sp>
-      <p:sp>
-        <p:nvSpPr>
           <p:cNvPr id="6" name="Slide Number Placeholder 5">
             <a:extLst>
               <a:ext uri="{FF2B5EF4-FFF2-40B4-BE49-F238E27FC236}">
@@ -10785,6 +10811,40 @@
             <a:r>
               <a:rPr lang="es-ES_tradnl" sz="1400" dirty="0"/>
               <a:t>Instancia 5</a:t>
+            </a:r>
+          </a:p>
+        </p:txBody>
+      </p:sp>
+      <p:sp>
+        <p:nvSpPr>
+          <p:cNvPr id="7" name="Footer Placeholder 4">
+            <a:extLst>
+              <a:ext uri="{FF2B5EF4-FFF2-40B4-BE49-F238E27FC236}">
+                <a16:creationId xmlns:a16="http://schemas.microsoft.com/office/drawing/2014/main" id="{40E28E05-3800-D6CC-2D5C-8A9A5EA81ACA}"/>
+              </a:ext>
+            </a:extLst>
+          </p:cNvPr>
+          <p:cNvSpPr>
+            <a:spLocks noGrp="1"/>
+          </p:cNvSpPr>
+          <p:nvPr>
+            <p:ph type="ftr" sz="quarter" idx="11"/>
+          </p:nvPr>
+        </p:nvSpPr>
+        <p:spPr>
+          <a:xfrm>
+            <a:off x="458694" y="6445475"/>
+            <a:ext cx="6824243" cy="365125"/>
+          </a:xfrm>
+        </p:spPr>
+        <p:txBody>
+          <a:bodyPr/>
+          <a:lstStyle/>
+          <a:p>
+            <a:pPr algn="l"/>
+            <a:r>
+              <a:rPr lang="es-ES_tradnl" sz="1400" dirty="0"/>
+              <a:t>Operaciones de Aprendizaje Automático I - CESE - FIUBA</a:t>
             </a:r>
           </a:p>
         </p:txBody>
@@ -10857,40 +10917,6 @@
       </p:sp>
       <p:sp>
         <p:nvSpPr>
-          <p:cNvPr id="5" name="Footer Placeholder 4">
-            <a:extLst>
-              <a:ext uri="{FF2B5EF4-FFF2-40B4-BE49-F238E27FC236}">
-                <a16:creationId xmlns:a16="http://schemas.microsoft.com/office/drawing/2014/main" id="{180A6784-AA49-8211-68C1-452BA7C43F2B}"/>
-              </a:ext>
-            </a:extLst>
-          </p:cNvPr>
-          <p:cNvSpPr>
-            <a:spLocks noGrp="1"/>
-          </p:cNvSpPr>
-          <p:nvPr>
-            <p:ph type="ftr" sz="quarter" idx="11"/>
-          </p:nvPr>
-        </p:nvSpPr>
-        <p:spPr>
-          <a:xfrm>
-            <a:off x="458694" y="6416674"/>
-            <a:ext cx="4114800" cy="365125"/>
-          </a:xfrm>
-        </p:spPr>
-        <p:txBody>
-          <a:bodyPr/>
-          <a:lstStyle/>
-          <a:p>
-            <a:pPr algn="l"/>
-            <a:r>
-              <a:rPr lang="es-ES_tradnl" sz="1400" dirty="0"/>
-              <a:t>Aprendizaje de Máquina - CESE - FIUBA</a:t>
-            </a:r>
-          </a:p>
-        </p:txBody>
-      </p:sp>
-      <p:sp>
-        <p:nvSpPr>
           <p:cNvPr id="6" name="Slide Number Placeholder 5">
             <a:extLst>
               <a:ext uri="{FF2B5EF4-FFF2-40B4-BE49-F238E27FC236}">
@@ -11732,6 +11758,40 @@
             <a:r>
               <a:rPr lang="es-ES_tradnl" sz="1400" dirty="0"/>
               <a:t>Instancia 5</a:t>
+            </a:r>
+          </a:p>
+        </p:txBody>
+      </p:sp>
+      <p:sp>
+        <p:nvSpPr>
+          <p:cNvPr id="7" name="Footer Placeholder 4">
+            <a:extLst>
+              <a:ext uri="{FF2B5EF4-FFF2-40B4-BE49-F238E27FC236}">
+                <a16:creationId xmlns:a16="http://schemas.microsoft.com/office/drawing/2014/main" id="{FF5FEB8B-A60C-70C4-90DC-D600B5EA9EC1}"/>
+              </a:ext>
+            </a:extLst>
+          </p:cNvPr>
+          <p:cNvSpPr>
+            <a:spLocks noGrp="1"/>
+          </p:cNvSpPr>
+          <p:nvPr>
+            <p:ph type="ftr" sz="quarter" idx="11"/>
+          </p:nvPr>
+        </p:nvSpPr>
+        <p:spPr>
+          <a:xfrm>
+            <a:off x="458694" y="6445475"/>
+            <a:ext cx="6824243" cy="365125"/>
+          </a:xfrm>
+        </p:spPr>
+        <p:txBody>
+          <a:bodyPr/>
+          <a:lstStyle/>
+          <a:p>
+            <a:pPr algn="l"/>
+            <a:r>
+              <a:rPr lang="es-ES_tradnl" sz="1400" dirty="0"/>
+              <a:t>Operaciones de Aprendizaje Automático I - CESE - FIUBA</a:t>
             </a:r>
           </a:p>
         </p:txBody>
@@ -11804,40 +11864,6 @@
       </p:sp>
       <p:sp>
         <p:nvSpPr>
-          <p:cNvPr id="5" name="Footer Placeholder 4">
-            <a:extLst>
-              <a:ext uri="{FF2B5EF4-FFF2-40B4-BE49-F238E27FC236}">
-                <a16:creationId xmlns:a16="http://schemas.microsoft.com/office/drawing/2014/main" id="{180A6784-AA49-8211-68C1-452BA7C43F2B}"/>
-              </a:ext>
-            </a:extLst>
-          </p:cNvPr>
-          <p:cNvSpPr>
-            <a:spLocks noGrp="1"/>
-          </p:cNvSpPr>
-          <p:nvPr>
-            <p:ph type="ftr" sz="quarter" idx="11"/>
-          </p:nvPr>
-        </p:nvSpPr>
-        <p:spPr>
-          <a:xfrm>
-            <a:off x="458694" y="6416674"/>
-            <a:ext cx="4114800" cy="365125"/>
-          </a:xfrm>
-        </p:spPr>
-        <p:txBody>
-          <a:bodyPr/>
-          <a:lstStyle/>
-          <a:p>
-            <a:pPr algn="l"/>
-            <a:r>
-              <a:rPr lang="es-ES_tradnl" sz="1400" dirty="0"/>
-              <a:t>Aprendizaje de Máquina - CESE - FIUBA</a:t>
-            </a:r>
-          </a:p>
-        </p:txBody>
-      </p:sp>
-      <p:sp>
-        <p:nvSpPr>
           <p:cNvPr id="6" name="Slide Number Placeholder 5">
             <a:extLst>
               <a:ext uri="{FF2B5EF4-FFF2-40B4-BE49-F238E27FC236}">
@@ -11959,6 +11985,40 @@
                 </a:solidFill>
               </a:rPr>
               <a:t>Desplegado en contenedores</a:t>
+            </a:r>
+          </a:p>
+        </p:txBody>
+      </p:sp>
+      <p:sp>
+        <p:nvSpPr>
+          <p:cNvPr id="7" name="Footer Placeholder 4">
+            <a:extLst>
+              <a:ext uri="{FF2B5EF4-FFF2-40B4-BE49-F238E27FC236}">
+                <a16:creationId xmlns:a16="http://schemas.microsoft.com/office/drawing/2014/main" id="{DE7EDD56-7D36-7A9E-5683-F7AA5CD1FC4A}"/>
+              </a:ext>
+            </a:extLst>
+          </p:cNvPr>
+          <p:cNvSpPr>
+            <a:spLocks noGrp="1"/>
+          </p:cNvSpPr>
+          <p:nvPr>
+            <p:ph type="ftr" sz="quarter" idx="11"/>
+          </p:nvPr>
+        </p:nvSpPr>
+        <p:spPr>
+          <a:xfrm>
+            <a:off x="458694" y="6445475"/>
+            <a:ext cx="6824243" cy="365125"/>
+          </a:xfrm>
+        </p:spPr>
+        <p:txBody>
+          <a:bodyPr/>
+          <a:lstStyle/>
+          <a:p>
+            <a:pPr algn="l"/>
+            <a:r>
+              <a:rPr lang="es-ES_tradnl" sz="1400" dirty="0"/>
+              <a:t>Operaciones de Aprendizaje Automático I - CESE - FIUBA</a:t>
             </a:r>
           </a:p>
         </p:txBody>
@@ -12090,40 +12150,6 @@
       </p:sp>
       <p:sp>
         <p:nvSpPr>
-          <p:cNvPr id="5" name="Footer Placeholder 4">
-            <a:extLst>
-              <a:ext uri="{FF2B5EF4-FFF2-40B4-BE49-F238E27FC236}">
-                <a16:creationId xmlns:a16="http://schemas.microsoft.com/office/drawing/2014/main" id="{180A6784-AA49-8211-68C1-452BA7C43F2B}"/>
-              </a:ext>
-            </a:extLst>
-          </p:cNvPr>
-          <p:cNvSpPr>
-            <a:spLocks noGrp="1"/>
-          </p:cNvSpPr>
-          <p:nvPr>
-            <p:ph type="ftr" sz="quarter" idx="11"/>
-          </p:nvPr>
-        </p:nvSpPr>
-        <p:spPr>
-          <a:xfrm>
-            <a:off x="458694" y="6416674"/>
-            <a:ext cx="4114800" cy="365125"/>
-          </a:xfrm>
-        </p:spPr>
-        <p:txBody>
-          <a:bodyPr/>
-          <a:lstStyle/>
-          <a:p>
-            <a:pPr algn="l"/>
-            <a:r>
-              <a:rPr lang="es-ES_tradnl" sz="1400" dirty="0"/>
-              <a:t>Aprendizaje de Máquina - CESE - FIUBA</a:t>
-            </a:r>
-          </a:p>
-        </p:txBody>
-      </p:sp>
-      <p:sp>
-        <p:nvSpPr>
           <p:cNvPr id="6" name="Slide Number Placeholder 5">
             <a:extLst>
               <a:ext uri="{FF2B5EF4-FFF2-40B4-BE49-F238E27FC236}">
@@ -12800,6 +12826,40 @@
           </a:fontRef>
         </p:style>
       </p:cxnSp>
+      <p:sp>
+        <p:nvSpPr>
+          <p:cNvPr id="9" name="Footer Placeholder 4">
+            <a:extLst>
+              <a:ext uri="{FF2B5EF4-FFF2-40B4-BE49-F238E27FC236}">
+                <a16:creationId xmlns:a16="http://schemas.microsoft.com/office/drawing/2014/main" id="{590BC75C-7E4F-FA74-B699-CA262FB648E2}"/>
+              </a:ext>
+            </a:extLst>
+          </p:cNvPr>
+          <p:cNvSpPr>
+            <a:spLocks noGrp="1"/>
+          </p:cNvSpPr>
+          <p:nvPr>
+            <p:ph type="ftr" sz="quarter" idx="11"/>
+          </p:nvPr>
+        </p:nvSpPr>
+        <p:spPr>
+          <a:xfrm>
+            <a:off x="458694" y="6445475"/>
+            <a:ext cx="6824243" cy="365125"/>
+          </a:xfrm>
+        </p:spPr>
+        <p:txBody>
+          <a:bodyPr/>
+          <a:lstStyle/>
+          <a:p>
+            <a:pPr algn="l"/>
+            <a:r>
+              <a:rPr lang="es-ES_tradnl" sz="1400" dirty="0"/>
+              <a:t>Operaciones de Aprendizaje Automático I - CESE - FIUBA</a:t>
+            </a:r>
+          </a:p>
+        </p:txBody>
+      </p:sp>
     </p:spTree>
     <p:extLst>
       <p:ext uri="{BB962C8B-B14F-4D97-AF65-F5344CB8AC3E}">
@@ -12927,40 +12987,6 @@
       </p:sp>
       <p:sp>
         <p:nvSpPr>
-          <p:cNvPr id="5" name="Footer Placeholder 4">
-            <a:extLst>
-              <a:ext uri="{FF2B5EF4-FFF2-40B4-BE49-F238E27FC236}">
-                <a16:creationId xmlns:a16="http://schemas.microsoft.com/office/drawing/2014/main" id="{180A6784-AA49-8211-68C1-452BA7C43F2B}"/>
-              </a:ext>
-            </a:extLst>
-          </p:cNvPr>
-          <p:cNvSpPr>
-            <a:spLocks noGrp="1"/>
-          </p:cNvSpPr>
-          <p:nvPr>
-            <p:ph type="ftr" sz="quarter" idx="11"/>
-          </p:nvPr>
-        </p:nvSpPr>
-        <p:spPr>
-          <a:xfrm>
-            <a:off x="458694" y="6416674"/>
-            <a:ext cx="4114800" cy="365125"/>
-          </a:xfrm>
-        </p:spPr>
-        <p:txBody>
-          <a:bodyPr/>
-          <a:lstStyle/>
-          <a:p>
-            <a:pPr algn="l"/>
-            <a:r>
-              <a:rPr lang="es-ES_tradnl" sz="1400" dirty="0"/>
-              <a:t>Aprendizaje de Máquina - CESE - FIUBA</a:t>
-            </a:r>
-          </a:p>
-        </p:txBody>
-      </p:sp>
-      <p:sp>
-        <p:nvSpPr>
           <p:cNvPr id="6" name="Slide Number Placeholder 5">
             <a:extLst>
               <a:ext uri="{FF2B5EF4-FFF2-40B4-BE49-F238E27FC236}">
@@ -13686,6 +13712,40 @@
           </a:fontRef>
         </p:style>
       </p:cxnSp>
+      <p:sp>
+        <p:nvSpPr>
+          <p:cNvPr id="9" name="Footer Placeholder 4">
+            <a:extLst>
+              <a:ext uri="{FF2B5EF4-FFF2-40B4-BE49-F238E27FC236}">
+                <a16:creationId xmlns:a16="http://schemas.microsoft.com/office/drawing/2014/main" id="{5D2CC90D-870F-14BD-765F-D12E8CD98D4B}"/>
+              </a:ext>
+            </a:extLst>
+          </p:cNvPr>
+          <p:cNvSpPr>
+            <a:spLocks noGrp="1"/>
+          </p:cNvSpPr>
+          <p:nvPr>
+            <p:ph type="ftr" sz="quarter" idx="11"/>
+          </p:nvPr>
+        </p:nvSpPr>
+        <p:spPr>
+          <a:xfrm>
+            <a:off x="458694" y="6445475"/>
+            <a:ext cx="6824243" cy="365125"/>
+          </a:xfrm>
+        </p:spPr>
+        <p:txBody>
+          <a:bodyPr/>
+          <a:lstStyle/>
+          <a:p>
+            <a:pPr algn="l"/>
+            <a:r>
+              <a:rPr lang="es-ES_tradnl" sz="1400" dirty="0"/>
+              <a:t>Operaciones de Aprendizaje Automático I - CESE - FIUBA</a:t>
+            </a:r>
+          </a:p>
+        </p:txBody>
+      </p:sp>
     </p:spTree>
     <p:extLst>
       <p:ext uri="{BB962C8B-B14F-4D97-AF65-F5344CB8AC3E}">
@@ -13754,40 +13814,6 @@
       </p:sp>
       <p:sp>
         <p:nvSpPr>
-          <p:cNvPr id="5" name="Footer Placeholder 4">
-            <a:extLst>
-              <a:ext uri="{FF2B5EF4-FFF2-40B4-BE49-F238E27FC236}">
-                <a16:creationId xmlns:a16="http://schemas.microsoft.com/office/drawing/2014/main" id="{180A6784-AA49-8211-68C1-452BA7C43F2B}"/>
-              </a:ext>
-            </a:extLst>
-          </p:cNvPr>
-          <p:cNvSpPr>
-            <a:spLocks noGrp="1"/>
-          </p:cNvSpPr>
-          <p:nvPr>
-            <p:ph type="ftr" sz="quarter" idx="11"/>
-          </p:nvPr>
-        </p:nvSpPr>
-        <p:spPr>
-          <a:xfrm>
-            <a:off x="458694" y="6416674"/>
-            <a:ext cx="4114800" cy="365125"/>
-          </a:xfrm>
-        </p:spPr>
-        <p:txBody>
-          <a:bodyPr/>
-          <a:lstStyle/>
-          <a:p>
-            <a:pPr algn="l"/>
-            <a:r>
-              <a:rPr lang="es-ES_tradnl" sz="1400" dirty="0"/>
-              <a:t>Aprendizaje de Máquina - CESE - FIUBA</a:t>
-            </a:r>
-          </a:p>
-        </p:txBody>
-      </p:sp>
-      <p:sp>
-        <p:nvSpPr>
           <p:cNvPr id="6" name="Slide Number Placeholder 5">
             <a:extLst>
               <a:ext uri="{FF2B5EF4-FFF2-40B4-BE49-F238E27FC236}">
@@ -13932,6 +13958,40 @@
                 <a:schemeClr val="accent5"/>
               </a:solidFill>
             </a:endParaRPr>
+          </a:p>
+        </p:txBody>
+      </p:sp>
+      <p:sp>
+        <p:nvSpPr>
+          <p:cNvPr id="7" name="Footer Placeholder 4">
+            <a:extLst>
+              <a:ext uri="{FF2B5EF4-FFF2-40B4-BE49-F238E27FC236}">
+                <a16:creationId xmlns:a16="http://schemas.microsoft.com/office/drawing/2014/main" id="{5F082587-734F-32A1-3091-3E0F224106EE}"/>
+              </a:ext>
+            </a:extLst>
+          </p:cNvPr>
+          <p:cNvSpPr>
+            <a:spLocks noGrp="1"/>
+          </p:cNvSpPr>
+          <p:nvPr>
+            <p:ph type="ftr" sz="quarter" idx="11"/>
+          </p:nvPr>
+        </p:nvSpPr>
+        <p:spPr>
+          <a:xfrm>
+            <a:off x="458694" y="6445475"/>
+            <a:ext cx="6824243" cy="365125"/>
+          </a:xfrm>
+        </p:spPr>
+        <p:txBody>
+          <a:bodyPr/>
+          <a:lstStyle/>
+          <a:p>
+            <a:pPr algn="l"/>
+            <a:r>
+              <a:rPr lang="es-ES_tradnl" sz="1400" dirty="0"/>
+              <a:t>Operaciones de Aprendizaje Automático I - CESE - FIUBA</a:t>
+            </a:r>
           </a:p>
         </p:txBody>
       </p:sp>
@@ -14003,40 +14063,6 @@
       </p:sp>
       <p:sp>
         <p:nvSpPr>
-          <p:cNvPr id="5" name="Footer Placeholder 4">
-            <a:extLst>
-              <a:ext uri="{FF2B5EF4-FFF2-40B4-BE49-F238E27FC236}">
-                <a16:creationId xmlns:a16="http://schemas.microsoft.com/office/drawing/2014/main" id="{180A6784-AA49-8211-68C1-452BA7C43F2B}"/>
-              </a:ext>
-            </a:extLst>
-          </p:cNvPr>
-          <p:cNvSpPr>
-            <a:spLocks noGrp="1"/>
-          </p:cNvSpPr>
-          <p:nvPr>
-            <p:ph type="ftr" sz="quarter" idx="11"/>
-          </p:nvPr>
-        </p:nvSpPr>
-        <p:spPr>
-          <a:xfrm>
-            <a:off x="458694" y="6416674"/>
-            <a:ext cx="4114800" cy="365125"/>
-          </a:xfrm>
-        </p:spPr>
-        <p:txBody>
-          <a:bodyPr/>
-          <a:lstStyle/>
-          <a:p>
-            <a:pPr algn="l"/>
-            <a:r>
-              <a:rPr lang="es-ES_tradnl" sz="1400" dirty="0"/>
-              <a:t>Aprendizaje de Máquina - CESE - FIUBA</a:t>
-            </a:r>
-          </a:p>
-        </p:txBody>
-      </p:sp>
-      <p:sp>
-        <p:nvSpPr>
           <p:cNvPr id="6" name="Slide Number Placeholder 5">
             <a:extLst>
               <a:ext uri="{FF2B5EF4-FFF2-40B4-BE49-F238E27FC236}">
@@ -14201,6 +14227,40 @@
                 <a:schemeClr val="accent5"/>
               </a:solidFill>
             </a:endParaRPr>
+          </a:p>
+        </p:txBody>
+      </p:sp>
+      <p:sp>
+        <p:nvSpPr>
+          <p:cNvPr id="7" name="Footer Placeholder 4">
+            <a:extLst>
+              <a:ext uri="{FF2B5EF4-FFF2-40B4-BE49-F238E27FC236}">
+                <a16:creationId xmlns:a16="http://schemas.microsoft.com/office/drawing/2014/main" id="{5132E4BA-6768-1CD7-72FC-72351BFB8C2C}"/>
+              </a:ext>
+            </a:extLst>
+          </p:cNvPr>
+          <p:cNvSpPr>
+            <a:spLocks noGrp="1"/>
+          </p:cNvSpPr>
+          <p:nvPr>
+            <p:ph type="ftr" sz="quarter" idx="11"/>
+          </p:nvPr>
+        </p:nvSpPr>
+        <p:spPr>
+          <a:xfrm>
+            <a:off x="458694" y="6445475"/>
+            <a:ext cx="6824243" cy="365125"/>
+          </a:xfrm>
+        </p:spPr>
+        <p:txBody>
+          <a:bodyPr/>
+          <a:lstStyle/>
+          <a:p>
+            <a:pPr algn="l"/>
+            <a:r>
+              <a:rPr lang="es-ES_tradnl" sz="1400" dirty="0"/>
+              <a:t>Operaciones de Aprendizaje Automático I - CESE - FIUBA</a:t>
+            </a:r>
           </a:p>
         </p:txBody>
       </p:sp>
@@ -14272,40 +14332,6 @@
       </p:sp>
       <p:sp>
         <p:nvSpPr>
-          <p:cNvPr id="5" name="Footer Placeholder 4">
-            <a:extLst>
-              <a:ext uri="{FF2B5EF4-FFF2-40B4-BE49-F238E27FC236}">
-                <a16:creationId xmlns:a16="http://schemas.microsoft.com/office/drawing/2014/main" id="{180A6784-AA49-8211-68C1-452BA7C43F2B}"/>
-              </a:ext>
-            </a:extLst>
-          </p:cNvPr>
-          <p:cNvSpPr>
-            <a:spLocks noGrp="1"/>
-          </p:cNvSpPr>
-          <p:nvPr>
-            <p:ph type="ftr" sz="quarter" idx="11"/>
-          </p:nvPr>
-        </p:nvSpPr>
-        <p:spPr>
-          <a:xfrm>
-            <a:off x="458694" y="6416674"/>
-            <a:ext cx="4114800" cy="365125"/>
-          </a:xfrm>
-        </p:spPr>
-        <p:txBody>
-          <a:bodyPr/>
-          <a:lstStyle/>
-          <a:p>
-            <a:pPr algn="l"/>
-            <a:r>
-              <a:rPr lang="es-ES_tradnl" sz="1400" dirty="0"/>
-              <a:t>Aprendizaje de Máquina - CESE - FIUBA</a:t>
-            </a:r>
-          </a:p>
-        </p:txBody>
-      </p:sp>
-      <p:sp>
-        <p:nvSpPr>
           <p:cNvPr id="6" name="Slide Number Placeholder 5">
             <a:extLst>
               <a:ext uri="{FF2B5EF4-FFF2-40B4-BE49-F238E27FC236}">
@@ -14451,6 +14477,40 @@
                 <a:schemeClr val="accent5"/>
               </a:solidFill>
             </a:endParaRPr>
+          </a:p>
+        </p:txBody>
+      </p:sp>
+      <p:sp>
+        <p:nvSpPr>
+          <p:cNvPr id="7" name="Footer Placeholder 4">
+            <a:extLst>
+              <a:ext uri="{FF2B5EF4-FFF2-40B4-BE49-F238E27FC236}">
+                <a16:creationId xmlns:a16="http://schemas.microsoft.com/office/drawing/2014/main" id="{B67D67A8-DF52-D34B-D2EC-05D9AC09C98C}"/>
+              </a:ext>
+            </a:extLst>
+          </p:cNvPr>
+          <p:cNvSpPr>
+            <a:spLocks noGrp="1"/>
+          </p:cNvSpPr>
+          <p:nvPr>
+            <p:ph type="ftr" sz="quarter" idx="11"/>
+          </p:nvPr>
+        </p:nvSpPr>
+        <p:spPr>
+          <a:xfrm>
+            <a:off x="458694" y="6445475"/>
+            <a:ext cx="6824243" cy="365125"/>
+          </a:xfrm>
+        </p:spPr>
+        <p:txBody>
+          <a:bodyPr/>
+          <a:lstStyle/>
+          <a:p>
+            <a:pPr algn="l"/>
+            <a:r>
+              <a:rPr lang="es-ES_tradnl" sz="1400" dirty="0"/>
+              <a:t>Operaciones de Aprendizaje Automático I - CESE - FIUBA</a:t>
+            </a:r>
           </a:p>
         </p:txBody>
       </p:sp>
@@ -14921,10 +14981,10 @@
       </p:sp>
       <p:sp>
         <p:nvSpPr>
-          <p:cNvPr id="8" name="Footer Placeholder 3">
-            <a:extLst>
-              <a:ext uri="{FF2B5EF4-FFF2-40B4-BE49-F238E27FC236}">
-                <a16:creationId xmlns:a16="http://schemas.microsoft.com/office/drawing/2014/main" id="{65F20F9F-773C-3A60-E39F-713DB6991C83}"/>
+          <p:cNvPr id="9" name="Slide Number Placeholder 4">
+            <a:extLst>
+              <a:ext uri="{FF2B5EF4-FFF2-40B4-BE49-F238E27FC236}">
+                <a16:creationId xmlns:a16="http://schemas.microsoft.com/office/drawing/2014/main" id="{A5B16026-1A9B-C661-C175-118C2F6323D7}"/>
               </a:ext>
             </a:extLst>
           </p:cNvPr>
@@ -14935,8 +14995,163 @@
         </p:nvSpPr>
         <p:spPr>
           <a:xfrm>
-            <a:off x="611094" y="6413889"/>
-            <a:ext cx="4114800" cy="365125"/>
+            <a:off x="8837706" y="6413889"/>
+            <a:ext cx="2743200" cy="365125"/>
+          </a:xfrm>
+          <a:prstGeom prst="rect">
+            <a:avLst/>
+          </a:prstGeom>
+        </p:spPr>
+        <p:txBody>
+          <a:bodyPr vert="horz" lIns="91440" tIns="45720" rIns="91440" bIns="45720" rtlCol="0" anchor="ctr">
+            <a:normAutofit/>
+          </a:bodyPr>
+          <a:lstStyle>
+            <a:defPPr>
+              <a:defRPr lang="en-US"/>
+            </a:defPPr>
+            <a:lvl1pPr marL="0" algn="r" defTabSz="457200" rtl="0" eaLnBrk="1" latinLnBrk="0" hangingPunct="1">
+              <a:defRPr sz="900" kern="1200">
+                <a:solidFill>
+                  <a:schemeClr val="tx1">
+                    <a:alpha val="60000"/>
+                  </a:schemeClr>
+                </a:solidFill>
+                <a:latin typeface="+mn-lt"/>
+                <a:ea typeface="+mn-ea"/>
+                <a:cs typeface="+mn-cs"/>
+              </a:defRPr>
+            </a:lvl1pPr>
+            <a:lvl2pPr marL="457200" algn="l" defTabSz="457200" rtl="0" eaLnBrk="1" latinLnBrk="0" hangingPunct="1">
+              <a:defRPr sz="1800" kern="1200">
+                <a:solidFill>
+                  <a:schemeClr val="tx1"/>
+                </a:solidFill>
+                <a:latin typeface="+mn-lt"/>
+                <a:ea typeface="+mn-ea"/>
+                <a:cs typeface="+mn-cs"/>
+              </a:defRPr>
+            </a:lvl2pPr>
+            <a:lvl3pPr marL="914400" algn="l" defTabSz="457200" rtl="0" eaLnBrk="1" latinLnBrk="0" hangingPunct="1">
+              <a:defRPr sz="1800" kern="1200">
+                <a:solidFill>
+                  <a:schemeClr val="tx1"/>
+                </a:solidFill>
+                <a:latin typeface="+mn-lt"/>
+                <a:ea typeface="+mn-ea"/>
+                <a:cs typeface="+mn-cs"/>
+              </a:defRPr>
+            </a:lvl3pPr>
+            <a:lvl4pPr marL="1371600" algn="l" defTabSz="457200" rtl="0" eaLnBrk="1" latinLnBrk="0" hangingPunct="1">
+              <a:defRPr sz="1800" kern="1200">
+                <a:solidFill>
+                  <a:schemeClr val="tx1"/>
+                </a:solidFill>
+                <a:latin typeface="+mn-lt"/>
+                <a:ea typeface="+mn-ea"/>
+                <a:cs typeface="+mn-cs"/>
+              </a:defRPr>
+            </a:lvl4pPr>
+            <a:lvl5pPr marL="1828800" algn="l" defTabSz="457200" rtl="0" eaLnBrk="1" latinLnBrk="0" hangingPunct="1">
+              <a:defRPr sz="1800" kern="1200">
+                <a:solidFill>
+                  <a:schemeClr val="tx1"/>
+                </a:solidFill>
+                <a:latin typeface="+mn-lt"/>
+                <a:ea typeface="+mn-ea"/>
+                <a:cs typeface="+mn-cs"/>
+              </a:defRPr>
+            </a:lvl5pPr>
+            <a:lvl6pPr marL="2286000" algn="l" defTabSz="457200" rtl="0" eaLnBrk="1" latinLnBrk="0" hangingPunct="1">
+              <a:defRPr sz="1800" kern="1200">
+                <a:solidFill>
+                  <a:schemeClr val="tx1"/>
+                </a:solidFill>
+                <a:latin typeface="+mn-lt"/>
+                <a:ea typeface="+mn-ea"/>
+                <a:cs typeface="+mn-cs"/>
+              </a:defRPr>
+            </a:lvl6pPr>
+            <a:lvl7pPr marL="2743200" algn="l" defTabSz="457200" rtl="0" eaLnBrk="1" latinLnBrk="0" hangingPunct="1">
+              <a:defRPr sz="1800" kern="1200">
+                <a:solidFill>
+                  <a:schemeClr val="tx1"/>
+                </a:solidFill>
+                <a:latin typeface="+mn-lt"/>
+                <a:ea typeface="+mn-ea"/>
+                <a:cs typeface="+mn-cs"/>
+              </a:defRPr>
+            </a:lvl7pPr>
+            <a:lvl8pPr marL="3200400" algn="l" defTabSz="457200" rtl="0" eaLnBrk="1" latinLnBrk="0" hangingPunct="1">
+              <a:defRPr sz="1800" kern="1200">
+                <a:solidFill>
+                  <a:schemeClr val="tx1"/>
+                </a:solidFill>
+                <a:latin typeface="+mn-lt"/>
+                <a:ea typeface="+mn-ea"/>
+                <a:cs typeface="+mn-cs"/>
+              </a:defRPr>
+            </a:lvl8pPr>
+            <a:lvl9pPr marL="3657600" algn="l" defTabSz="457200" rtl="0" eaLnBrk="1" latinLnBrk="0" hangingPunct="1">
+              <a:defRPr sz="1800" kern="1200">
+                <a:solidFill>
+                  <a:schemeClr val="tx1"/>
+                </a:solidFill>
+                <a:latin typeface="+mn-lt"/>
+                <a:ea typeface="+mn-ea"/>
+                <a:cs typeface="+mn-cs"/>
+              </a:defRPr>
+            </a:lvl9pPr>
+          </a:lstStyle>
+          <a:p>
+            <a:pPr defTabSz="914400">
+              <a:spcAft>
+                <a:spcPts val="600"/>
+              </a:spcAft>
+            </a:pPr>
+            <a:fld id="{73B850FF-6169-4056-8077-06FFA93A5366}" type="slidenum">
+              <a:rPr lang="en-US" sz="1400" smtClean="0">
+                <a:solidFill>
+                  <a:srgbClr val="FFFFFF">
+                    <a:alpha val="60000"/>
+                  </a:srgbClr>
+                </a:solidFill>
+              </a:rPr>
+              <a:pPr defTabSz="914400">
+                <a:spcAft>
+                  <a:spcPts val="600"/>
+                </a:spcAft>
+              </a:pPr>
+              <a:t>19</a:t>
+            </a:fld>
+            <a:endParaRPr lang="en-US" sz="1400" dirty="0">
+              <a:solidFill>
+                <a:srgbClr val="FFFFFF">
+                  <a:alpha val="60000"/>
+                </a:srgbClr>
+              </a:solidFill>
+            </a:endParaRPr>
+          </a:p>
+        </p:txBody>
+      </p:sp>
+      <p:sp>
+        <p:nvSpPr>
+          <p:cNvPr id="3" name="Footer Placeholder 3">
+            <a:extLst>
+              <a:ext uri="{FF2B5EF4-FFF2-40B4-BE49-F238E27FC236}">
+                <a16:creationId xmlns:a16="http://schemas.microsoft.com/office/drawing/2014/main" id="{E9D8871C-D0A1-8EDB-0AD3-5E38EF2FBC06}"/>
+              </a:ext>
+            </a:extLst>
+          </p:cNvPr>
+          <p:cNvSpPr txBox="1">
+            <a:spLocks/>
+          </p:cNvSpPr>
+          <p:nvPr/>
+        </p:nvSpPr>
+        <p:spPr>
+          <a:xfrm>
+            <a:off x="611093" y="6413889"/>
+            <a:ext cx="8104889" cy="365125"/>
           </a:xfrm>
           <a:prstGeom prst="rect">
             <a:avLst/>
@@ -15057,163 +15272,8 @@
                   </a:srgbClr>
                 </a:solidFill>
               </a:rPr>
-              <a:t>Aprendizaje de Máquina - CESE - FIUBA</a:t>
-            </a:r>
-          </a:p>
-        </p:txBody>
-      </p:sp>
-      <p:sp>
-        <p:nvSpPr>
-          <p:cNvPr id="9" name="Slide Number Placeholder 4">
-            <a:extLst>
-              <a:ext uri="{FF2B5EF4-FFF2-40B4-BE49-F238E27FC236}">
-                <a16:creationId xmlns:a16="http://schemas.microsoft.com/office/drawing/2014/main" id="{A5B16026-1A9B-C661-C175-118C2F6323D7}"/>
-              </a:ext>
-            </a:extLst>
-          </p:cNvPr>
-          <p:cNvSpPr txBox="1">
-            <a:spLocks/>
-          </p:cNvSpPr>
-          <p:nvPr/>
-        </p:nvSpPr>
-        <p:spPr>
-          <a:xfrm>
-            <a:off x="8837706" y="6413889"/>
-            <a:ext cx="2743200" cy="365125"/>
-          </a:xfrm>
-          <a:prstGeom prst="rect">
-            <a:avLst/>
-          </a:prstGeom>
-        </p:spPr>
-        <p:txBody>
-          <a:bodyPr vert="horz" lIns="91440" tIns="45720" rIns="91440" bIns="45720" rtlCol="0" anchor="ctr">
-            <a:normAutofit/>
-          </a:bodyPr>
-          <a:lstStyle>
-            <a:defPPr>
-              <a:defRPr lang="en-US"/>
-            </a:defPPr>
-            <a:lvl1pPr marL="0" algn="r" defTabSz="457200" rtl="0" eaLnBrk="1" latinLnBrk="0" hangingPunct="1">
-              <a:defRPr sz="900" kern="1200">
-                <a:solidFill>
-                  <a:schemeClr val="tx1">
-                    <a:alpha val="60000"/>
-                  </a:schemeClr>
-                </a:solidFill>
-                <a:latin typeface="+mn-lt"/>
-                <a:ea typeface="+mn-ea"/>
-                <a:cs typeface="+mn-cs"/>
-              </a:defRPr>
-            </a:lvl1pPr>
-            <a:lvl2pPr marL="457200" algn="l" defTabSz="457200" rtl="0" eaLnBrk="1" latinLnBrk="0" hangingPunct="1">
-              <a:defRPr sz="1800" kern="1200">
-                <a:solidFill>
-                  <a:schemeClr val="tx1"/>
-                </a:solidFill>
-                <a:latin typeface="+mn-lt"/>
-                <a:ea typeface="+mn-ea"/>
-                <a:cs typeface="+mn-cs"/>
-              </a:defRPr>
-            </a:lvl2pPr>
-            <a:lvl3pPr marL="914400" algn="l" defTabSz="457200" rtl="0" eaLnBrk="1" latinLnBrk="0" hangingPunct="1">
-              <a:defRPr sz="1800" kern="1200">
-                <a:solidFill>
-                  <a:schemeClr val="tx1"/>
-                </a:solidFill>
-                <a:latin typeface="+mn-lt"/>
-                <a:ea typeface="+mn-ea"/>
-                <a:cs typeface="+mn-cs"/>
-              </a:defRPr>
-            </a:lvl3pPr>
-            <a:lvl4pPr marL="1371600" algn="l" defTabSz="457200" rtl="0" eaLnBrk="1" latinLnBrk="0" hangingPunct="1">
-              <a:defRPr sz="1800" kern="1200">
-                <a:solidFill>
-                  <a:schemeClr val="tx1"/>
-                </a:solidFill>
-                <a:latin typeface="+mn-lt"/>
-                <a:ea typeface="+mn-ea"/>
-                <a:cs typeface="+mn-cs"/>
-              </a:defRPr>
-            </a:lvl4pPr>
-            <a:lvl5pPr marL="1828800" algn="l" defTabSz="457200" rtl="0" eaLnBrk="1" latinLnBrk="0" hangingPunct="1">
-              <a:defRPr sz="1800" kern="1200">
-                <a:solidFill>
-                  <a:schemeClr val="tx1"/>
-                </a:solidFill>
-                <a:latin typeface="+mn-lt"/>
-                <a:ea typeface="+mn-ea"/>
-                <a:cs typeface="+mn-cs"/>
-              </a:defRPr>
-            </a:lvl5pPr>
-            <a:lvl6pPr marL="2286000" algn="l" defTabSz="457200" rtl="0" eaLnBrk="1" latinLnBrk="0" hangingPunct="1">
-              <a:defRPr sz="1800" kern="1200">
-                <a:solidFill>
-                  <a:schemeClr val="tx1"/>
-                </a:solidFill>
-                <a:latin typeface="+mn-lt"/>
-                <a:ea typeface="+mn-ea"/>
-                <a:cs typeface="+mn-cs"/>
-              </a:defRPr>
-            </a:lvl6pPr>
-            <a:lvl7pPr marL="2743200" algn="l" defTabSz="457200" rtl="0" eaLnBrk="1" latinLnBrk="0" hangingPunct="1">
-              <a:defRPr sz="1800" kern="1200">
-                <a:solidFill>
-                  <a:schemeClr val="tx1"/>
-                </a:solidFill>
-                <a:latin typeface="+mn-lt"/>
-                <a:ea typeface="+mn-ea"/>
-                <a:cs typeface="+mn-cs"/>
-              </a:defRPr>
-            </a:lvl7pPr>
-            <a:lvl8pPr marL="3200400" algn="l" defTabSz="457200" rtl="0" eaLnBrk="1" latinLnBrk="0" hangingPunct="1">
-              <a:defRPr sz="1800" kern="1200">
-                <a:solidFill>
-                  <a:schemeClr val="tx1"/>
-                </a:solidFill>
-                <a:latin typeface="+mn-lt"/>
-                <a:ea typeface="+mn-ea"/>
-                <a:cs typeface="+mn-cs"/>
-              </a:defRPr>
-            </a:lvl8pPr>
-            <a:lvl9pPr marL="3657600" algn="l" defTabSz="457200" rtl="0" eaLnBrk="1" latinLnBrk="0" hangingPunct="1">
-              <a:defRPr sz="1800" kern="1200">
-                <a:solidFill>
-                  <a:schemeClr val="tx1"/>
-                </a:solidFill>
-                <a:latin typeface="+mn-lt"/>
-                <a:ea typeface="+mn-ea"/>
-                <a:cs typeface="+mn-cs"/>
-              </a:defRPr>
-            </a:lvl9pPr>
-          </a:lstStyle>
-          <a:p>
-            <a:pPr defTabSz="914400">
-              <a:spcAft>
-                <a:spcPts val="600"/>
-              </a:spcAft>
-            </a:pPr>
-            <a:fld id="{73B850FF-6169-4056-8077-06FFA93A5366}" type="slidenum">
-              <a:rPr lang="en-US" sz="1400" smtClean="0">
-                <a:solidFill>
-                  <a:srgbClr val="FFFFFF">
-                    <a:alpha val="60000"/>
-                  </a:srgbClr>
-                </a:solidFill>
-              </a:rPr>
-              <a:pPr defTabSz="914400">
-                <a:spcAft>
-                  <a:spcPts val="600"/>
-                </a:spcAft>
-              </a:pPr>
-              <a:t>19</a:t>
-            </a:fld>
-            <a:endParaRPr lang="en-US" sz="1400" dirty="0">
-              <a:solidFill>
-                <a:srgbClr val="FFFFFF">
-                  <a:alpha val="60000"/>
-                </a:srgbClr>
-              </a:solidFill>
-            </a:endParaRPr>
+              <a:t>Operaciones de Aprendizaje Automático I - CESE - FIUBA</a:t>
+            </a:r>
           </a:p>
         </p:txBody>
       </p:sp>
@@ -15790,8 +15850,8 @@
         </p:nvSpPr>
         <p:spPr>
           <a:xfrm>
-            <a:off x="611094" y="6413889"/>
-            <a:ext cx="4114800" cy="365125"/>
+            <a:off x="611093" y="6413889"/>
+            <a:ext cx="8104889" cy="365125"/>
           </a:xfrm>
           <a:prstGeom prst="rect">
             <a:avLst/>
@@ -15912,7 +15972,7 @@
                   </a:srgbClr>
                 </a:solidFill>
               </a:rPr>
-              <a:t>Aprendizaje de Máquina - CESE - FIUBA</a:t>
+              <a:t>Operaciones de Aprendizaje Automático I - CESE - FIUBA</a:t>
             </a:r>
           </a:p>
         </p:txBody>
@@ -16232,40 +16292,6 @@
       </p:sp>
       <p:sp>
         <p:nvSpPr>
-          <p:cNvPr id="5" name="Footer Placeholder 4">
-            <a:extLst>
-              <a:ext uri="{FF2B5EF4-FFF2-40B4-BE49-F238E27FC236}">
-                <a16:creationId xmlns:a16="http://schemas.microsoft.com/office/drawing/2014/main" id="{180A6784-AA49-8211-68C1-452BA7C43F2B}"/>
-              </a:ext>
-            </a:extLst>
-          </p:cNvPr>
-          <p:cNvSpPr>
-            <a:spLocks noGrp="1"/>
-          </p:cNvSpPr>
-          <p:nvPr>
-            <p:ph type="ftr" sz="quarter" idx="11"/>
-          </p:nvPr>
-        </p:nvSpPr>
-        <p:spPr>
-          <a:xfrm>
-            <a:off x="458694" y="6416674"/>
-            <a:ext cx="4114800" cy="365125"/>
-          </a:xfrm>
-        </p:spPr>
-        <p:txBody>
-          <a:bodyPr/>
-          <a:lstStyle/>
-          <a:p>
-            <a:pPr algn="l"/>
-            <a:r>
-              <a:rPr lang="es-ES_tradnl" sz="1400" dirty="0"/>
-              <a:t>Aprendizaje de Máquina - CESE - FIUBA</a:t>
-            </a:r>
-          </a:p>
-        </p:txBody>
-      </p:sp>
-      <p:sp>
-        <p:nvSpPr>
           <p:cNvPr id="6" name="Slide Number Placeholder 5">
             <a:extLst>
               <a:ext uri="{FF2B5EF4-FFF2-40B4-BE49-F238E27FC236}">
@@ -16394,6 +16420,40 @@
                 </a:solidFill>
               </a:rPr>
               <a:t> y microservicios</a:t>
+            </a:r>
+          </a:p>
+        </p:txBody>
+      </p:sp>
+      <p:sp>
+        <p:nvSpPr>
+          <p:cNvPr id="7" name="Footer Placeholder 4">
+            <a:extLst>
+              <a:ext uri="{FF2B5EF4-FFF2-40B4-BE49-F238E27FC236}">
+                <a16:creationId xmlns:a16="http://schemas.microsoft.com/office/drawing/2014/main" id="{2040645B-F435-CD0A-6BB9-527B03FD138F}"/>
+              </a:ext>
+            </a:extLst>
+          </p:cNvPr>
+          <p:cNvSpPr>
+            <a:spLocks noGrp="1"/>
+          </p:cNvSpPr>
+          <p:nvPr>
+            <p:ph type="ftr" sz="quarter" idx="11"/>
+          </p:nvPr>
+        </p:nvSpPr>
+        <p:spPr>
+          <a:xfrm>
+            <a:off x="458694" y="6445475"/>
+            <a:ext cx="6824243" cy="365125"/>
+          </a:xfrm>
+        </p:spPr>
+        <p:txBody>
+          <a:bodyPr/>
+          <a:lstStyle/>
+          <a:p>
+            <a:pPr algn="l"/>
+            <a:r>
+              <a:rPr lang="es-ES_tradnl" sz="1400" dirty="0"/>
+              <a:t>Operaciones de Aprendizaje Automático I - CESE - FIUBA</a:t>
             </a:r>
           </a:p>
         </p:txBody>
@@ -16466,40 +16526,6 @@
       </p:sp>
       <p:sp>
         <p:nvSpPr>
-          <p:cNvPr id="5" name="Footer Placeholder 4">
-            <a:extLst>
-              <a:ext uri="{FF2B5EF4-FFF2-40B4-BE49-F238E27FC236}">
-                <a16:creationId xmlns:a16="http://schemas.microsoft.com/office/drawing/2014/main" id="{180A6784-AA49-8211-68C1-452BA7C43F2B}"/>
-              </a:ext>
-            </a:extLst>
-          </p:cNvPr>
-          <p:cNvSpPr>
-            <a:spLocks noGrp="1"/>
-          </p:cNvSpPr>
-          <p:nvPr>
-            <p:ph type="ftr" sz="quarter" idx="11"/>
-          </p:nvPr>
-        </p:nvSpPr>
-        <p:spPr>
-          <a:xfrm>
-            <a:off x="458694" y="6416674"/>
-            <a:ext cx="4114800" cy="365125"/>
-          </a:xfrm>
-        </p:spPr>
-        <p:txBody>
-          <a:bodyPr/>
-          <a:lstStyle/>
-          <a:p>
-            <a:pPr algn="l"/>
-            <a:r>
-              <a:rPr lang="es-ES_tradnl" sz="1400" dirty="0"/>
-              <a:t>Aprendizaje de Máquina - CESE - FIUBA</a:t>
-            </a:r>
-          </a:p>
-        </p:txBody>
-      </p:sp>
-      <p:sp>
-        <p:nvSpPr>
           <p:cNvPr id="6" name="Slide Number Placeholder 5">
             <a:extLst>
               <a:ext uri="{FF2B5EF4-FFF2-40B4-BE49-F238E27FC236}">
@@ -16711,6 +16737,40 @@
                 </a:solidFill>
               </a:rPr>
               <a:t>¿Qué es una interfaz de programación de aplicaciones (API)?</a:t>
+            </a:r>
+          </a:p>
+        </p:txBody>
+      </p:sp>
+      <p:sp>
+        <p:nvSpPr>
+          <p:cNvPr id="7" name="Footer Placeholder 4">
+            <a:extLst>
+              <a:ext uri="{FF2B5EF4-FFF2-40B4-BE49-F238E27FC236}">
+                <a16:creationId xmlns:a16="http://schemas.microsoft.com/office/drawing/2014/main" id="{F39FA0E8-2713-E0A4-9CE1-5AF344F0D847}"/>
+              </a:ext>
+            </a:extLst>
+          </p:cNvPr>
+          <p:cNvSpPr>
+            <a:spLocks noGrp="1"/>
+          </p:cNvSpPr>
+          <p:nvPr>
+            <p:ph type="ftr" sz="quarter" idx="11"/>
+          </p:nvPr>
+        </p:nvSpPr>
+        <p:spPr>
+          <a:xfrm>
+            <a:off x="458694" y="6445475"/>
+            <a:ext cx="6824243" cy="365125"/>
+          </a:xfrm>
+        </p:spPr>
+        <p:txBody>
+          <a:bodyPr/>
+          <a:lstStyle/>
+          <a:p>
+            <a:pPr algn="l"/>
+            <a:r>
+              <a:rPr lang="es-ES_tradnl" sz="1400" dirty="0"/>
+              <a:t>Operaciones de Aprendizaje Automático I - CESE - FIUBA</a:t>
             </a:r>
           </a:p>
         </p:txBody>
@@ -16783,40 +16843,6 @@
       </p:sp>
       <p:sp>
         <p:nvSpPr>
-          <p:cNvPr id="5" name="Footer Placeholder 4">
-            <a:extLst>
-              <a:ext uri="{FF2B5EF4-FFF2-40B4-BE49-F238E27FC236}">
-                <a16:creationId xmlns:a16="http://schemas.microsoft.com/office/drawing/2014/main" id="{180A6784-AA49-8211-68C1-452BA7C43F2B}"/>
-              </a:ext>
-            </a:extLst>
-          </p:cNvPr>
-          <p:cNvSpPr>
-            <a:spLocks noGrp="1"/>
-          </p:cNvSpPr>
-          <p:nvPr>
-            <p:ph type="ftr" sz="quarter" idx="11"/>
-          </p:nvPr>
-        </p:nvSpPr>
-        <p:spPr>
-          <a:xfrm>
-            <a:off x="458694" y="6416674"/>
-            <a:ext cx="4114800" cy="365125"/>
-          </a:xfrm>
-        </p:spPr>
-        <p:txBody>
-          <a:bodyPr/>
-          <a:lstStyle/>
-          <a:p>
-            <a:pPr algn="l"/>
-            <a:r>
-              <a:rPr lang="es-ES_tradnl" sz="1400" dirty="0"/>
-              <a:t>Aprendizaje de Máquina - CESE - FIUBA</a:t>
-            </a:r>
-          </a:p>
-        </p:txBody>
-      </p:sp>
-      <p:sp>
-        <p:nvSpPr>
           <p:cNvPr id="6" name="Slide Number Placeholder 5">
             <a:extLst>
               <a:ext uri="{FF2B5EF4-FFF2-40B4-BE49-F238E27FC236}">
@@ -16941,6 +16967,40 @@
                 </a:solidFill>
               </a:rPr>
               <a:t>¿Qué es una interfaz de programación de aplicaciones (API)?</a:t>
+            </a:r>
+          </a:p>
+        </p:txBody>
+      </p:sp>
+      <p:sp>
+        <p:nvSpPr>
+          <p:cNvPr id="7" name="Footer Placeholder 4">
+            <a:extLst>
+              <a:ext uri="{FF2B5EF4-FFF2-40B4-BE49-F238E27FC236}">
+                <a16:creationId xmlns:a16="http://schemas.microsoft.com/office/drawing/2014/main" id="{FAB80A70-4C80-B064-BC61-EA2F9C908A67}"/>
+              </a:ext>
+            </a:extLst>
+          </p:cNvPr>
+          <p:cNvSpPr>
+            <a:spLocks noGrp="1"/>
+          </p:cNvSpPr>
+          <p:nvPr>
+            <p:ph type="ftr" sz="quarter" idx="11"/>
+          </p:nvPr>
+        </p:nvSpPr>
+        <p:spPr>
+          <a:xfrm>
+            <a:off x="458694" y="6445475"/>
+            <a:ext cx="6824243" cy="365125"/>
+          </a:xfrm>
+        </p:spPr>
+        <p:txBody>
+          <a:bodyPr/>
+          <a:lstStyle/>
+          <a:p>
+            <a:pPr algn="l"/>
+            <a:r>
+              <a:rPr lang="es-ES_tradnl" sz="1400" dirty="0"/>
+              <a:t>Operaciones de Aprendizaje Automático I - CESE - FIUBA</a:t>
             </a:r>
           </a:p>
         </p:txBody>
@@ -17007,40 +17067,6 @@
             <a:r>
               <a:rPr lang="es-ES_tradnl" dirty="0"/>
               <a:t>Desplegado on-line</a:t>
-            </a:r>
-          </a:p>
-        </p:txBody>
-      </p:sp>
-      <p:sp>
-        <p:nvSpPr>
-          <p:cNvPr id="5" name="Footer Placeholder 4">
-            <a:extLst>
-              <a:ext uri="{FF2B5EF4-FFF2-40B4-BE49-F238E27FC236}">
-                <a16:creationId xmlns:a16="http://schemas.microsoft.com/office/drawing/2014/main" id="{180A6784-AA49-8211-68C1-452BA7C43F2B}"/>
-              </a:ext>
-            </a:extLst>
-          </p:cNvPr>
-          <p:cNvSpPr>
-            <a:spLocks noGrp="1"/>
-          </p:cNvSpPr>
-          <p:nvPr>
-            <p:ph type="ftr" sz="quarter" idx="11"/>
-          </p:nvPr>
-        </p:nvSpPr>
-        <p:spPr>
-          <a:xfrm>
-            <a:off x="458694" y="6416674"/>
-            <a:ext cx="4114800" cy="365125"/>
-          </a:xfrm>
-        </p:spPr>
-        <p:txBody>
-          <a:bodyPr/>
-          <a:lstStyle/>
-          <a:p>
-            <a:pPr algn="l"/>
-            <a:r>
-              <a:rPr lang="es-ES_tradnl" sz="1400" dirty="0"/>
-              <a:t>Aprendizaje de Máquina - CESE - FIUBA</a:t>
             </a:r>
           </a:p>
         </p:txBody>
@@ -17658,6 +17684,40 @@
           </a:graphicData>
         </a:graphic>
       </p:graphicFrame>
+      <p:sp>
+        <p:nvSpPr>
+          <p:cNvPr id="8" name="Footer Placeholder 4">
+            <a:extLst>
+              <a:ext uri="{FF2B5EF4-FFF2-40B4-BE49-F238E27FC236}">
+                <a16:creationId xmlns:a16="http://schemas.microsoft.com/office/drawing/2014/main" id="{804A3F52-AD45-5957-8001-2B955692B45E}"/>
+              </a:ext>
+            </a:extLst>
+          </p:cNvPr>
+          <p:cNvSpPr>
+            <a:spLocks noGrp="1"/>
+          </p:cNvSpPr>
+          <p:nvPr>
+            <p:ph type="ftr" sz="quarter" idx="11"/>
+          </p:nvPr>
+        </p:nvSpPr>
+        <p:spPr>
+          <a:xfrm>
+            <a:off x="458694" y="6445475"/>
+            <a:ext cx="6824243" cy="365125"/>
+          </a:xfrm>
+        </p:spPr>
+        <p:txBody>
+          <a:bodyPr/>
+          <a:lstStyle/>
+          <a:p>
+            <a:pPr algn="l"/>
+            <a:r>
+              <a:rPr lang="es-ES_tradnl" sz="1400" dirty="0"/>
+              <a:t>Operaciones de Aprendizaje Automático I - CESE - FIUBA</a:t>
+            </a:r>
+          </a:p>
+        </p:txBody>
+      </p:sp>
     </p:spTree>
     <p:extLst>
       <p:ext uri="{BB962C8B-B14F-4D97-AF65-F5344CB8AC3E}">
@@ -17726,40 +17786,6 @@
       </p:sp>
       <p:sp>
         <p:nvSpPr>
-          <p:cNvPr id="5" name="Footer Placeholder 4">
-            <a:extLst>
-              <a:ext uri="{FF2B5EF4-FFF2-40B4-BE49-F238E27FC236}">
-                <a16:creationId xmlns:a16="http://schemas.microsoft.com/office/drawing/2014/main" id="{180A6784-AA49-8211-68C1-452BA7C43F2B}"/>
-              </a:ext>
-            </a:extLst>
-          </p:cNvPr>
-          <p:cNvSpPr>
-            <a:spLocks noGrp="1"/>
-          </p:cNvSpPr>
-          <p:nvPr>
-            <p:ph type="ftr" sz="quarter" idx="11"/>
-          </p:nvPr>
-        </p:nvSpPr>
-        <p:spPr>
-          <a:xfrm>
-            <a:off x="458694" y="6416674"/>
-            <a:ext cx="4114800" cy="365125"/>
-          </a:xfrm>
-        </p:spPr>
-        <p:txBody>
-          <a:bodyPr/>
-          <a:lstStyle/>
-          <a:p>
-            <a:pPr algn="l"/>
-            <a:r>
-              <a:rPr lang="es-ES_tradnl" sz="1400" dirty="0"/>
-              <a:t>Aprendizaje de Máquina - CESE - FIUBA</a:t>
-            </a:r>
-          </a:p>
-        </p:txBody>
-      </p:sp>
-      <p:sp>
-        <p:nvSpPr>
           <p:cNvPr id="6" name="Slide Number Placeholder 5">
             <a:extLst>
               <a:ext uri="{FF2B5EF4-FFF2-40B4-BE49-F238E27FC236}">
@@ -17896,6 +17922,40 @@
                 </a:solidFill>
               </a:rPr>
               <a:t>Microservicios</a:t>
+            </a:r>
+          </a:p>
+        </p:txBody>
+      </p:sp>
+      <p:sp>
+        <p:nvSpPr>
+          <p:cNvPr id="7" name="Footer Placeholder 4">
+            <a:extLst>
+              <a:ext uri="{FF2B5EF4-FFF2-40B4-BE49-F238E27FC236}">
+                <a16:creationId xmlns:a16="http://schemas.microsoft.com/office/drawing/2014/main" id="{3F1DAAAE-7C9F-86DF-414F-95E89C6384F8}"/>
+              </a:ext>
+            </a:extLst>
+          </p:cNvPr>
+          <p:cNvSpPr>
+            <a:spLocks noGrp="1"/>
+          </p:cNvSpPr>
+          <p:nvPr>
+            <p:ph type="ftr" sz="quarter" idx="11"/>
+          </p:nvPr>
+        </p:nvSpPr>
+        <p:spPr>
+          <a:xfrm>
+            <a:off x="458694" y="6445475"/>
+            <a:ext cx="6824243" cy="365125"/>
+          </a:xfrm>
+        </p:spPr>
+        <p:txBody>
+          <a:bodyPr/>
+          <a:lstStyle/>
+          <a:p>
+            <a:pPr algn="l"/>
+            <a:r>
+              <a:rPr lang="es-ES_tradnl" sz="1400" dirty="0"/>
+              <a:t>Operaciones de Aprendizaje Automático I - CESE - FIUBA</a:t>
             </a:r>
           </a:p>
         </p:txBody>
@@ -17968,40 +18028,6 @@
       </p:sp>
       <p:sp>
         <p:nvSpPr>
-          <p:cNvPr id="5" name="Footer Placeholder 4">
-            <a:extLst>
-              <a:ext uri="{FF2B5EF4-FFF2-40B4-BE49-F238E27FC236}">
-                <a16:creationId xmlns:a16="http://schemas.microsoft.com/office/drawing/2014/main" id="{180A6784-AA49-8211-68C1-452BA7C43F2B}"/>
-              </a:ext>
-            </a:extLst>
-          </p:cNvPr>
-          <p:cNvSpPr>
-            <a:spLocks noGrp="1"/>
-          </p:cNvSpPr>
-          <p:nvPr>
-            <p:ph type="ftr" sz="quarter" idx="11"/>
-          </p:nvPr>
-        </p:nvSpPr>
-        <p:spPr>
-          <a:xfrm>
-            <a:off x="458694" y="6416674"/>
-            <a:ext cx="4114800" cy="365125"/>
-          </a:xfrm>
-        </p:spPr>
-        <p:txBody>
-          <a:bodyPr/>
-          <a:lstStyle/>
-          <a:p>
-            <a:pPr algn="l"/>
-            <a:r>
-              <a:rPr lang="es-ES_tradnl" sz="1400" dirty="0"/>
-              <a:t>Aprendizaje de Máquina - CESE - FIUBA</a:t>
-            </a:r>
-          </a:p>
-        </p:txBody>
-      </p:sp>
-      <p:sp>
-        <p:nvSpPr>
           <p:cNvPr id="6" name="Slide Number Placeholder 5">
             <a:extLst>
               <a:ext uri="{FF2B5EF4-FFF2-40B4-BE49-F238E27FC236}">
@@ -18140,6 +18166,40 @@
                 </a:solidFill>
               </a:rPr>
               <a:t>Microservicios</a:t>
+            </a:r>
+          </a:p>
+        </p:txBody>
+      </p:sp>
+      <p:sp>
+        <p:nvSpPr>
+          <p:cNvPr id="7" name="Footer Placeholder 4">
+            <a:extLst>
+              <a:ext uri="{FF2B5EF4-FFF2-40B4-BE49-F238E27FC236}">
+                <a16:creationId xmlns:a16="http://schemas.microsoft.com/office/drawing/2014/main" id="{BA18CAB7-095F-8CC2-A6D1-CEBD27E1CD62}"/>
+              </a:ext>
+            </a:extLst>
+          </p:cNvPr>
+          <p:cNvSpPr>
+            <a:spLocks noGrp="1"/>
+          </p:cNvSpPr>
+          <p:nvPr>
+            <p:ph type="ftr" sz="quarter" idx="11"/>
+          </p:nvPr>
+        </p:nvSpPr>
+        <p:spPr>
+          <a:xfrm>
+            <a:off x="458694" y="6445475"/>
+            <a:ext cx="6824243" cy="365125"/>
+          </a:xfrm>
+        </p:spPr>
+        <p:txBody>
+          <a:bodyPr/>
+          <a:lstStyle/>
+          <a:p>
+            <a:pPr algn="l"/>
+            <a:r>
+              <a:rPr lang="es-ES_tradnl" sz="1400" dirty="0"/>
+              <a:t>Operaciones de Aprendizaje Automático I - CESE - FIUBA</a:t>
             </a:r>
           </a:p>
         </p:txBody>
@@ -18212,40 +18272,6 @@
       </p:sp>
       <p:sp>
         <p:nvSpPr>
-          <p:cNvPr id="5" name="Footer Placeholder 4">
-            <a:extLst>
-              <a:ext uri="{FF2B5EF4-FFF2-40B4-BE49-F238E27FC236}">
-                <a16:creationId xmlns:a16="http://schemas.microsoft.com/office/drawing/2014/main" id="{180A6784-AA49-8211-68C1-452BA7C43F2B}"/>
-              </a:ext>
-            </a:extLst>
-          </p:cNvPr>
-          <p:cNvSpPr>
-            <a:spLocks noGrp="1"/>
-          </p:cNvSpPr>
-          <p:nvPr>
-            <p:ph type="ftr" sz="quarter" idx="11"/>
-          </p:nvPr>
-        </p:nvSpPr>
-        <p:spPr>
-          <a:xfrm>
-            <a:off x="458694" y="6416674"/>
-            <a:ext cx="4114800" cy="365125"/>
-          </a:xfrm>
-        </p:spPr>
-        <p:txBody>
-          <a:bodyPr/>
-          <a:lstStyle/>
-          <a:p>
-            <a:pPr algn="l"/>
-            <a:r>
-              <a:rPr lang="es-ES_tradnl" sz="1400" dirty="0"/>
-              <a:t>Aprendizaje de Máquina - CESE - FIUBA</a:t>
-            </a:r>
-          </a:p>
-        </p:txBody>
-      </p:sp>
-      <p:sp>
-        <p:nvSpPr>
           <p:cNvPr id="6" name="Slide Number Placeholder 5">
             <a:extLst>
               <a:ext uri="{FF2B5EF4-FFF2-40B4-BE49-F238E27FC236}">
@@ -18417,6 +18443,40 @@
                 </a:solidFill>
               </a:rPr>
               <a:t>Microservicios</a:t>
+            </a:r>
+          </a:p>
+        </p:txBody>
+      </p:sp>
+      <p:sp>
+        <p:nvSpPr>
+          <p:cNvPr id="7" name="Footer Placeholder 4">
+            <a:extLst>
+              <a:ext uri="{FF2B5EF4-FFF2-40B4-BE49-F238E27FC236}">
+                <a16:creationId xmlns:a16="http://schemas.microsoft.com/office/drawing/2014/main" id="{0C0F9782-21EC-B40C-358C-87C12AC73551}"/>
+              </a:ext>
+            </a:extLst>
+          </p:cNvPr>
+          <p:cNvSpPr>
+            <a:spLocks noGrp="1"/>
+          </p:cNvSpPr>
+          <p:nvPr>
+            <p:ph type="ftr" sz="quarter" idx="11"/>
+          </p:nvPr>
+        </p:nvSpPr>
+        <p:spPr>
+          <a:xfrm>
+            <a:off x="458694" y="6445475"/>
+            <a:ext cx="6824243" cy="365125"/>
+          </a:xfrm>
+        </p:spPr>
+        <p:txBody>
+          <a:bodyPr/>
+          <a:lstStyle/>
+          <a:p>
+            <a:pPr algn="l"/>
+            <a:r>
+              <a:rPr lang="es-ES_tradnl" sz="1400" dirty="0"/>
+              <a:t>Operaciones de Aprendizaje Automático I - CESE - FIUBA</a:t>
             </a:r>
           </a:p>
         </p:txBody>
@@ -18535,40 +18595,6 @@
       </p:sp>
       <p:sp>
         <p:nvSpPr>
-          <p:cNvPr id="5" name="Footer Placeholder 4">
-            <a:extLst>
-              <a:ext uri="{FF2B5EF4-FFF2-40B4-BE49-F238E27FC236}">
-                <a16:creationId xmlns:a16="http://schemas.microsoft.com/office/drawing/2014/main" id="{180A6784-AA49-8211-68C1-452BA7C43F2B}"/>
-              </a:ext>
-            </a:extLst>
-          </p:cNvPr>
-          <p:cNvSpPr>
-            <a:spLocks noGrp="1"/>
-          </p:cNvSpPr>
-          <p:nvPr>
-            <p:ph type="ftr" sz="quarter" idx="11"/>
-          </p:nvPr>
-        </p:nvSpPr>
-        <p:spPr>
-          <a:xfrm>
-            <a:off x="458694" y="6416674"/>
-            <a:ext cx="4114800" cy="365125"/>
-          </a:xfrm>
-        </p:spPr>
-        <p:txBody>
-          <a:bodyPr/>
-          <a:lstStyle/>
-          <a:p>
-            <a:pPr algn="l"/>
-            <a:r>
-              <a:rPr lang="es-ES_tradnl" sz="1400" dirty="0"/>
-              <a:t>Aprendizaje de Máquina - CESE - FIUBA</a:t>
-            </a:r>
-          </a:p>
-        </p:txBody>
-      </p:sp>
-      <p:sp>
-        <p:nvSpPr>
           <p:cNvPr id="6" name="Slide Number Placeholder 5">
             <a:extLst>
               <a:ext uri="{FF2B5EF4-FFF2-40B4-BE49-F238E27FC236}">
@@ -20247,6 +20273,40 @@
             <a:r>
               <a:rPr lang="es-ES_tradnl" dirty="0"/>
               <a:t>DB</a:t>
+            </a:r>
+          </a:p>
+        </p:txBody>
+      </p:sp>
+      <p:sp>
+        <p:nvSpPr>
+          <p:cNvPr id="3" name="Footer Placeholder 4">
+            <a:extLst>
+              <a:ext uri="{FF2B5EF4-FFF2-40B4-BE49-F238E27FC236}">
+                <a16:creationId xmlns:a16="http://schemas.microsoft.com/office/drawing/2014/main" id="{9C416283-8B87-4040-CB2D-0E61894791C4}"/>
+              </a:ext>
+            </a:extLst>
+          </p:cNvPr>
+          <p:cNvSpPr>
+            <a:spLocks noGrp="1"/>
+          </p:cNvSpPr>
+          <p:nvPr>
+            <p:ph type="ftr" sz="quarter" idx="11"/>
+          </p:nvPr>
+        </p:nvSpPr>
+        <p:spPr>
+          <a:xfrm>
+            <a:off x="458694" y="6445475"/>
+            <a:ext cx="6824243" cy="365125"/>
+          </a:xfrm>
+        </p:spPr>
+        <p:txBody>
+          <a:bodyPr/>
+          <a:lstStyle/>
+          <a:p>
+            <a:pPr algn="l"/>
+            <a:r>
+              <a:rPr lang="es-ES_tradnl" sz="1400" dirty="0"/>
+              <a:t>Operaciones de Aprendizaje Automático I - CESE - FIUBA</a:t>
             </a:r>
           </a:p>
         </p:txBody>
@@ -20319,40 +20379,6 @@
       </p:sp>
       <p:sp>
         <p:nvSpPr>
-          <p:cNvPr id="5" name="Footer Placeholder 4">
-            <a:extLst>
-              <a:ext uri="{FF2B5EF4-FFF2-40B4-BE49-F238E27FC236}">
-                <a16:creationId xmlns:a16="http://schemas.microsoft.com/office/drawing/2014/main" id="{180A6784-AA49-8211-68C1-452BA7C43F2B}"/>
-              </a:ext>
-            </a:extLst>
-          </p:cNvPr>
-          <p:cNvSpPr>
-            <a:spLocks noGrp="1"/>
-          </p:cNvSpPr>
-          <p:nvPr>
-            <p:ph type="ftr" sz="quarter" idx="11"/>
-          </p:nvPr>
-        </p:nvSpPr>
-        <p:spPr>
-          <a:xfrm>
-            <a:off x="458694" y="6416674"/>
-            <a:ext cx="4114800" cy="365125"/>
-          </a:xfrm>
-        </p:spPr>
-        <p:txBody>
-          <a:bodyPr/>
-          <a:lstStyle/>
-          <a:p>
-            <a:pPr algn="l"/>
-            <a:r>
-              <a:rPr lang="es-ES_tradnl" sz="1400" dirty="0"/>
-              <a:t>Aprendizaje de Máquina - CESE - FIUBA</a:t>
-            </a:r>
-          </a:p>
-        </p:txBody>
-      </p:sp>
-      <p:sp>
-        <p:nvSpPr>
           <p:cNvPr id="6" name="Slide Number Placeholder 5">
             <a:extLst>
               <a:ext uri="{FF2B5EF4-FFF2-40B4-BE49-F238E27FC236}">
@@ -20474,6 +20500,40 @@
                 </a:solidFill>
               </a:rPr>
               <a:t>Microservicios</a:t>
+            </a:r>
+          </a:p>
+        </p:txBody>
+      </p:sp>
+      <p:sp>
+        <p:nvSpPr>
+          <p:cNvPr id="7" name="Footer Placeholder 4">
+            <a:extLst>
+              <a:ext uri="{FF2B5EF4-FFF2-40B4-BE49-F238E27FC236}">
+                <a16:creationId xmlns:a16="http://schemas.microsoft.com/office/drawing/2014/main" id="{F4D74575-F789-ECA3-8BDA-B01C94E07963}"/>
+              </a:ext>
+            </a:extLst>
+          </p:cNvPr>
+          <p:cNvSpPr>
+            <a:spLocks noGrp="1"/>
+          </p:cNvSpPr>
+          <p:nvPr>
+            <p:ph type="ftr" sz="quarter" idx="11"/>
+          </p:nvPr>
+        </p:nvSpPr>
+        <p:spPr>
+          <a:xfrm>
+            <a:off x="458694" y="6445475"/>
+            <a:ext cx="6824243" cy="365125"/>
+          </a:xfrm>
+        </p:spPr>
+        <p:txBody>
+          <a:bodyPr/>
+          <a:lstStyle/>
+          <a:p>
+            <a:pPr algn="l"/>
+            <a:r>
+              <a:rPr lang="es-ES_tradnl" sz="1400" dirty="0"/>
+              <a:t>Operaciones de Aprendizaje Automático I - CESE - FIUBA</a:t>
             </a:r>
           </a:p>
         </p:txBody>
@@ -20546,40 +20606,6 @@
       </p:sp>
       <p:sp>
         <p:nvSpPr>
-          <p:cNvPr id="5" name="Footer Placeholder 4">
-            <a:extLst>
-              <a:ext uri="{FF2B5EF4-FFF2-40B4-BE49-F238E27FC236}">
-                <a16:creationId xmlns:a16="http://schemas.microsoft.com/office/drawing/2014/main" id="{180A6784-AA49-8211-68C1-452BA7C43F2B}"/>
-              </a:ext>
-            </a:extLst>
-          </p:cNvPr>
-          <p:cNvSpPr>
-            <a:spLocks noGrp="1"/>
-          </p:cNvSpPr>
-          <p:nvPr>
-            <p:ph type="ftr" sz="quarter" idx="11"/>
-          </p:nvPr>
-        </p:nvSpPr>
-        <p:spPr>
-          <a:xfrm>
-            <a:off x="458694" y="6416674"/>
-            <a:ext cx="4114800" cy="365125"/>
-          </a:xfrm>
-        </p:spPr>
-        <p:txBody>
-          <a:bodyPr/>
-          <a:lstStyle/>
-          <a:p>
-            <a:pPr algn="l"/>
-            <a:r>
-              <a:rPr lang="es-ES_tradnl" sz="1400" dirty="0"/>
-              <a:t>Aprendizaje de Máquina - CESE - FIUBA</a:t>
-            </a:r>
-          </a:p>
-        </p:txBody>
-      </p:sp>
-      <p:sp>
-        <p:nvSpPr>
           <p:cNvPr id="6" name="Slide Number Placeholder 5">
             <a:extLst>
               <a:ext uri="{FF2B5EF4-FFF2-40B4-BE49-F238E27FC236}">
@@ -21238,6 +21264,40 @@
           </a:prstGeom>
         </p:spPr>
       </p:pic>
+      <p:sp>
+        <p:nvSpPr>
+          <p:cNvPr id="13" name="Footer Placeholder 4">
+            <a:extLst>
+              <a:ext uri="{FF2B5EF4-FFF2-40B4-BE49-F238E27FC236}">
+                <a16:creationId xmlns:a16="http://schemas.microsoft.com/office/drawing/2014/main" id="{36F98D59-B2A8-562D-0ED3-B41BF22F2D1C}"/>
+              </a:ext>
+            </a:extLst>
+          </p:cNvPr>
+          <p:cNvSpPr>
+            <a:spLocks noGrp="1"/>
+          </p:cNvSpPr>
+          <p:nvPr>
+            <p:ph type="ftr" sz="quarter" idx="11"/>
+          </p:nvPr>
+        </p:nvSpPr>
+        <p:spPr>
+          <a:xfrm>
+            <a:off x="458694" y="6445475"/>
+            <a:ext cx="6824243" cy="365125"/>
+          </a:xfrm>
+        </p:spPr>
+        <p:txBody>
+          <a:bodyPr/>
+          <a:lstStyle/>
+          <a:p>
+            <a:pPr algn="l"/>
+            <a:r>
+              <a:rPr lang="es-ES_tradnl" sz="1400" dirty="0"/>
+              <a:t>Operaciones de Aprendizaje Automático I - CESE - FIUBA</a:t>
+            </a:r>
+          </a:p>
+        </p:txBody>
+      </p:sp>
     </p:spTree>
     <p:extLst>
       <p:ext uri="{BB962C8B-B14F-4D97-AF65-F5344CB8AC3E}">
@@ -21374,8 +21434,8 @@
         </p:nvSpPr>
         <p:spPr>
           <a:xfrm>
-            <a:off x="458694" y="6220777"/>
-            <a:ext cx="4114800" cy="365125"/>
+            <a:off x="458694" y="6445475"/>
+            <a:ext cx="6824243" cy="365125"/>
           </a:xfrm>
         </p:spPr>
         <p:txBody>
@@ -21385,7 +21445,7 @@
             <a:pPr algn="l"/>
             <a:r>
               <a:rPr lang="es-ES_tradnl" sz="1400" dirty="0"/>
-              <a:t>Aprendizaje de Máquina - CESE - FIUBA</a:t>
+              <a:t>Operaciones de Aprendizaje Automático I - CESE - FIUBA</a:t>
             </a:r>
           </a:p>
         </p:txBody>
@@ -23000,40 +23060,6 @@
       </p:sp>
       <p:sp>
         <p:nvSpPr>
-          <p:cNvPr id="5" name="Footer Placeholder 4">
-            <a:extLst>
-              <a:ext uri="{FF2B5EF4-FFF2-40B4-BE49-F238E27FC236}">
-                <a16:creationId xmlns:a16="http://schemas.microsoft.com/office/drawing/2014/main" id="{180A6784-AA49-8211-68C1-452BA7C43F2B}"/>
-              </a:ext>
-            </a:extLst>
-          </p:cNvPr>
-          <p:cNvSpPr>
-            <a:spLocks noGrp="1"/>
-          </p:cNvSpPr>
-          <p:nvPr>
-            <p:ph type="ftr" sz="quarter" idx="11"/>
-          </p:nvPr>
-        </p:nvSpPr>
-        <p:spPr>
-          <a:xfrm>
-            <a:off x="458694" y="6416674"/>
-            <a:ext cx="4114800" cy="365125"/>
-          </a:xfrm>
-        </p:spPr>
-        <p:txBody>
-          <a:bodyPr/>
-          <a:lstStyle/>
-          <a:p>
-            <a:pPr algn="l"/>
-            <a:r>
-              <a:rPr lang="es-ES_tradnl" sz="1400" dirty="0"/>
-              <a:t>Aprendizaje de Máquina - CESE - FIUBA</a:t>
-            </a:r>
-          </a:p>
-        </p:txBody>
-      </p:sp>
-      <p:sp>
-        <p:nvSpPr>
           <p:cNvPr id="6" name="Slide Number Placeholder 5">
             <a:extLst>
               <a:ext uri="{FF2B5EF4-FFF2-40B4-BE49-F238E27FC236}">
@@ -24066,6 +24092,40 @@
           </a:fontRef>
         </p:style>
       </p:cxnSp>
+      <p:sp>
+        <p:nvSpPr>
+          <p:cNvPr id="7" name="Footer Placeholder 4">
+            <a:extLst>
+              <a:ext uri="{FF2B5EF4-FFF2-40B4-BE49-F238E27FC236}">
+                <a16:creationId xmlns:a16="http://schemas.microsoft.com/office/drawing/2014/main" id="{91618FF6-A322-62D5-B4E6-9E8D51A236D8}"/>
+              </a:ext>
+            </a:extLst>
+          </p:cNvPr>
+          <p:cNvSpPr>
+            <a:spLocks noGrp="1"/>
+          </p:cNvSpPr>
+          <p:nvPr>
+            <p:ph type="ftr" sz="quarter" idx="11"/>
+          </p:nvPr>
+        </p:nvSpPr>
+        <p:spPr>
+          <a:xfrm>
+            <a:off x="458694" y="6445475"/>
+            <a:ext cx="6824243" cy="365125"/>
+          </a:xfrm>
+        </p:spPr>
+        <p:txBody>
+          <a:bodyPr/>
+          <a:lstStyle/>
+          <a:p>
+            <a:pPr algn="l"/>
+            <a:r>
+              <a:rPr lang="es-ES_tradnl" sz="1400" dirty="0"/>
+              <a:t>Operaciones de Aprendizaje Automático I - CESE - FIUBA</a:t>
+            </a:r>
+          </a:p>
+        </p:txBody>
+      </p:sp>
     </p:spTree>
     <p:extLst>
       <p:ext uri="{BB962C8B-B14F-4D97-AF65-F5344CB8AC3E}">
@@ -24134,40 +24194,6 @@
       </p:sp>
       <p:sp>
         <p:nvSpPr>
-          <p:cNvPr id="5" name="Footer Placeholder 4">
-            <a:extLst>
-              <a:ext uri="{FF2B5EF4-FFF2-40B4-BE49-F238E27FC236}">
-                <a16:creationId xmlns:a16="http://schemas.microsoft.com/office/drawing/2014/main" id="{180A6784-AA49-8211-68C1-452BA7C43F2B}"/>
-              </a:ext>
-            </a:extLst>
-          </p:cNvPr>
-          <p:cNvSpPr>
-            <a:spLocks noGrp="1"/>
-          </p:cNvSpPr>
-          <p:nvPr>
-            <p:ph type="ftr" sz="quarter" idx="11"/>
-          </p:nvPr>
-        </p:nvSpPr>
-        <p:spPr>
-          <a:xfrm>
-            <a:off x="458694" y="6416674"/>
-            <a:ext cx="4114800" cy="365125"/>
-          </a:xfrm>
-        </p:spPr>
-        <p:txBody>
-          <a:bodyPr/>
-          <a:lstStyle/>
-          <a:p>
-            <a:pPr algn="l"/>
-            <a:r>
-              <a:rPr lang="es-ES_tradnl" sz="1400" dirty="0"/>
-              <a:t>Aprendizaje de Máquina - CESE - FIUBA</a:t>
-            </a:r>
-          </a:p>
-        </p:txBody>
-      </p:sp>
-      <p:sp>
-        <p:nvSpPr>
           <p:cNvPr id="3" name="Content Placeholder 2">
             <a:extLst>
               <a:ext uri="{FF2B5EF4-FFF2-40B4-BE49-F238E27FC236}">
@@ -24349,6 +24375,40 @@
               <a:t>31</a:t>
             </a:fld>
             <a:endParaRPr lang="en-US" dirty="0"/>
+          </a:p>
+        </p:txBody>
+      </p:sp>
+      <p:sp>
+        <p:nvSpPr>
+          <p:cNvPr id="6" name="Footer Placeholder 4">
+            <a:extLst>
+              <a:ext uri="{FF2B5EF4-FFF2-40B4-BE49-F238E27FC236}">
+                <a16:creationId xmlns:a16="http://schemas.microsoft.com/office/drawing/2014/main" id="{834F3703-D6D1-29CC-B63B-E14A1FA084BB}"/>
+              </a:ext>
+            </a:extLst>
+          </p:cNvPr>
+          <p:cNvSpPr>
+            <a:spLocks noGrp="1"/>
+          </p:cNvSpPr>
+          <p:nvPr>
+            <p:ph type="ftr" sz="quarter" idx="11"/>
+          </p:nvPr>
+        </p:nvSpPr>
+        <p:spPr>
+          <a:xfrm>
+            <a:off x="458694" y="6445475"/>
+            <a:ext cx="6824243" cy="365125"/>
+          </a:xfrm>
+        </p:spPr>
+        <p:txBody>
+          <a:bodyPr/>
+          <a:lstStyle/>
+          <a:p>
+            <a:pPr algn="l"/>
+            <a:r>
+              <a:rPr lang="es-ES_tradnl" sz="1400" dirty="0"/>
+              <a:t>Operaciones de Aprendizaje Automático I - CESE - FIUBA</a:t>
+            </a:r>
           </a:p>
         </p:txBody>
       </p:sp>
@@ -24414,40 +24474,6 @@
             <a:r>
               <a:rPr lang="es-ES_tradnl" dirty="0"/>
               <a:t>Desplegado on-line</a:t>
-            </a:r>
-          </a:p>
-        </p:txBody>
-      </p:sp>
-      <p:sp>
-        <p:nvSpPr>
-          <p:cNvPr id="5" name="Footer Placeholder 4">
-            <a:extLst>
-              <a:ext uri="{FF2B5EF4-FFF2-40B4-BE49-F238E27FC236}">
-                <a16:creationId xmlns:a16="http://schemas.microsoft.com/office/drawing/2014/main" id="{180A6784-AA49-8211-68C1-452BA7C43F2B}"/>
-              </a:ext>
-            </a:extLst>
-          </p:cNvPr>
-          <p:cNvSpPr>
-            <a:spLocks noGrp="1"/>
-          </p:cNvSpPr>
-          <p:nvPr>
-            <p:ph type="ftr" sz="quarter" idx="11"/>
-          </p:nvPr>
-        </p:nvSpPr>
-        <p:spPr>
-          <a:xfrm>
-            <a:off x="458694" y="6416674"/>
-            <a:ext cx="4114800" cy="365125"/>
-          </a:xfrm>
-        </p:spPr>
-        <p:txBody>
-          <a:bodyPr/>
-          <a:lstStyle/>
-          <a:p>
-            <a:pPr algn="l"/>
-            <a:r>
-              <a:rPr lang="es-ES_tradnl" sz="1400" dirty="0"/>
-              <a:t>Aprendizaje de Máquina - CESE - FIUBA</a:t>
             </a:r>
           </a:p>
         </p:txBody>
@@ -24977,6 +25003,40 @@
           </a:p>
         </p:txBody>
       </p:sp>
+      <p:sp>
+        <p:nvSpPr>
+          <p:cNvPr id="8" name="Footer Placeholder 4">
+            <a:extLst>
+              <a:ext uri="{FF2B5EF4-FFF2-40B4-BE49-F238E27FC236}">
+                <a16:creationId xmlns:a16="http://schemas.microsoft.com/office/drawing/2014/main" id="{5E39DA83-8C7D-1141-228B-8C0C000B4D82}"/>
+              </a:ext>
+            </a:extLst>
+          </p:cNvPr>
+          <p:cNvSpPr>
+            <a:spLocks noGrp="1"/>
+          </p:cNvSpPr>
+          <p:nvPr>
+            <p:ph type="ftr" sz="quarter" idx="11"/>
+          </p:nvPr>
+        </p:nvSpPr>
+        <p:spPr>
+          <a:xfrm>
+            <a:off x="458694" y="6445475"/>
+            <a:ext cx="6824243" cy="365125"/>
+          </a:xfrm>
+        </p:spPr>
+        <p:txBody>
+          <a:bodyPr/>
+          <a:lstStyle/>
+          <a:p>
+            <a:pPr algn="l"/>
+            <a:r>
+              <a:rPr lang="es-ES_tradnl" sz="1400" dirty="0"/>
+              <a:t>Operaciones de Aprendizaje Automático I - CESE - FIUBA</a:t>
+            </a:r>
+          </a:p>
+        </p:txBody>
+      </p:sp>
     </p:spTree>
     <p:extLst>
       <p:ext uri="{BB962C8B-B14F-4D97-AF65-F5344CB8AC3E}">
@@ -25045,40 +25105,6 @@
       </p:sp>
       <p:sp>
         <p:nvSpPr>
-          <p:cNvPr id="5" name="Footer Placeholder 4">
-            <a:extLst>
-              <a:ext uri="{FF2B5EF4-FFF2-40B4-BE49-F238E27FC236}">
-                <a16:creationId xmlns:a16="http://schemas.microsoft.com/office/drawing/2014/main" id="{180A6784-AA49-8211-68C1-452BA7C43F2B}"/>
-              </a:ext>
-            </a:extLst>
-          </p:cNvPr>
-          <p:cNvSpPr>
-            <a:spLocks noGrp="1"/>
-          </p:cNvSpPr>
-          <p:nvPr>
-            <p:ph type="ftr" sz="quarter" idx="11"/>
-          </p:nvPr>
-        </p:nvSpPr>
-        <p:spPr>
-          <a:xfrm>
-            <a:off x="458694" y="6416674"/>
-            <a:ext cx="4114800" cy="365125"/>
-          </a:xfrm>
-        </p:spPr>
-        <p:txBody>
-          <a:bodyPr/>
-          <a:lstStyle/>
-          <a:p>
-            <a:pPr algn="l"/>
-            <a:r>
-              <a:rPr lang="es-ES_tradnl" sz="1400" dirty="0"/>
-              <a:t>Aprendizaje de Máquina - CESE - FIUBA</a:t>
-            </a:r>
-          </a:p>
-        </p:txBody>
-      </p:sp>
-      <p:sp>
-        <p:nvSpPr>
           <p:cNvPr id="3" name="Content Placeholder 2">
             <a:extLst>
               <a:ext uri="{FF2B5EF4-FFF2-40B4-BE49-F238E27FC236}">
@@ -25816,6 +25842,40 @@
             <a:r>
               <a:rPr lang="es-ES_tradnl" sz="1400" dirty="0"/>
               <a:t>HTML</a:t>
+            </a:r>
+          </a:p>
+        </p:txBody>
+      </p:sp>
+      <p:sp>
+        <p:nvSpPr>
+          <p:cNvPr id="6" name="Footer Placeholder 4">
+            <a:extLst>
+              <a:ext uri="{FF2B5EF4-FFF2-40B4-BE49-F238E27FC236}">
+                <a16:creationId xmlns:a16="http://schemas.microsoft.com/office/drawing/2014/main" id="{0C373CE1-67AC-CDDE-7393-FE0FCF4483A5}"/>
+              </a:ext>
+            </a:extLst>
+          </p:cNvPr>
+          <p:cNvSpPr>
+            <a:spLocks noGrp="1"/>
+          </p:cNvSpPr>
+          <p:nvPr>
+            <p:ph type="ftr" sz="quarter" idx="11"/>
+          </p:nvPr>
+        </p:nvSpPr>
+        <p:spPr>
+          <a:xfrm>
+            <a:off x="458694" y="6445475"/>
+            <a:ext cx="6824243" cy="365125"/>
+          </a:xfrm>
+        </p:spPr>
+        <p:txBody>
+          <a:bodyPr/>
+          <a:lstStyle/>
+          <a:p>
+            <a:pPr algn="l"/>
+            <a:r>
+              <a:rPr lang="es-ES_tradnl" sz="1400" dirty="0"/>
+              <a:t>Operaciones de Aprendizaje Automático I - CESE - FIUBA</a:t>
             </a:r>
           </a:p>
         </p:txBody>
@@ -25882,40 +25942,6 @@
             <a:r>
               <a:rPr lang="es-ES_tradnl" dirty="0"/>
               <a:t>Desplegado on-line</a:t>
-            </a:r>
-          </a:p>
-        </p:txBody>
-      </p:sp>
-      <p:sp>
-        <p:nvSpPr>
-          <p:cNvPr id="5" name="Footer Placeholder 4">
-            <a:extLst>
-              <a:ext uri="{FF2B5EF4-FFF2-40B4-BE49-F238E27FC236}">
-                <a16:creationId xmlns:a16="http://schemas.microsoft.com/office/drawing/2014/main" id="{180A6784-AA49-8211-68C1-452BA7C43F2B}"/>
-              </a:ext>
-            </a:extLst>
-          </p:cNvPr>
-          <p:cNvSpPr>
-            <a:spLocks noGrp="1"/>
-          </p:cNvSpPr>
-          <p:nvPr>
-            <p:ph type="ftr" sz="quarter" idx="11"/>
-          </p:nvPr>
-        </p:nvSpPr>
-        <p:spPr>
-          <a:xfrm>
-            <a:off x="458694" y="6416674"/>
-            <a:ext cx="4114800" cy="365125"/>
-          </a:xfrm>
-        </p:spPr>
-        <p:txBody>
-          <a:bodyPr/>
-          <a:lstStyle/>
-          <a:p>
-            <a:pPr algn="l"/>
-            <a:r>
-              <a:rPr lang="es-ES_tradnl" sz="1400" dirty="0"/>
-              <a:t>Aprendizaje de Máquina - CESE - FIUBA</a:t>
             </a:r>
           </a:p>
         </p:txBody>
@@ -26227,6 +26253,40 @@
           </a:graphicData>
         </a:graphic>
       </p:graphicFrame>
+      <p:sp>
+        <p:nvSpPr>
+          <p:cNvPr id="3" name="Footer Placeholder 4">
+            <a:extLst>
+              <a:ext uri="{FF2B5EF4-FFF2-40B4-BE49-F238E27FC236}">
+                <a16:creationId xmlns:a16="http://schemas.microsoft.com/office/drawing/2014/main" id="{84DD4FE1-D2B0-A9EA-E9D0-98108AA96BCC}"/>
+              </a:ext>
+            </a:extLst>
+          </p:cNvPr>
+          <p:cNvSpPr>
+            <a:spLocks noGrp="1"/>
+          </p:cNvSpPr>
+          <p:nvPr>
+            <p:ph type="ftr" sz="quarter" idx="11"/>
+          </p:nvPr>
+        </p:nvSpPr>
+        <p:spPr>
+          <a:xfrm>
+            <a:off x="458694" y="6445475"/>
+            <a:ext cx="6824243" cy="365125"/>
+          </a:xfrm>
+        </p:spPr>
+        <p:txBody>
+          <a:bodyPr/>
+          <a:lstStyle/>
+          <a:p>
+            <a:pPr algn="l"/>
+            <a:r>
+              <a:rPr lang="es-ES_tradnl" sz="1400" dirty="0"/>
+              <a:t>Operaciones de Aprendizaje Automático I - CESE - FIUBA</a:t>
+            </a:r>
+          </a:p>
+        </p:txBody>
+      </p:sp>
     </p:spTree>
     <p:extLst>
       <p:ext uri="{BB962C8B-B14F-4D97-AF65-F5344CB8AC3E}">
@@ -26295,40 +26355,6 @@
       </p:sp>
       <p:sp>
         <p:nvSpPr>
-          <p:cNvPr id="5" name="Footer Placeholder 4">
-            <a:extLst>
-              <a:ext uri="{FF2B5EF4-FFF2-40B4-BE49-F238E27FC236}">
-                <a16:creationId xmlns:a16="http://schemas.microsoft.com/office/drawing/2014/main" id="{180A6784-AA49-8211-68C1-452BA7C43F2B}"/>
-              </a:ext>
-            </a:extLst>
-          </p:cNvPr>
-          <p:cNvSpPr>
-            <a:spLocks noGrp="1"/>
-          </p:cNvSpPr>
-          <p:nvPr>
-            <p:ph type="ftr" sz="quarter" idx="11"/>
-          </p:nvPr>
-        </p:nvSpPr>
-        <p:spPr>
-          <a:xfrm>
-            <a:off x="458694" y="6416674"/>
-            <a:ext cx="4114800" cy="365125"/>
-          </a:xfrm>
-        </p:spPr>
-        <p:txBody>
-          <a:bodyPr/>
-          <a:lstStyle/>
-          <a:p>
-            <a:pPr algn="l"/>
-            <a:r>
-              <a:rPr lang="es-ES_tradnl" sz="1400" dirty="0"/>
-              <a:t>Aprendizaje de Máquina - CESE - FIUBA</a:t>
-            </a:r>
-          </a:p>
-        </p:txBody>
-      </p:sp>
-      <p:sp>
-        <p:nvSpPr>
           <p:cNvPr id="3" name="Content Placeholder 2">
             <a:extLst>
               <a:ext uri="{FF2B5EF4-FFF2-40B4-BE49-F238E27FC236}">
@@ -26618,6 +26644,40 @@
               <a:t>35</a:t>
             </a:fld>
             <a:endParaRPr lang="en-US" dirty="0"/>
+          </a:p>
+        </p:txBody>
+      </p:sp>
+      <p:sp>
+        <p:nvSpPr>
+          <p:cNvPr id="6" name="Footer Placeholder 4">
+            <a:extLst>
+              <a:ext uri="{FF2B5EF4-FFF2-40B4-BE49-F238E27FC236}">
+                <a16:creationId xmlns:a16="http://schemas.microsoft.com/office/drawing/2014/main" id="{58180E0C-8D6B-0FA6-EA65-809A3470D56E}"/>
+              </a:ext>
+            </a:extLst>
+          </p:cNvPr>
+          <p:cNvSpPr>
+            <a:spLocks noGrp="1"/>
+          </p:cNvSpPr>
+          <p:nvPr>
+            <p:ph type="ftr" sz="quarter" idx="11"/>
+          </p:nvPr>
+        </p:nvSpPr>
+        <p:spPr>
+          <a:xfrm>
+            <a:off x="458694" y="6445475"/>
+            <a:ext cx="6824243" cy="365125"/>
+          </a:xfrm>
+        </p:spPr>
+        <p:txBody>
+          <a:bodyPr/>
+          <a:lstStyle/>
+          <a:p>
+            <a:pPr algn="l"/>
+            <a:r>
+              <a:rPr lang="es-ES_tradnl" sz="1400" dirty="0"/>
+              <a:t>Operaciones de Aprendizaje Automático I - CESE - FIUBA</a:t>
+            </a:r>
           </a:p>
         </p:txBody>
       </p:sp>
@@ -26683,40 +26743,6 @@
             <a:r>
               <a:rPr lang="es-ES_tradnl" dirty="0"/>
               <a:t>Desplegado on-line</a:t>
-            </a:r>
-          </a:p>
-        </p:txBody>
-      </p:sp>
-      <p:sp>
-        <p:nvSpPr>
-          <p:cNvPr id="5" name="Footer Placeholder 4">
-            <a:extLst>
-              <a:ext uri="{FF2B5EF4-FFF2-40B4-BE49-F238E27FC236}">
-                <a16:creationId xmlns:a16="http://schemas.microsoft.com/office/drawing/2014/main" id="{180A6784-AA49-8211-68C1-452BA7C43F2B}"/>
-              </a:ext>
-            </a:extLst>
-          </p:cNvPr>
-          <p:cNvSpPr>
-            <a:spLocks noGrp="1"/>
-          </p:cNvSpPr>
-          <p:nvPr>
-            <p:ph type="ftr" sz="quarter" idx="11"/>
-          </p:nvPr>
-        </p:nvSpPr>
-        <p:spPr>
-          <a:xfrm>
-            <a:off x="458694" y="6416674"/>
-            <a:ext cx="4114800" cy="365125"/>
-          </a:xfrm>
-        </p:spPr>
-        <p:txBody>
-          <a:bodyPr/>
-          <a:lstStyle/>
-          <a:p>
-            <a:pPr algn="l"/>
-            <a:r>
-              <a:rPr lang="es-ES_tradnl" sz="1400" dirty="0"/>
-              <a:t>Aprendizaje de Máquina - CESE - FIUBA</a:t>
             </a:r>
           </a:p>
         </p:txBody>
@@ -27420,6 +27446,40 @@
           </a:graphicData>
         </a:graphic>
       </p:graphicFrame>
+      <p:sp>
+        <p:nvSpPr>
+          <p:cNvPr id="8" name="Footer Placeholder 4">
+            <a:extLst>
+              <a:ext uri="{FF2B5EF4-FFF2-40B4-BE49-F238E27FC236}">
+                <a16:creationId xmlns:a16="http://schemas.microsoft.com/office/drawing/2014/main" id="{07FFECDE-42FA-BA94-0625-0B81F9052526}"/>
+              </a:ext>
+            </a:extLst>
+          </p:cNvPr>
+          <p:cNvSpPr>
+            <a:spLocks noGrp="1"/>
+          </p:cNvSpPr>
+          <p:nvPr>
+            <p:ph type="ftr" sz="quarter" idx="11"/>
+          </p:nvPr>
+        </p:nvSpPr>
+        <p:spPr>
+          <a:xfrm>
+            <a:off x="458694" y="6445475"/>
+            <a:ext cx="6824243" cy="365125"/>
+          </a:xfrm>
+        </p:spPr>
+        <p:txBody>
+          <a:bodyPr/>
+          <a:lstStyle/>
+          <a:p>
+            <a:pPr algn="l"/>
+            <a:r>
+              <a:rPr lang="es-ES_tradnl" sz="1400" dirty="0"/>
+              <a:t>Operaciones de Aprendizaje Automático I - CESE - FIUBA</a:t>
+            </a:r>
+          </a:p>
+        </p:txBody>
+      </p:sp>
     </p:spTree>
     <p:extLst>
       <p:ext uri="{BB962C8B-B14F-4D97-AF65-F5344CB8AC3E}">
@@ -27903,10 +27963,10 @@
       </p:sp>
       <p:sp>
         <p:nvSpPr>
-          <p:cNvPr id="8" name="Footer Placeholder 3">
-            <a:extLst>
-              <a:ext uri="{FF2B5EF4-FFF2-40B4-BE49-F238E27FC236}">
-                <a16:creationId xmlns:a16="http://schemas.microsoft.com/office/drawing/2014/main" id="{65F20F9F-773C-3A60-E39F-713DB6991C83}"/>
+          <p:cNvPr id="9" name="Slide Number Placeholder 4">
+            <a:extLst>
+              <a:ext uri="{FF2B5EF4-FFF2-40B4-BE49-F238E27FC236}">
+                <a16:creationId xmlns:a16="http://schemas.microsoft.com/office/drawing/2014/main" id="{A5B16026-1A9B-C661-C175-118C2F6323D7}"/>
               </a:ext>
             </a:extLst>
           </p:cNvPr>
@@ -27917,8 +27977,163 @@
         </p:nvSpPr>
         <p:spPr>
           <a:xfrm>
-            <a:off x="611094" y="6413889"/>
-            <a:ext cx="4114800" cy="365125"/>
+            <a:off x="8837706" y="6413889"/>
+            <a:ext cx="2743200" cy="365125"/>
+          </a:xfrm>
+          <a:prstGeom prst="rect">
+            <a:avLst/>
+          </a:prstGeom>
+        </p:spPr>
+        <p:txBody>
+          <a:bodyPr vert="horz" lIns="91440" tIns="45720" rIns="91440" bIns="45720" rtlCol="0" anchor="ctr">
+            <a:normAutofit/>
+          </a:bodyPr>
+          <a:lstStyle>
+            <a:defPPr>
+              <a:defRPr lang="en-US"/>
+            </a:defPPr>
+            <a:lvl1pPr marL="0" algn="r" defTabSz="457200" rtl="0" eaLnBrk="1" latinLnBrk="0" hangingPunct="1">
+              <a:defRPr sz="900" kern="1200">
+                <a:solidFill>
+                  <a:schemeClr val="tx1">
+                    <a:alpha val="60000"/>
+                  </a:schemeClr>
+                </a:solidFill>
+                <a:latin typeface="+mn-lt"/>
+                <a:ea typeface="+mn-ea"/>
+                <a:cs typeface="+mn-cs"/>
+              </a:defRPr>
+            </a:lvl1pPr>
+            <a:lvl2pPr marL="457200" algn="l" defTabSz="457200" rtl="0" eaLnBrk="1" latinLnBrk="0" hangingPunct="1">
+              <a:defRPr sz="1800" kern="1200">
+                <a:solidFill>
+                  <a:schemeClr val="tx1"/>
+                </a:solidFill>
+                <a:latin typeface="+mn-lt"/>
+                <a:ea typeface="+mn-ea"/>
+                <a:cs typeface="+mn-cs"/>
+              </a:defRPr>
+            </a:lvl2pPr>
+            <a:lvl3pPr marL="914400" algn="l" defTabSz="457200" rtl="0" eaLnBrk="1" latinLnBrk="0" hangingPunct="1">
+              <a:defRPr sz="1800" kern="1200">
+                <a:solidFill>
+                  <a:schemeClr val="tx1"/>
+                </a:solidFill>
+                <a:latin typeface="+mn-lt"/>
+                <a:ea typeface="+mn-ea"/>
+                <a:cs typeface="+mn-cs"/>
+              </a:defRPr>
+            </a:lvl3pPr>
+            <a:lvl4pPr marL="1371600" algn="l" defTabSz="457200" rtl="0" eaLnBrk="1" latinLnBrk="0" hangingPunct="1">
+              <a:defRPr sz="1800" kern="1200">
+                <a:solidFill>
+                  <a:schemeClr val="tx1"/>
+                </a:solidFill>
+                <a:latin typeface="+mn-lt"/>
+                <a:ea typeface="+mn-ea"/>
+                <a:cs typeface="+mn-cs"/>
+              </a:defRPr>
+            </a:lvl4pPr>
+            <a:lvl5pPr marL="1828800" algn="l" defTabSz="457200" rtl="0" eaLnBrk="1" latinLnBrk="0" hangingPunct="1">
+              <a:defRPr sz="1800" kern="1200">
+                <a:solidFill>
+                  <a:schemeClr val="tx1"/>
+                </a:solidFill>
+                <a:latin typeface="+mn-lt"/>
+                <a:ea typeface="+mn-ea"/>
+                <a:cs typeface="+mn-cs"/>
+              </a:defRPr>
+            </a:lvl5pPr>
+            <a:lvl6pPr marL="2286000" algn="l" defTabSz="457200" rtl="0" eaLnBrk="1" latinLnBrk="0" hangingPunct="1">
+              <a:defRPr sz="1800" kern="1200">
+                <a:solidFill>
+                  <a:schemeClr val="tx1"/>
+                </a:solidFill>
+                <a:latin typeface="+mn-lt"/>
+                <a:ea typeface="+mn-ea"/>
+                <a:cs typeface="+mn-cs"/>
+              </a:defRPr>
+            </a:lvl6pPr>
+            <a:lvl7pPr marL="2743200" algn="l" defTabSz="457200" rtl="0" eaLnBrk="1" latinLnBrk="0" hangingPunct="1">
+              <a:defRPr sz="1800" kern="1200">
+                <a:solidFill>
+                  <a:schemeClr val="tx1"/>
+                </a:solidFill>
+                <a:latin typeface="+mn-lt"/>
+                <a:ea typeface="+mn-ea"/>
+                <a:cs typeface="+mn-cs"/>
+              </a:defRPr>
+            </a:lvl7pPr>
+            <a:lvl8pPr marL="3200400" algn="l" defTabSz="457200" rtl="0" eaLnBrk="1" latinLnBrk="0" hangingPunct="1">
+              <a:defRPr sz="1800" kern="1200">
+                <a:solidFill>
+                  <a:schemeClr val="tx1"/>
+                </a:solidFill>
+                <a:latin typeface="+mn-lt"/>
+                <a:ea typeface="+mn-ea"/>
+                <a:cs typeface="+mn-cs"/>
+              </a:defRPr>
+            </a:lvl8pPr>
+            <a:lvl9pPr marL="3657600" algn="l" defTabSz="457200" rtl="0" eaLnBrk="1" latinLnBrk="0" hangingPunct="1">
+              <a:defRPr sz="1800" kern="1200">
+                <a:solidFill>
+                  <a:schemeClr val="tx1"/>
+                </a:solidFill>
+                <a:latin typeface="+mn-lt"/>
+                <a:ea typeface="+mn-ea"/>
+                <a:cs typeface="+mn-cs"/>
+              </a:defRPr>
+            </a:lvl9pPr>
+          </a:lstStyle>
+          <a:p>
+            <a:pPr defTabSz="914400">
+              <a:spcAft>
+                <a:spcPts val="600"/>
+              </a:spcAft>
+            </a:pPr>
+            <a:fld id="{73B850FF-6169-4056-8077-06FFA93A5366}" type="slidenum">
+              <a:rPr lang="en-US" sz="1400" smtClean="0">
+                <a:solidFill>
+                  <a:srgbClr val="FFFFFF">
+                    <a:alpha val="60000"/>
+                  </a:srgbClr>
+                </a:solidFill>
+              </a:rPr>
+              <a:pPr defTabSz="914400">
+                <a:spcAft>
+                  <a:spcPts val="600"/>
+                </a:spcAft>
+              </a:pPr>
+              <a:t>37</a:t>
+            </a:fld>
+            <a:endParaRPr lang="en-US" sz="1400" dirty="0">
+              <a:solidFill>
+                <a:srgbClr val="FFFFFF">
+                  <a:alpha val="60000"/>
+                </a:srgbClr>
+              </a:solidFill>
+            </a:endParaRPr>
+          </a:p>
+        </p:txBody>
+      </p:sp>
+      <p:sp>
+        <p:nvSpPr>
+          <p:cNvPr id="3" name="Footer Placeholder 3">
+            <a:extLst>
+              <a:ext uri="{FF2B5EF4-FFF2-40B4-BE49-F238E27FC236}">
+                <a16:creationId xmlns:a16="http://schemas.microsoft.com/office/drawing/2014/main" id="{2E5D18A1-FF03-F5E8-E86E-C6BDEF553FD7}"/>
+              </a:ext>
+            </a:extLst>
+          </p:cNvPr>
+          <p:cNvSpPr txBox="1">
+            <a:spLocks/>
+          </p:cNvSpPr>
+          <p:nvPr/>
+        </p:nvSpPr>
+        <p:spPr>
+          <a:xfrm>
+            <a:off x="611093" y="6413889"/>
+            <a:ext cx="8104889" cy="365125"/>
           </a:xfrm>
           <a:prstGeom prst="rect">
             <a:avLst/>
@@ -28039,163 +28254,8 @@
                   </a:srgbClr>
                 </a:solidFill>
               </a:rPr>
-              <a:t>Aprendizaje de Máquina - CESE - FIUBA</a:t>
-            </a:r>
-          </a:p>
-        </p:txBody>
-      </p:sp>
-      <p:sp>
-        <p:nvSpPr>
-          <p:cNvPr id="9" name="Slide Number Placeholder 4">
-            <a:extLst>
-              <a:ext uri="{FF2B5EF4-FFF2-40B4-BE49-F238E27FC236}">
-                <a16:creationId xmlns:a16="http://schemas.microsoft.com/office/drawing/2014/main" id="{A5B16026-1A9B-C661-C175-118C2F6323D7}"/>
-              </a:ext>
-            </a:extLst>
-          </p:cNvPr>
-          <p:cNvSpPr txBox="1">
-            <a:spLocks/>
-          </p:cNvSpPr>
-          <p:nvPr/>
-        </p:nvSpPr>
-        <p:spPr>
-          <a:xfrm>
-            <a:off x="8837706" y="6413889"/>
-            <a:ext cx="2743200" cy="365125"/>
-          </a:xfrm>
-          <a:prstGeom prst="rect">
-            <a:avLst/>
-          </a:prstGeom>
-        </p:spPr>
-        <p:txBody>
-          <a:bodyPr vert="horz" lIns="91440" tIns="45720" rIns="91440" bIns="45720" rtlCol="0" anchor="ctr">
-            <a:normAutofit/>
-          </a:bodyPr>
-          <a:lstStyle>
-            <a:defPPr>
-              <a:defRPr lang="en-US"/>
-            </a:defPPr>
-            <a:lvl1pPr marL="0" algn="r" defTabSz="457200" rtl="0" eaLnBrk="1" latinLnBrk="0" hangingPunct="1">
-              <a:defRPr sz="900" kern="1200">
-                <a:solidFill>
-                  <a:schemeClr val="tx1">
-                    <a:alpha val="60000"/>
-                  </a:schemeClr>
-                </a:solidFill>
-                <a:latin typeface="+mn-lt"/>
-                <a:ea typeface="+mn-ea"/>
-                <a:cs typeface="+mn-cs"/>
-              </a:defRPr>
-            </a:lvl1pPr>
-            <a:lvl2pPr marL="457200" algn="l" defTabSz="457200" rtl="0" eaLnBrk="1" latinLnBrk="0" hangingPunct="1">
-              <a:defRPr sz="1800" kern="1200">
-                <a:solidFill>
-                  <a:schemeClr val="tx1"/>
-                </a:solidFill>
-                <a:latin typeface="+mn-lt"/>
-                <a:ea typeface="+mn-ea"/>
-                <a:cs typeface="+mn-cs"/>
-              </a:defRPr>
-            </a:lvl2pPr>
-            <a:lvl3pPr marL="914400" algn="l" defTabSz="457200" rtl="0" eaLnBrk="1" latinLnBrk="0" hangingPunct="1">
-              <a:defRPr sz="1800" kern="1200">
-                <a:solidFill>
-                  <a:schemeClr val="tx1"/>
-                </a:solidFill>
-                <a:latin typeface="+mn-lt"/>
-                <a:ea typeface="+mn-ea"/>
-                <a:cs typeface="+mn-cs"/>
-              </a:defRPr>
-            </a:lvl3pPr>
-            <a:lvl4pPr marL="1371600" algn="l" defTabSz="457200" rtl="0" eaLnBrk="1" latinLnBrk="0" hangingPunct="1">
-              <a:defRPr sz="1800" kern="1200">
-                <a:solidFill>
-                  <a:schemeClr val="tx1"/>
-                </a:solidFill>
-                <a:latin typeface="+mn-lt"/>
-                <a:ea typeface="+mn-ea"/>
-                <a:cs typeface="+mn-cs"/>
-              </a:defRPr>
-            </a:lvl4pPr>
-            <a:lvl5pPr marL="1828800" algn="l" defTabSz="457200" rtl="0" eaLnBrk="1" latinLnBrk="0" hangingPunct="1">
-              <a:defRPr sz="1800" kern="1200">
-                <a:solidFill>
-                  <a:schemeClr val="tx1"/>
-                </a:solidFill>
-                <a:latin typeface="+mn-lt"/>
-                <a:ea typeface="+mn-ea"/>
-                <a:cs typeface="+mn-cs"/>
-              </a:defRPr>
-            </a:lvl5pPr>
-            <a:lvl6pPr marL="2286000" algn="l" defTabSz="457200" rtl="0" eaLnBrk="1" latinLnBrk="0" hangingPunct="1">
-              <a:defRPr sz="1800" kern="1200">
-                <a:solidFill>
-                  <a:schemeClr val="tx1"/>
-                </a:solidFill>
-                <a:latin typeface="+mn-lt"/>
-                <a:ea typeface="+mn-ea"/>
-                <a:cs typeface="+mn-cs"/>
-              </a:defRPr>
-            </a:lvl6pPr>
-            <a:lvl7pPr marL="2743200" algn="l" defTabSz="457200" rtl="0" eaLnBrk="1" latinLnBrk="0" hangingPunct="1">
-              <a:defRPr sz="1800" kern="1200">
-                <a:solidFill>
-                  <a:schemeClr val="tx1"/>
-                </a:solidFill>
-                <a:latin typeface="+mn-lt"/>
-                <a:ea typeface="+mn-ea"/>
-                <a:cs typeface="+mn-cs"/>
-              </a:defRPr>
-            </a:lvl7pPr>
-            <a:lvl8pPr marL="3200400" algn="l" defTabSz="457200" rtl="0" eaLnBrk="1" latinLnBrk="0" hangingPunct="1">
-              <a:defRPr sz="1800" kern="1200">
-                <a:solidFill>
-                  <a:schemeClr val="tx1"/>
-                </a:solidFill>
-                <a:latin typeface="+mn-lt"/>
-                <a:ea typeface="+mn-ea"/>
-                <a:cs typeface="+mn-cs"/>
-              </a:defRPr>
-            </a:lvl8pPr>
-            <a:lvl9pPr marL="3657600" algn="l" defTabSz="457200" rtl="0" eaLnBrk="1" latinLnBrk="0" hangingPunct="1">
-              <a:defRPr sz="1800" kern="1200">
-                <a:solidFill>
-                  <a:schemeClr val="tx1"/>
-                </a:solidFill>
-                <a:latin typeface="+mn-lt"/>
-                <a:ea typeface="+mn-ea"/>
-                <a:cs typeface="+mn-cs"/>
-              </a:defRPr>
-            </a:lvl9pPr>
-          </a:lstStyle>
-          <a:p>
-            <a:pPr defTabSz="914400">
-              <a:spcAft>
-                <a:spcPts val="600"/>
-              </a:spcAft>
-            </a:pPr>
-            <a:fld id="{73B850FF-6169-4056-8077-06FFA93A5366}" type="slidenum">
-              <a:rPr lang="en-US" sz="1400" smtClean="0">
-                <a:solidFill>
-                  <a:srgbClr val="FFFFFF">
-                    <a:alpha val="60000"/>
-                  </a:srgbClr>
-                </a:solidFill>
-              </a:rPr>
-              <a:pPr defTabSz="914400">
-                <a:spcAft>
-                  <a:spcPts val="600"/>
-                </a:spcAft>
-              </a:pPr>
-              <a:t>37</a:t>
-            </a:fld>
-            <a:endParaRPr lang="en-US" sz="1400" dirty="0">
-              <a:solidFill>
-                <a:srgbClr val="FFFFFF">
-                  <a:alpha val="60000"/>
-                </a:srgbClr>
-              </a:solidFill>
-            </a:endParaRPr>
+              <a:t>Operaciones de Aprendizaje Automático I - CESE - FIUBA</a:t>
+            </a:r>
           </a:p>
         </p:txBody>
       </p:sp>
@@ -28361,40 +28421,6 @@
             <a:r>
               <a:rPr lang="es-ES_tradnl" dirty="0"/>
               <a:t> en Python</a:t>
-            </a:r>
-          </a:p>
-        </p:txBody>
-      </p:sp>
-      <p:sp>
-        <p:nvSpPr>
-          <p:cNvPr id="5" name="Footer Placeholder 4">
-            <a:extLst>
-              <a:ext uri="{FF2B5EF4-FFF2-40B4-BE49-F238E27FC236}">
-                <a16:creationId xmlns:a16="http://schemas.microsoft.com/office/drawing/2014/main" id="{180A6784-AA49-8211-68C1-452BA7C43F2B}"/>
-              </a:ext>
-            </a:extLst>
-          </p:cNvPr>
-          <p:cNvSpPr>
-            <a:spLocks noGrp="1"/>
-          </p:cNvSpPr>
-          <p:nvPr>
-            <p:ph type="ftr" sz="quarter" idx="11"/>
-          </p:nvPr>
-        </p:nvSpPr>
-        <p:spPr>
-          <a:xfrm>
-            <a:off x="458694" y="6416674"/>
-            <a:ext cx="4114800" cy="365125"/>
-          </a:xfrm>
-        </p:spPr>
-        <p:txBody>
-          <a:bodyPr/>
-          <a:lstStyle/>
-          <a:p>
-            <a:pPr algn="l"/>
-            <a:r>
-              <a:rPr lang="es-ES_tradnl" sz="1400" dirty="0"/>
-              <a:t>Aprendizaje de Máquina - CESE - FIUBA</a:t>
             </a:r>
           </a:p>
         </p:txBody>
@@ -29465,6 +29491,40 @@
           </p:txBody>
         </p:sp>
       </p:grpSp>
+      <p:sp>
+        <p:nvSpPr>
+          <p:cNvPr id="4" name="Footer Placeholder 4">
+            <a:extLst>
+              <a:ext uri="{FF2B5EF4-FFF2-40B4-BE49-F238E27FC236}">
+                <a16:creationId xmlns:a16="http://schemas.microsoft.com/office/drawing/2014/main" id="{D9FF2E17-DFD5-D77F-6E52-0DE157D0DCEF}"/>
+              </a:ext>
+            </a:extLst>
+          </p:cNvPr>
+          <p:cNvSpPr>
+            <a:spLocks noGrp="1"/>
+          </p:cNvSpPr>
+          <p:nvPr>
+            <p:ph type="ftr" sz="quarter" idx="11"/>
+          </p:nvPr>
+        </p:nvSpPr>
+        <p:spPr>
+          <a:xfrm>
+            <a:off x="458694" y="6445475"/>
+            <a:ext cx="6824243" cy="365125"/>
+          </a:xfrm>
+        </p:spPr>
+        <p:txBody>
+          <a:bodyPr/>
+          <a:lstStyle/>
+          <a:p>
+            <a:pPr algn="l"/>
+            <a:r>
+              <a:rPr lang="es-ES_tradnl" sz="1400" dirty="0"/>
+              <a:t>Operaciones de Aprendizaje Automático I - CESE - FIUBA</a:t>
+            </a:r>
+          </a:p>
+        </p:txBody>
+      </p:sp>
     </p:spTree>
     <p:extLst>
       <p:ext uri="{BB962C8B-B14F-4D97-AF65-F5344CB8AC3E}">
@@ -29541,40 +29601,6 @@
       </p:sp>
       <p:sp>
         <p:nvSpPr>
-          <p:cNvPr id="5" name="Footer Placeholder 4">
-            <a:extLst>
-              <a:ext uri="{FF2B5EF4-FFF2-40B4-BE49-F238E27FC236}">
-                <a16:creationId xmlns:a16="http://schemas.microsoft.com/office/drawing/2014/main" id="{180A6784-AA49-8211-68C1-452BA7C43F2B}"/>
-              </a:ext>
-            </a:extLst>
-          </p:cNvPr>
-          <p:cNvSpPr>
-            <a:spLocks noGrp="1"/>
-          </p:cNvSpPr>
-          <p:nvPr>
-            <p:ph type="ftr" sz="quarter" idx="11"/>
-          </p:nvPr>
-        </p:nvSpPr>
-        <p:spPr>
-          <a:xfrm>
-            <a:off x="458694" y="6416674"/>
-            <a:ext cx="4114800" cy="365125"/>
-          </a:xfrm>
-        </p:spPr>
-        <p:txBody>
-          <a:bodyPr/>
-          <a:lstStyle/>
-          <a:p>
-            <a:pPr algn="l"/>
-            <a:r>
-              <a:rPr lang="es-ES_tradnl" sz="1400" dirty="0"/>
-              <a:t>Aprendizaje de Máquina - CESE - FIUBA</a:t>
-            </a:r>
-          </a:p>
-        </p:txBody>
-      </p:sp>
-      <p:sp>
-        <p:nvSpPr>
           <p:cNvPr id="3" name="Content Placeholder 2">
             <a:extLst>
               <a:ext uri="{FF2B5EF4-FFF2-40B4-BE49-F238E27FC236}">
@@ -29711,6 +29737,40 @@
               <a:t>39</a:t>
             </a:fld>
             <a:endParaRPr lang="en-US" dirty="0"/>
+          </a:p>
+        </p:txBody>
+      </p:sp>
+      <p:sp>
+        <p:nvSpPr>
+          <p:cNvPr id="4" name="Footer Placeholder 4">
+            <a:extLst>
+              <a:ext uri="{FF2B5EF4-FFF2-40B4-BE49-F238E27FC236}">
+                <a16:creationId xmlns:a16="http://schemas.microsoft.com/office/drawing/2014/main" id="{CF7C2AE9-9A97-0999-18D5-812A9D0AEC46}"/>
+              </a:ext>
+            </a:extLst>
+          </p:cNvPr>
+          <p:cNvSpPr>
+            <a:spLocks noGrp="1"/>
+          </p:cNvSpPr>
+          <p:nvPr>
+            <p:ph type="ftr" sz="quarter" idx="11"/>
+          </p:nvPr>
+        </p:nvSpPr>
+        <p:spPr>
+          <a:xfrm>
+            <a:off x="458694" y="6445475"/>
+            <a:ext cx="6824243" cy="365125"/>
+          </a:xfrm>
+        </p:spPr>
+        <p:txBody>
+          <a:bodyPr/>
+          <a:lstStyle/>
+          <a:p>
+            <a:pPr algn="l"/>
+            <a:r>
+              <a:rPr lang="es-ES_tradnl" sz="1400" dirty="0"/>
+              <a:t>Operaciones de Aprendizaje Automático I - CESE - FIUBA</a:t>
+            </a:r>
           </a:p>
         </p:txBody>
       </p:sp>
@@ -29782,40 +29842,6 @@
       </p:sp>
       <p:sp>
         <p:nvSpPr>
-          <p:cNvPr id="5" name="Footer Placeholder 4">
-            <a:extLst>
-              <a:ext uri="{FF2B5EF4-FFF2-40B4-BE49-F238E27FC236}">
-                <a16:creationId xmlns:a16="http://schemas.microsoft.com/office/drawing/2014/main" id="{180A6784-AA49-8211-68C1-452BA7C43F2B}"/>
-              </a:ext>
-            </a:extLst>
-          </p:cNvPr>
-          <p:cNvSpPr>
-            <a:spLocks noGrp="1"/>
-          </p:cNvSpPr>
-          <p:nvPr>
-            <p:ph type="ftr" sz="quarter" idx="11"/>
-          </p:nvPr>
-        </p:nvSpPr>
-        <p:spPr>
-          <a:xfrm>
-            <a:off x="458694" y="6416674"/>
-            <a:ext cx="4114800" cy="365125"/>
-          </a:xfrm>
-        </p:spPr>
-        <p:txBody>
-          <a:bodyPr/>
-          <a:lstStyle/>
-          <a:p>
-            <a:pPr algn="l"/>
-            <a:r>
-              <a:rPr lang="es-ES_tradnl" sz="1400" dirty="0"/>
-              <a:t>Aprendizaje de Máquina - CESE - FIUBA</a:t>
-            </a:r>
-          </a:p>
-        </p:txBody>
-      </p:sp>
-      <p:sp>
-        <p:nvSpPr>
           <p:cNvPr id="6" name="Slide Number Placeholder 5">
             <a:extLst>
               <a:ext uri="{FF2B5EF4-FFF2-40B4-BE49-F238E27FC236}">
@@ -30153,6 +30179,40 @@
             <a:r>
               <a:rPr lang="es-ES_tradnl" dirty="0"/>
               <a:t>Resultado</a:t>
+            </a:r>
+          </a:p>
+        </p:txBody>
+      </p:sp>
+      <p:sp>
+        <p:nvSpPr>
+          <p:cNvPr id="8" name="Footer Placeholder 4">
+            <a:extLst>
+              <a:ext uri="{FF2B5EF4-FFF2-40B4-BE49-F238E27FC236}">
+                <a16:creationId xmlns:a16="http://schemas.microsoft.com/office/drawing/2014/main" id="{1C76573B-FCB2-08E0-48A3-90D4C83E950F}"/>
+              </a:ext>
+            </a:extLst>
+          </p:cNvPr>
+          <p:cNvSpPr>
+            <a:spLocks noGrp="1"/>
+          </p:cNvSpPr>
+          <p:nvPr>
+            <p:ph type="ftr" sz="quarter" idx="11"/>
+          </p:nvPr>
+        </p:nvSpPr>
+        <p:spPr>
+          <a:xfrm>
+            <a:off x="458694" y="6445475"/>
+            <a:ext cx="6824243" cy="365125"/>
+          </a:xfrm>
+        </p:spPr>
+        <p:txBody>
+          <a:bodyPr/>
+          <a:lstStyle/>
+          <a:p>
+            <a:pPr algn="l"/>
+            <a:r>
+              <a:rPr lang="es-ES_tradnl" sz="1400" dirty="0"/>
+              <a:t>Operaciones de Aprendizaje Automático I - CESE - FIUBA</a:t>
             </a:r>
           </a:p>
         </p:txBody>
@@ -30233,40 +30293,6 @@
       </p:sp>
       <p:sp>
         <p:nvSpPr>
-          <p:cNvPr id="5" name="Footer Placeholder 4">
-            <a:extLst>
-              <a:ext uri="{FF2B5EF4-FFF2-40B4-BE49-F238E27FC236}">
-                <a16:creationId xmlns:a16="http://schemas.microsoft.com/office/drawing/2014/main" id="{180A6784-AA49-8211-68C1-452BA7C43F2B}"/>
-              </a:ext>
-            </a:extLst>
-          </p:cNvPr>
-          <p:cNvSpPr>
-            <a:spLocks noGrp="1"/>
-          </p:cNvSpPr>
-          <p:nvPr>
-            <p:ph type="ftr" sz="quarter" idx="11"/>
-          </p:nvPr>
-        </p:nvSpPr>
-        <p:spPr>
-          <a:xfrm>
-            <a:off x="458694" y="6416674"/>
-            <a:ext cx="4114800" cy="365125"/>
-          </a:xfrm>
-        </p:spPr>
-        <p:txBody>
-          <a:bodyPr/>
-          <a:lstStyle/>
-          <a:p>
-            <a:pPr algn="l"/>
-            <a:r>
-              <a:rPr lang="es-ES_tradnl" sz="1400" dirty="0"/>
-              <a:t>Aprendizaje de Máquina - CESE - FIUBA</a:t>
-            </a:r>
-          </a:p>
-        </p:txBody>
-      </p:sp>
-      <p:sp>
-        <p:nvSpPr>
           <p:cNvPr id="3" name="Content Placeholder 2">
             <a:extLst>
               <a:ext uri="{FF2B5EF4-FFF2-40B4-BE49-F238E27FC236}">
@@ -30348,6 +30374,40 @@
               <a:t>40</a:t>
             </a:fld>
             <a:endParaRPr lang="en-US" dirty="0"/>
+          </a:p>
+        </p:txBody>
+      </p:sp>
+      <p:sp>
+        <p:nvSpPr>
+          <p:cNvPr id="4" name="Footer Placeholder 4">
+            <a:extLst>
+              <a:ext uri="{FF2B5EF4-FFF2-40B4-BE49-F238E27FC236}">
+                <a16:creationId xmlns:a16="http://schemas.microsoft.com/office/drawing/2014/main" id="{A8BFF06E-6752-65BE-D0B6-0BF8EABEE22D}"/>
+              </a:ext>
+            </a:extLst>
+          </p:cNvPr>
+          <p:cNvSpPr>
+            <a:spLocks noGrp="1"/>
+          </p:cNvSpPr>
+          <p:nvPr>
+            <p:ph type="ftr" sz="quarter" idx="11"/>
+          </p:nvPr>
+        </p:nvSpPr>
+        <p:spPr>
+          <a:xfrm>
+            <a:off x="458694" y="6445475"/>
+            <a:ext cx="6824243" cy="365125"/>
+          </a:xfrm>
+        </p:spPr>
+        <p:txBody>
+          <a:bodyPr/>
+          <a:lstStyle/>
+          <a:p>
+            <a:pPr algn="l"/>
+            <a:r>
+              <a:rPr lang="es-ES_tradnl" sz="1400" dirty="0"/>
+              <a:t>Operaciones de Aprendizaje Automático I - CESE - FIUBA</a:t>
+            </a:r>
           </a:p>
         </p:txBody>
       </p:sp>
@@ -30419,40 +30479,6 @@
       </p:sp>
       <p:sp>
         <p:nvSpPr>
-          <p:cNvPr id="5" name="Footer Placeholder 4">
-            <a:extLst>
-              <a:ext uri="{FF2B5EF4-FFF2-40B4-BE49-F238E27FC236}">
-                <a16:creationId xmlns:a16="http://schemas.microsoft.com/office/drawing/2014/main" id="{180A6784-AA49-8211-68C1-452BA7C43F2B}"/>
-              </a:ext>
-            </a:extLst>
-          </p:cNvPr>
-          <p:cNvSpPr>
-            <a:spLocks noGrp="1"/>
-          </p:cNvSpPr>
-          <p:nvPr>
-            <p:ph type="ftr" sz="quarter" idx="11"/>
-          </p:nvPr>
-        </p:nvSpPr>
-        <p:spPr>
-          <a:xfrm>
-            <a:off x="458694" y="6416674"/>
-            <a:ext cx="4114800" cy="365125"/>
-          </a:xfrm>
-        </p:spPr>
-        <p:txBody>
-          <a:bodyPr/>
-          <a:lstStyle/>
-          <a:p>
-            <a:pPr algn="l"/>
-            <a:r>
-              <a:rPr lang="es-ES_tradnl" sz="1400" dirty="0"/>
-              <a:t>Aprendizaje de Máquina - CESE - FIUBA</a:t>
-            </a:r>
-          </a:p>
-        </p:txBody>
-      </p:sp>
-      <p:sp>
-        <p:nvSpPr>
           <p:cNvPr id="6" name="Slide Number Placeholder 5">
             <a:extLst>
               <a:ext uri="{FF2B5EF4-FFF2-40B4-BE49-F238E27FC236}">
@@ -30542,6 +30568,40 @@
             <a:r>
               <a:rPr lang="es-ES_tradnl" sz="2400" dirty="0"/>
               <a:t>Mediante transmisión de modelo</a:t>
+            </a:r>
+          </a:p>
+        </p:txBody>
+      </p:sp>
+      <p:sp>
+        <p:nvSpPr>
+          <p:cNvPr id="4" name="Footer Placeholder 4">
+            <a:extLst>
+              <a:ext uri="{FF2B5EF4-FFF2-40B4-BE49-F238E27FC236}">
+                <a16:creationId xmlns:a16="http://schemas.microsoft.com/office/drawing/2014/main" id="{1237AC1D-E930-4477-AA42-4E3B87F69566}"/>
+              </a:ext>
+            </a:extLst>
+          </p:cNvPr>
+          <p:cNvSpPr>
+            <a:spLocks noGrp="1"/>
+          </p:cNvSpPr>
+          <p:nvPr>
+            <p:ph type="ftr" sz="quarter" idx="11"/>
+          </p:nvPr>
+        </p:nvSpPr>
+        <p:spPr>
+          <a:xfrm>
+            <a:off x="458694" y="6445475"/>
+            <a:ext cx="6824243" cy="365125"/>
+          </a:xfrm>
+        </p:spPr>
+        <p:txBody>
+          <a:bodyPr/>
+          <a:lstStyle/>
+          <a:p>
+            <a:pPr algn="l"/>
+            <a:r>
+              <a:rPr lang="es-ES_tradnl" sz="1400" dirty="0"/>
+              <a:t>Operaciones de Aprendizaje Automático I - CESE - FIUBA</a:t>
             </a:r>
           </a:p>
         </p:txBody>
@@ -30614,40 +30674,6 @@
       </p:sp>
       <p:sp>
         <p:nvSpPr>
-          <p:cNvPr id="5" name="Footer Placeholder 4">
-            <a:extLst>
-              <a:ext uri="{FF2B5EF4-FFF2-40B4-BE49-F238E27FC236}">
-                <a16:creationId xmlns:a16="http://schemas.microsoft.com/office/drawing/2014/main" id="{180A6784-AA49-8211-68C1-452BA7C43F2B}"/>
-              </a:ext>
-            </a:extLst>
-          </p:cNvPr>
-          <p:cNvSpPr>
-            <a:spLocks noGrp="1"/>
-          </p:cNvSpPr>
-          <p:nvPr>
-            <p:ph type="ftr" sz="quarter" idx="11"/>
-          </p:nvPr>
-        </p:nvSpPr>
-        <p:spPr>
-          <a:xfrm>
-            <a:off x="458694" y="6416674"/>
-            <a:ext cx="4114800" cy="365125"/>
-          </a:xfrm>
-        </p:spPr>
-        <p:txBody>
-          <a:bodyPr/>
-          <a:lstStyle/>
-          <a:p>
-            <a:pPr algn="l"/>
-            <a:r>
-              <a:rPr lang="es-ES_tradnl" sz="1400" dirty="0"/>
-              <a:t>Aprendizaje de Máquina - CESE - FIUBA</a:t>
-            </a:r>
-          </a:p>
-        </p:txBody>
-      </p:sp>
-      <p:sp>
-        <p:nvSpPr>
           <p:cNvPr id="6" name="Slide Number Placeholder 5">
             <a:extLst>
               <a:ext uri="{FF2B5EF4-FFF2-40B4-BE49-F238E27FC236}">
@@ -30823,6 +30849,40 @@
                 </a:solidFill>
               </a:rPr>
               <a:t>Bandidos</a:t>
+            </a:r>
+          </a:p>
+        </p:txBody>
+      </p:sp>
+      <p:sp>
+        <p:nvSpPr>
+          <p:cNvPr id="4" name="Footer Placeholder 4">
+            <a:extLst>
+              <a:ext uri="{FF2B5EF4-FFF2-40B4-BE49-F238E27FC236}">
+                <a16:creationId xmlns:a16="http://schemas.microsoft.com/office/drawing/2014/main" id="{C59A68BB-1F72-BAE3-FB8B-33C7FCD79AF8}"/>
+              </a:ext>
+            </a:extLst>
+          </p:cNvPr>
+          <p:cNvSpPr>
+            <a:spLocks noGrp="1"/>
+          </p:cNvSpPr>
+          <p:nvPr>
+            <p:ph type="ftr" sz="quarter" idx="11"/>
+          </p:nvPr>
+        </p:nvSpPr>
+        <p:spPr>
+          <a:xfrm>
+            <a:off x="458694" y="6445475"/>
+            <a:ext cx="6824243" cy="365125"/>
+          </a:xfrm>
+        </p:spPr>
+        <p:txBody>
+          <a:bodyPr/>
+          <a:lstStyle/>
+          <a:p>
+            <a:pPr algn="l"/>
+            <a:r>
+              <a:rPr lang="es-ES_tradnl" sz="1400" dirty="0"/>
+              <a:t>Operaciones de Aprendizaje Automático I - CESE - FIUBA</a:t>
             </a:r>
           </a:p>
         </p:txBody>
@@ -30889,40 +30949,6 @@
             <a:r>
               <a:rPr lang="es-ES_tradnl" sz="4000" dirty="0"/>
               <a:t>Predicción en lotes</a:t>
-            </a:r>
-          </a:p>
-        </p:txBody>
-      </p:sp>
-      <p:sp>
-        <p:nvSpPr>
-          <p:cNvPr id="5" name="Footer Placeholder 4">
-            <a:extLst>
-              <a:ext uri="{FF2B5EF4-FFF2-40B4-BE49-F238E27FC236}">
-                <a16:creationId xmlns:a16="http://schemas.microsoft.com/office/drawing/2014/main" id="{180A6784-AA49-8211-68C1-452BA7C43F2B}"/>
-              </a:ext>
-            </a:extLst>
-          </p:cNvPr>
-          <p:cNvSpPr>
-            <a:spLocks noGrp="1"/>
-          </p:cNvSpPr>
-          <p:nvPr>
-            <p:ph type="ftr" sz="quarter" idx="11"/>
-          </p:nvPr>
-        </p:nvSpPr>
-        <p:spPr>
-          <a:xfrm>
-            <a:off x="458694" y="6416674"/>
-            <a:ext cx="4114800" cy="365125"/>
-          </a:xfrm>
-        </p:spPr>
-        <p:txBody>
-          <a:bodyPr/>
-          <a:lstStyle/>
-          <a:p>
-            <a:pPr algn="l"/>
-            <a:r>
-              <a:rPr lang="es-ES_tradnl" sz="1400" dirty="0"/>
-              <a:t>Aprendizaje de Máquina - CESE - FIUBA</a:t>
             </a:r>
           </a:p>
         </p:txBody>
@@ -31621,6 +31647,40 @@
               <a:t>Predictions</a:t>
             </a:r>
             <a:endParaRPr lang="es-ES_tradnl" dirty="0"/>
+          </a:p>
+        </p:txBody>
+      </p:sp>
+      <p:sp>
+        <p:nvSpPr>
+          <p:cNvPr id="7" name="Footer Placeholder 4">
+            <a:extLst>
+              <a:ext uri="{FF2B5EF4-FFF2-40B4-BE49-F238E27FC236}">
+                <a16:creationId xmlns:a16="http://schemas.microsoft.com/office/drawing/2014/main" id="{EA5B5137-FE71-DA06-E525-CF996185BFA8}"/>
+              </a:ext>
+            </a:extLst>
+          </p:cNvPr>
+          <p:cNvSpPr>
+            <a:spLocks noGrp="1"/>
+          </p:cNvSpPr>
+          <p:nvPr>
+            <p:ph type="ftr" sz="quarter" idx="11"/>
+          </p:nvPr>
+        </p:nvSpPr>
+        <p:spPr>
+          <a:xfrm>
+            <a:off x="458694" y="6445475"/>
+            <a:ext cx="6824243" cy="365125"/>
+          </a:xfrm>
+        </p:spPr>
+        <p:txBody>
+          <a:bodyPr/>
+          <a:lstStyle/>
+          <a:p>
+            <a:pPr algn="l"/>
+            <a:r>
+              <a:rPr lang="es-ES_tradnl" sz="1400" dirty="0"/>
+              <a:t>Operaciones de Aprendizaje Automático I - CESE - FIUBA</a:t>
+            </a:r>
           </a:p>
         </p:txBody>
       </p:sp>
@@ -32091,10 +32151,10 @@
       </p:sp>
       <p:sp>
         <p:nvSpPr>
-          <p:cNvPr id="8" name="Footer Placeholder 3">
-            <a:extLst>
-              <a:ext uri="{FF2B5EF4-FFF2-40B4-BE49-F238E27FC236}">
-                <a16:creationId xmlns:a16="http://schemas.microsoft.com/office/drawing/2014/main" id="{65F20F9F-773C-3A60-E39F-713DB6991C83}"/>
+          <p:cNvPr id="9" name="Slide Number Placeholder 4">
+            <a:extLst>
+              <a:ext uri="{FF2B5EF4-FFF2-40B4-BE49-F238E27FC236}">
+                <a16:creationId xmlns:a16="http://schemas.microsoft.com/office/drawing/2014/main" id="{A5B16026-1A9B-C661-C175-118C2F6323D7}"/>
               </a:ext>
             </a:extLst>
           </p:cNvPr>
@@ -32105,8 +32165,163 @@
         </p:nvSpPr>
         <p:spPr>
           <a:xfrm>
-            <a:off x="611094" y="6413889"/>
-            <a:ext cx="4114800" cy="365125"/>
+            <a:off x="8837706" y="6413889"/>
+            <a:ext cx="2743200" cy="365125"/>
+          </a:xfrm>
+          <a:prstGeom prst="rect">
+            <a:avLst/>
+          </a:prstGeom>
+        </p:spPr>
+        <p:txBody>
+          <a:bodyPr vert="horz" lIns="91440" tIns="45720" rIns="91440" bIns="45720" rtlCol="0" anchor="ctr">
+            <a:normAutofit/>
+          </a:bodyPr>
+          <a:lstStyle>
+            <a:defPPr>
+              <a:defRPr lang="en-US"/>
+            </a:defPPr>
+            <a:lvl1pPr marL="0" algn="r" defTabSz="457200" rtl="0" eaLnBrk="1" latinLnBrk="0" hangingPunct="1">
+              <a:defRPr sz="900" kern="1200">
+                <a:solidFill>
+                  <a:schemeClr val="tx1">
+                    <a:alpha val="60000"/>
+                  </a:schemeClr>
+                </a:solidFill>
+                <a:latin typeface="+mn-lt"/>
+                <a:ea typeface="+mn-ea"/>
+                <a:cs typeface="+mn-cs"/>
+              </a:defRPr>
+            </a:lvl1pPr>
+            <a:lvl2pPr marL="457200" algn="l" defTabSz="457200" rtl="0" eaLnBrk="1" latinLnBrk="0" hangingPunct="1">
+              <a:defRPr sz="1800" kern="1200">
+                <a:solidFill>
+                  <a:schemeClr val="tx1"/>
+                </a:solidFill>
+                <a:latin typeface="+mn-lt"/>
+                <a:ea typeface="+mn-ea"/>
+                <a:cs typeface="+mn-cs"/>
+              </a:defRPr>
+            </a:lvl2pPr>
+            <a:lvl3pPr marL="914400" algn="l" defTabSz="457200" rtl="0" eaLnBrk="1" latinLnBrk="0" hangingPunct="1">
+              <a:defRPr sz="1800" kern="1200">
+                <a:solidFill>
+                  <a:schemeClr val="tx1"/>
+                </a:solidFill>
+                <a:latin typeface="+mn-lt"/>
+                <a:ea typeface="+mn-ea"/>
+                <a:cs typeface="+mn-cs"/>
+              </a:defRPr>
+            </a:lvl3pPr>
+            <a:lvl4pPr marL="1371600" algn="l" defTabSz="457200" rtl="0" eaLnBrk="1" latinLnBrk="0" hangingPunct="1">
+              <a:defRPr sz="1800" kern="1200">
+                <a:solidFill>
+                  <a:schemeClr val="tx1"/>
+                </a:solidFill>
+                <a:latin typeface="+mn-lt"/>
+                <a:ea typeface="+mn-ea"/>
+                <a:cs typeface="+mn-cs"/>
+              </a:defRPr>
+            </a:lvl4pPr>
+            <a:lvl5pPr marL="1828800" algn="l" defTabSz="457200" rtl="0" eaLnBrk="1" latinLnBrk="0" hangingPunct="1">
+              <a:defRPr sz="1800" kern="1200">
+                <a:solidFill>
+                  <a:schemeClr val="tx1"/>
+                </a:solidFill>
+                <a:latin typeface="+mn-lt"/>
+                <a:ea typeface="+mn-ea"/>
+                <a:cs typeface="+mn-cs"/>
+              </a:defRPr>
+            </a:lvl5pPr>
+            <a:lvl6pPr marL="2286000" algn="l" defTabSz="457200" rtl="0" eaLnBrk="1" latinLnBrk="0" hangingPunct="1">
+              <a:defRPr sz="1800" kern="1200">
+                <a:solidFill>
+                  <a:schemeClr val="tx1"/>
+                </a:solidFill>
+                <a:latin typeface="+mn-lt"/>
+                <a:ea typeface="+mn-ea"/>
+                <a:cs typeface="+mn-cs"/>
+              </a:defRPr>
+            </a:lvl6pPr>
+            <a:lvl7pPr marL="2743200" algn="l" defTabSz="457200" rtl="0" eaLnBrk="1" latinLnBrk="0" hangingPunct="1">
+              <a:defRPr sz="1800" kern="1200">
+                <a:solidFill>
+                  <a:schemeClr val="tx1"/>
+                </a:solidFill>
+                <a:latin typeface="+mn-lt"/>
+                <a:ea typeface="+mn-ea"/>
+                <a:cs typeface="+mn-cs"/>
+              </a:defRPr>
+            </a:lvl7pPr>
+            <a:lvl8pPr marL="3200400" algn="l" defTabSz="457200" rtl="0" eaLnBrk="1" latinLnBrk="0" hangingPunct="1">
+              <a:defRPr sz="1800" kern="1200">
+                <a:solidFill>
+                  <a:schemeClr val="tx1"/>
+                </a:solidFill>
+                <a:latin typeface="+mn-lt"/>
+                <a:ea typeface="+mn-ea"/>
+                <a:cs typeface="+mn-cs"/>
+              </a:defRPr>
+            </a:lvl8pPr>
+            <a:lvl9pPr marL="3657600" algn="l" defTabSz="457200" rtl="0" eaLnBrk="1" latinLnBrk="0" hangingPunct="1">
+              <a:defRPr sz="1800" kern="1200">
+                <a:solidFill>
+                  <a:schemeClr val="tx1"/>
+                </a:solidFill>
+                <a:latin typeface="+mn-lt"/>
+                <a:ea typeface="+mn-ea"/>
+                <a:cs typeface="+mn-cs"/>
+              </a:defRPr>
+            </a:lvl9pPr>
+          </a:lstStyle>
+          <a:p>
+            <a:pPr defTabSz="914400">
+              <a:spcAft>
+                <a:spcPts val="600"/>
+              </a:spcAft>
+            </a:pPr>
+            <a:fld id="{73B850FF-6169-4056-8077-06FFA93A5366}" type="slidenum">
+              <a:rPr lang="en-US" sz="1400" smtClean="0">
+                <a:solidFill>
+                  <a:srgbClr val="FFFFFF">
+                    <a:alpha val="60000"/>
+                  </a:srgbClr>
+                </a:solidFill>
+              </a:rPr>
+              <a:pPr defTabSz="914400">
+                <a:spcAft>
+                  <a:spcPts val="600"/>
+                </a:spcAft>
+              </a:pPr>
+              <a:t>8</a:t>
+            </a:fld>
+            <a:endParaRPr lang="en-US" sz="1400" dirty="0">
+              <a:solidFill>
+                <a:srgbClr val="FFFFFF">
+                  <a:alpha val="60000"/>
+                </a:srgbClr>
+              </a:solidFill>
+            </a:endParaRPr>
+          </a:p>
+        </p:txBody>
+      </p:sp>
+      <p:sp>
+        <p:nvSpPr>
+          <p:cNvPr id="3" name="Footer Placeholder 3">
+            <a:extLst>
+              <a:ext uri="{FF2B5EF4-FFF2-40B4-BE49-F238E27FC236}">
+                <a16:creationId xmlns:a16="http://schemas.microsoft.com/office/drawing/2014/main" id="{E85BEFF7-5E22-BCC2-D487-FD97C3F7D3A5}"/>
+              </a:ext>
+            </a:extLst>
+          </p:cNvPr>
+          <p:cNvSpPr txBox="1">
+            <a:spLocks/>
+          </p:cNvSpPr>
+          <p:nvPr/>
+        </p:nvSpPr>
+        <p:spPr>
+          <a:xfrm>
+            <a:off x="611093" y="6413889"/>
+            <a:ext cx="8104889" cy="365125"/>
           </a:xfrm>
           <a:prstGeom prst="rect">
             <a:avLst/>
@@ -32227,163 +32442,8 @@
                   </a:srgbClr>
                 </a:solidFill>
               </a:rPr>
-              <a:t>Aprendizaje de Máquina - CESE - FIUBA</a:t>
-            </a:r>
-          </a:p>
-        </p:txBody>
-      </p:sp>
-      <p:sp>
-        <p:nvSpPr>
-          <p:cNvPr id="9" name="Slide Number Placeholder 4">
-            <a:extLst>
-              <a:ext uri="{FF2B5EF4-FFF2-40B4-BE49-F238E27FC236}">
-                <a16:creationId xmlns:a16="http://schemas.microsoft.com/office/drawing/2014/main" id="{A5B16026-1A9B-C661-C175-118C2F6323D7}"/>
-              </a:ext>
-            </a:extLst>
-          </p:cNvPr>
-          <p:cNvSpPr txBox="1">
-            <a:spLocks/>
-          </p:cNvSpPr>
-          <p:nvPr/>
-        </p:nvSpPr>
-        <p:spPr>
-          <a:xfrm>
-            <a:off x="8837706" y="6413889"/>
-            <a:ext cx="2743200" cy="365125"/>
-          </a:xfrm>
-          <a:prstGeom prst="rect">
-            <a:avLst/>
-          </a:prstGeom>
-        </p:spPr>
-        <p:txBody>
-          <a:bodyPr vert="horz" lIns="91440" tIns="45720" rIns="91440" bIns="45720" rtlCol="0" anchor="ctr">
-            <a:normAutofit/>
-          </a:bodyPr>
-          <a:lstStyle>
-            <a:defPPr>
-              <a:defRPr lang="en-US"/>
-            </a:defPPr>
-            <a:lvl1pPr marL="0" algn="r" defTabSz="457200" rtl="0" eaLnBrk="1" latinLnBrk="0" hangingPunct="1">
-              <a:defRPr sz="900" kern="1200">
-                <a:solidFill>
-                  <a:schemeClr val="tx1">
-                    <a:alpha val="60000"/>
-                  </a:schemeClr>
-                </a:solidFill>
-                <a:latin typeface="+mn-lt"/>
-                <a:ea typeface="+mn-ea"/>
-                <a:cs typeface="+mn-cs"/>
-              </a:defRPr>
-            </a:lvl1pPr>
-            <a:lvl2pPr marL="457200" algn="l" defTabSz="457200" rtl="0" eaLnBrk="1" latinLnBrk="0" hangingPunct="1">
-              <a:defRPr sz="1800" kern="1200">
-                <a:solidFill>
-                  <a:schemeClr val="tx1"/>
-                </a:solidFill>
-                <a:latin typeface="+mn-lt"/>
-                <a:ea typeface="+mn-ea"/>
-                <a:cs typeface="+mn-cs"/>
-              </a:defRPr>
-            </a:lvl2pPr>
-            <a:lvl3pPr marL="914400" algn="l" defTabSz="457200" rtl="0" eaLnBrk="1" latinLnBrk="0" hangingPunct="1">
-              <a:defRPr sz="1800" kern="1200">
-                <a:solidFill>
-                  <a:schemeClr val="tx1"/>
-                </a:solidFill>
-                <a:latin typeface="+mn-lt"/>
-                <a:ea typeface="+mn-ea"/>
-                <a:cs typeface="+mn-cs"/>
-              </a:defRPr>
-            </a:lvl3pPr>
-            <a:lvl4pPr marL="1371600" algn="l" defTabSz="457200" rtl="0" eaLnBrk="1" latinLnBrk="0" hangingPunct="1">
-              <a:defRPr sz="1800" kern="1200">
-                <a:solidFill>
-                  <a:schemeClr val="tx1"/>
-                </a:solidFill>
-                <a:latin typeface="+mn-lt"/>
-                <a:ea typeface="+mn-ea"/>
-                <a:cs typeface="+mn-cs"/>
-              </a:defRPr>
-            </a:lvl4pPr>
-            <a:lvl5pPr marL="1828800" algn="l" defTabSz="457200" rtl="0" eaLnBrk="1" latinLnBrk="0" hangingPunct="1">
-              <a:defRPr sz="1800" kern="1200">
-                <a:solidFill>
-                  <a:schemeClr val="tx1"/>
-                </a:solidFill>
-                <a:latin typeface="+mn-lt"/>
-                <a:ea typeface="+mn-ea"/>
-                <a:cs typeface="+mn-cs"/>
-              </a:defRPr>
-            </a:lvl5pPr>
-            <a:lvl6pPr marL="2286000" algn="l" defTabSz="457200" rtl="0" eaLnBrk="1" latinLnBrk="0" hangingPunct="1">
-              <a:defRPr sz="1800" kern="1200">
-                <a:solidFill>
-                  <a:schemeClr val="tx1"/>
-                </a:solidFill>
-                <a:latin typeface="+mn-lt"/>
-                <a:ea typeface="+mn-ea"/>
-                <a:cs typeface="+mn-cs"/>
-              </a:defRPr>
-            </a:lvl6pPr>
-            <a:lvl7pPr marL="2743200" algn="l" defTabSz="457200" rtl="0" eaLnBrk="1" latinLnBrk="0" hangingPunct="1">
-              <a:defRPr sz="1800" kern="1200">
-                <a:solidFill>
-                  <a:schemeClr val="tx1"/>
-                </a:solidFill>
-                <a:latin typeface="+mn-lt"/>
-                <a:ea typeface="+mn-ea"/>
-                <a:cs typeface="+mn-cs"/>
-              </a:defRPr>
-            </a:lvl7pPr>
-            <a:lvl8pPr marL="3200400" algn="l" defTabSz="457200" rtl="0" eaLnBrk="1" latinLnBrk="0" hangingPunct="1">
-              <a:defRPr sz="1800" kern="1200">
-                <a:solidFill>
-                  <a:schemeClr val="tx1"/>
-                </a:solidFill>
-                <a:latin typeface="+mn-lt"/>
-                <a:ea typeface="+mn-ea"/>
-                <a:cs typeface="+mn-cs"/>
-              </a:defRPr>
-            </a:lvl8pPr>
-            <a:lvl9pPr marL="3657600" algn="l" defTabSz="457200" rtl="0" eaLnBrk="1" latinLnBrk="0" hangingPunct="1">
-              <a:defRPr sz="1800" kern="1200">
-                <a:solidFill>
-                  <a:schemeClr val="tx1"/>
-                </a:solidFill>
-                <a:latin typeface="+mn-lt"/>
-                <a:ea typeface="+mn-ea"/>
-                <a:cs typeface="+mn-cs"/>
-              </a:defRPr>
-            </a:lvl9pPr>
-          </a:lstStyle>
-          <a:p>
-            <a:pPr defTabSz="914400">
-              <a:spcAft>
-                <a:spcPts val="600"/>
-              </a:spcAft>
-            </a:pPr>
-            <a:fld id="{73B850FF-6169-4056-8077-06FFA93A5366}" type="slidenum">
-              <a:rPr lang="en-US" sz="1400" smtClean="0">
-                <a:solidFill>
-                  <a:srgbClr val="FFFFFF">
-                    <a:alpha val="60000"/>
-                  </a:srgbClr>
-                </a:solidFill>
-              </a:rPr>
-              <a:pPr defTabSz="914400">
-                <a:spcAft>
-                  <a:spcPts val="600"/>
-                </a:spcAft>
-              </a:pPr>
-              <a:t>8</a:t>
-            </a:fld>
-            <a:endParaRPr lang="en-US" sz="1400" dirty="0">
-              <a:solidFill>
-                <a:srgbClr val="FFFFFF">
-                  <a:alpha val="60000"/>
-                </a:srgbClr>
-              </a:solidFill>
-            </a:endParaRPr>
+              <a:t>Operaciones de Aprendizaje Automático I - CESE - FIUBA</a:t>
+            </a:r>
           </a:p>
         </p:txBody>
       </p:sp>
@@ -32547,40 +32607,6 @@
       </p:sp>
       <p:sp>
         <p:nvSpPr>
-          <p:cNvPr id="5" name="Footer Placeholder 4">
-            <a:extLst>
-              <a:ext uri="{FF2B5EF4-FFF2-40B4-BE49-F238E27FC236}">
-                <a16:creationId xmlns:a16="http://schemas.microsoft.com/office/drawing/2014/main" id="{180A6784-AA49-8211-68C1-452BA7C43F2B}"/>
-              </a:ext>
-            </a:extLst>
-          </p:cNvPr>
-          <p:cNvSpPr>
-            <a:spLocks noGrp="1"/>
-          </p:cNvSpPr>
-          <p:nvPr>
-            <p:ph type="ftr" sz="quarter" idx="11"/>
-          </p:nvPr>
-        </p:nvSpPr>
-        <p:spPr>
-          <a:xfrm>
-            <a:off x="458694" y="6416674"/>
-            <a:ext cx="4114800" cy="365125"/>
-          </a:xfrm>
-        </p:spPr>
-        <p:txBody>
-          <a:bodyPr/>
-          <a:lstStyle/>
-          <a:p>
-            <a:pPr algn="l"/>
-            <a:r>
-              <a:rPr lang="es-ES_tradnl" sz="1400" dirty="0"/>
-              <a:t>Aprendizaje de Máquina - CESE - FIUBA</a:t>
-            </a:r>
-          </a:p>
-        </p:txBody>
-      </p:sp>
-      <p:sp>
-        <p:nvSpPr>
           <p:cNvPr id="6" name="Slide Number Placeholder 5">
             <a:extLst>
               <a:ext uri="{FF2B5EF4-FFF2-40B4-BE49-F238E27FC236}">
@@ -32671,6 +32697,40 @@
             <a:r>
               <a:rPr lang="es-ES_tradnl" sz="2400" dirty="0"/>
               <a:t>Veamos diferentes casos… </a:t>
+            </a:r>
+          </a:p>
+        </p:txBody>
+      </p:sp>
+      <p:sp>
+        <p:nvSpPr>
+          <p:cNvPr id="4" name="Footer Placeholder 4">
+            <a:extLst>
+              <a:ext uri="{FF2B5EF4-FFF2-40B4-BE49-F238E27FC236}">
+                <a16:creationId xmlns:a16="http://schemas.microsoft.com/office/drawing/2014/main" id="{21CC8631-766A-8876-DC7F-69D6F0D78A80}"/>
+              </a:ext>
+            </a:extLst>
+          </p:cNvPr>
+          <p:cNvSpPr>
+            <a:spLocks noGrp="1"/>
+          </p:cNvSpPr>
+          <p:nvPr>
+            <p:ph type="ftr" sz="quarter" idx="11"/>
+          </p:nvPr>
+        </p:nvSpPr>
+        <p:spPr>
+          <a:xfrm>
+            <a:off x="458694" y="6445475"/>
+            <a:ext cx="6824243" cy="365125"/>
+          </a:xfrm>
+        </p:spPr>
+        <p:txBody>
+          <a:bodyPr/>
+          <a:lstStyle/>
+          <a:p>
+            <a:pPr algn="l"/>
+            <a:r>
+              <a:rPr lang="es-ES_tradnl" sz="1400" dirty="0"/>
+              <a:t>Operaciones de Aprendizaje Automático I - CESE - FIUBA</a:t>
             </a:r>
           </a:p>
         </p:txBody>
